--- a/Olympic host cities presentation.pptx
+++ b/Olympic host cities presentation.pptx
@@ -1,38 +1,464 @@
 
 <file path=ppt/presentation.xml><?xml version="1.0" encoding="utf-8"?>
-<p:presentation xmlns:a="http://schemas.openxmlformats.org/drawingml/2006/main" xmlns:p="http://schemas.openxmlformats.org/presentationml/2006/main" xmlns:r="http://schemas.openxmlformats.org/officeDocument/2006/relationships" xmlns:p14="http://schemas.microsoft.com/office/powerpoint/2010/main" xmlns:p15="http://schemas.microsoft.com/office/powerpoint/2012/main" xmlns:mc="http://schemas.openxmlformats.org/markup-compatibility/2006">
+<p:presentation xmlns:a="http://schemas.openxmlformats.org/drawingml/2006/main" xmlns:r="http://schemas.openxmlformats.org/officeDocument/2006/relationships" xmlns:p="http://schemas.openxmlformats.org/presentationml/2006/main">
   <p:sldMasterIdLst>
-    <p:sldMasterId id="2147483648" r:id="rId2"/>
-    <p:sldMasterId id="2147483661" r:id="rId3"/>
+    <p:sldMasterId id="2147483648" r:id="rId1"/>
+    <p:sldMasterId id="2147483661" r:id="rId2"/>
   </p:sldMasterIdLst>
   <p:sldIdLst>
-    <p:sldId id="256" r:id="rId4"/>
-    <p:sldId id="257" r:id="rId5"/>
-    <p:sldId id="258" r:id="rId6"/>
-    <p:sldId id="259" r:id="rId7"/>
-    <p:sldId id="260" r:id="rId8"/>
-    <p:sldId id="261" r:id="rId9"/>
-    <p:sldId id="262" r:id="rId10"/>
-    <p:sldId id="263" r:id="rId11"/>
-    <p:sldId id="264" r:id="rId12"/>
-    <p:sldId id="265" r:id="rId13"/>
-    <p:sldId id="266" r:id="rId14"/>
-    <p:sldId id="267" r:id="rId15"/>
-    <p:sldId id="268" r:id="rId16"/>
-    <p:sldId id="269" r:id="rId17"/>
-    <p:sldId id="270" r:id="rId18"/>
-    <p:sldId id="271" r:id="rId19"/>
-    <p:sldId id="272" r:id="rId20"/>
-    <p:sldId id="273" r:id="rId21"/>
-    <p:sldId id="274" r:id="rId22"/>
+    <p:sldId id="256" r:id="rId3"/>
+    <p:sldId id="257" r:id="rId4"/>
+    <p:sldId id="258" r:id="rId5"/>
+    <p:sldId id="259" r:id="rId6"/>
+    <p:sldId id="260" r:id="rId7"/>
+    <p:sldId id="261" r:id="rId8"/>
+    <p:sldId id="262" r:id="rId9"/>
+    <p:sldId id="263" r:id="rId10"/>
+    <p:sldId id="264" r:id="rId11"/>
+    <p:sldId id="265" r:id="rId12"/>
+    <p:sldId id="266" r:id="rId13"/>
+    <p:sldId id="267" r:id="rId14"/>
+    <p:sldId id="268" r:id="rId15"/>
+    <p:sldId id="269" r:id="rId16"/>
+    <p:sldId id="270" r:id="rId17"/>
+    <p:sldId id="271" r:id="rId18"/>
+    <p:sldId id="272" r:id="rId19"/>
+    <p:sldId id="273" r:id="rId20"/>
+    <p:sldId id="274" r:id="rId21"/>
   </p:sldIdLst>
   <p:sldSz cx="10080625" cy="5670550"/>
   <p:notesSz cx="7772400" cy="10058400"/>
+  <p:defaultTextStyle>
+    <a:defPPr>
+      <a:defRPr lang="en-US"/>
+    </a:defPPr>
+    <a:lvl1pPr marL="0" algn="l" defTabSz="914400" rtl="0" eaLnBrk="1" latinLnBrk="0" hangingPunct="1">
+      <a:defRPr sz="1800" kern="1200">
+        <a:solidFill>
+          <a:schemeClr val="tx1"/>
+        </a:solidFill>
+        <a:latin typeface="+mn-lt"/>
+        <a:ea typeface="+mn-ea"/>
+        <a:cs typeface="+mn-cs"/>
+      </a:defRPr>
+    </a:lvl1pPr>
+    <a:lvl2pPr marL="457200" algn="l" defTabSz="914400" rtl="0" eaLnBrk="1" latinLnBrk="0" hangingPunct="1">
+      <a:defRPr sz="1800" kern="1200">
+        <a:solidFill>
+          <a:schemeClr val="tx1"/>
+        </a:solidFill>
+        <a:latin typeface="+mn-lt"/>
+        <a:ea typeface="+mn-ea"/>
+        <a:cs typeface="+mn-cs"/>
+      </a:defRPr>
+    </a:lvl2pPr>
+    <a:lvl3pPr marL="914400" algn="l" defTabSz="914400" rtl="0" eaLnBrk="1" latinLnBrk="0" hangingPunct="1">
+      <a:defRPr sz="1800" kern="1200">
+        <a:solidFill>
+          <a:schemeClr val="tx1"/>
+        </a:solidFill>
+        <a:latin typeface="+mn-lt"/>
+        <a:ea typeface="+mn-ea"/>
+        <a:cs typeface="+mn-cs"/>
+      </a:defRPr>
+    </a:lvl3pPr>
+    <a:lvl4pPr marL="1371600" algn="l" defTabSz="914400" rtl="0" eaLnBrk="1" latinLnBrk="0" hangingPunct="1">
+      <a:defRPr sz="1800" kern="1200">
+        <a:solidFill>
+          <a:schemeClr val="tx1"/>
+        </a:solidFill>
+        <a:latin typeface="+mn-lt"/>
+        <a:ea typeface="+mn-ea"/>
+        <a:cs typeface="+mn-cs"/>
+      </a:defRPr>
+    </a:lvl4pPr>
+    <a:lvl5pPr marL="1828800" algn="l" defTabSz="914400" rtl="0" eaLnBrk="1" latinLnBrk="0" hangingPunct="1">
+      <a:defRPr sz="1800" kern="1200">
+        <a:solidFill>
+          <a:schemeClr val="tx1"/>
+        </a:solidFill>
+        <a:latin typeface="+mn-lt"/>
+        <a:ea typeface="+mn-ea"/>
+        <a:cs typeface="+mn-cs"/>
+      </a:defRPr>
+    </a:lvl5pPr>
+    <a:lvl6pPr marL="2286000" algn="l" defTabSz="914400" rtl="0" eaLnBrk="1" latinLnBrk="0" hangingPunct="1">
+      <a:defRPr sz="1800" kern="1200">
+        <a:solidFill>
+          <a:schemeClr val="tx1"/>
+        </a:solidFill>
+        <a:latin typeface="+mn-lt"/>
+        <a:ea typeface="+mn-ea"/>
+        <a:cs typeface="+mn-cs"/>
+      </a:defRPr>
+    </a:lvl6pPr>
+    <a:lvl7pPr marL="2743200" algn="l" defTabSz="914400" rtl="0" eaLnBrk="1" latinLnBrk="0" hangingPunct="1">
+      <a:defRPr sz="1800" kern="1200">
+        <a:solidFill>
+          <a:schemeClr val="tx1"/>
+        </a:solidFill>
+        <a:latin typeface="+mn-lt"/>
+        <a:ea typeface="+mn-ea"/>
+        <a:cs typeface="+mn-cs"/>
+      </a:defRPr>
+    </a:lvl7pPr>
+    <a:lvl8pPr marL="3200400" algn="l" defTabSz="914400" rtl="0" eaLnBrk="1" latinLnBrk="0" hangingPunct="1">
+      <a:defRPr sz="1800" kern="1200">
+        <a:solidFill>
+          <a:schemeClr val="tx1"/>
+        </a:solidFill>
+        <a:latin typeface="+mn-lt"/>
+        <a:ea typeface="+mn-ea"/>
+        <a:cs typeface="+mn-cs"/>
+      </a:defRPr>
+    </a:lvl8pPr>
+    <a:lvl9pPr marL="3657600" algn="l" defTabSz="914400" rtl="0" eaLnBrk="1" latinLnBrk="0" hangingPunct="1">
+      <a:defRPr sz="1800" kern="1200">
+        <a:solidFill>
+          <a:schemeClr val="tx1"/>
+        </a:solidFill>
+        <a:latin typeface="+mn-lt"/>
+        <a:ea typeface="+mn-ea"/>
+        <a:cs typeface="+mn-cs"/>
+      </a:defRPr>
+    </a:lvl9pPr>
+  </p:defaultTextStyle>
 </p:presentation>
 </file>
 
+<file path=ppt/changesInfos/changesInfo1.xml><?xml version="1.0" encoding="utf-8"?>
+<pc:chgInfo xmlns:a="http://schemas.openxmlformats.org/drawingml/2006/main" xmlns:r="http://schemas.openxmlformats.org/officeDocument/2006/relationships" xmlns:ac="http://schemas.microsoft.com/office/drawing/2013/main/command" xmlns:pc="http://schemas.microsoft.com/office/powerpoint/2013/main/command">
+  <pc:docChgLst>
+    <pc:chgData name="Charles Fung" userId="247523ec7f06dc0a" providerId="Windows Live" clId="Web-{1E039E6F-26DF-41D3-8C4D-93B8C972929A}"/>
+    <pc:docChg chg="modSld">
+      <pc:chgData name="Charles Fung" userId="247523ec7f06dc0a" providerId="Windows Live" clId="Web-{1E039E6F-26DF-41D3-8C4D-93B8C972929A}" dt="2018-11-29T21:04:25.197" v="332" actId="20577"/>
+      <pc:docMkLst>
+        <pc:docMk/>
+      </pc:docMkLst>
+      <pc:sldChg chg="modSp mod setBg">
+        <pc:chgData name="Charles Fung" userId="247523ec7f06dc0a" providerId="Windows Live" clId="Web-{1E039E6F-26DF-41D3-8C4D-93B8C972929A}" dt="2018-11-29T20:48:55.913" v="4"/>
+        <pc:sldMkLst>
+          <pc:docMk/>
+          <pc:sldMk cId="0" sldId="256"/>
+        </pc:sldMkLst>
+        <pc:spChg chg="mod">
+          <ac:chgData name="Charles Fung" userId="247523ec7f06dc0a" providerId="Windows Live" clId="Web-{1E039E6F-26DF-41D3-8C4D-93B8C972929A}" dt="2018-11-29T20:48:20.552" v="3" actId="20577"/>
+          <ac:spMkLst>
+            <pc:docMk/>
+            <pc:sldMk cId="0" sldId="256"/>
+            <ac:spMk id="83" creationId="{00000000-0000-0000-0000-000000000000}"/>
+          </ac:spMkLst>
+        </pc:spChg>
+      </pc:sldChg>
+      <pc:sldChg chg="modSp mod setBg">
+        <pc:chgData name="Charles Fung" userId="247523ec7f06dc0a" providerId="Windows Live" clId="Web-{1E039E6F-26DF-41D3-8C4D-93B8C972929A}" dt="2018-11-29T20:50:02.728" v="8" actId="20577"/>
+        <pc:sldMkLst>
+          <pc:docMk/>
+          <pc:sldMk cId="0" sldId="257"/>
+        </pc:sldMkLst>
+        <pc:spChg chg="mod">
+          <ac:chgData name="Charles Fung" userId="247523ec7f06dc0a" providerId="Windows Live" clId="Web-{1E039E6F-26DF-41D3-8C4D-93B8C972929A}" dt="2018-11-29T20:50:02.728" v="8" actId="20577"/>
+          <ac:spMkLst>
+            <pc:docMk/>
+            <pc:sldMk cId="0" sldId="257"/>
+            <ac:spMk id="84" creationId="{00000000-0000-0000-0000-000000000000}"/>
+          </ac:spMkLst>
+        </pc:spChg>
+      </pc:sldChg>
+      <pc:sldChg chg="mod setBg">
+        <pc:chgData name="Charles Fung" userId="247523ec7f06dc0a" providerId="Windows Live" clId="Web-{1E039E6F-26DF-41D3-8C4D-93B8C972929A}" dt="2018-11-29T20:50:08.025" v="9"/>
+        <pc:sldMkLst>
+          <pc:docMk/>
+          <pc:sldMk cId="0" sldId="258"/>
+        </pc:sldMkLst>
+      </pc:sldChg>
+      <pc:sldChg chg="modSp mod setBg">
+        <pc:chgData name="Charles Fung" userId="247523ec7f06dc0a" providerId="Windows Live" clId="Web-{1E039E6F-26DF-41D3-8C4D-93B8C972929A}" dt="2018-11-29T20:51:06.058" v="23" actId="20577"/>
+        <pc:sldMkLst>
+          <pc:docMk/>
+          <pc:sldMk cId="0" sldId="259"/>
+        </pc:sldMkLst>
+        <pc:spChg chg="mod">
+          <ac:chgData name="Charles Fung" userId="247523ec7f06dc0a" providerId="Windows Live" clId="Web-{1E039E6F-26DF-41D3-8C4D-93B8C972929A}" dt="2018-11-29T20:51:06.058" v="23" actId="20577"/>
+          <ac:spMkLst>
+            <pc:docMk/>
+            <pc:sldMk cId="0" sldId="259"/>
+            <ac:spMk id="91" creationId="{00000000-0000-0000-0000-000000000000}"/>
+          </ac:spMkLst>
+        </pc:spChg>
+      </pc:sldChg>
+      <pc:sldChg chg="modSp mod setBg">
+        <pc:chgData name="Charles Fung" userId="247523ec7f06dc0a" providerId="Windows Live" clId="Web-{1E039E6F-26DF-41D3-8C4D-93B8C972929A}" dt="2018-11-29T20:52:22.358" v="59" actId="20577"/>
+        <pc:sldMkLst>
+          <pc:docMk/>
+          <pc:sldMk cId="0" sldId="260"/>
+        </pc:sldMkLst>
+        <pc:spChg chg="mod">
+          <ac:chgData name="Charles Fung" userId="247523ec7f06dc0a" providerId="Windows Live" clId="Web-{1E039E6F-26DF-41D3-8C4D-93B8C972929A}" dt="2018-11-29T20:52:22.358" v="59" actId="20577"/>
+          <ac:spMkLst>
+            <pc:docMk/>
+            <pc:sldMk cId="0" sldId="260"/>
+            <ac:spMk id="94" creationId="{00000000-0000-0000-0000-000000000000}"/>
+          </ac:spMkLst>
+        </pc:spChg>
+        <pc:picChg chg="mod">
+          <ac:chgData name="Charles Fung" userId="247523ec7f06dc0a" providerId="Windows Live" clId="Web-{1E039E6F-26DF-41D3-8C4D-93B8C972929A}" dt="2018-11-29T20:51:56.404" v="51" actId="1076"/>
+          <ac:picMkLst>
+            <pc:docMk/>
+            <pc:sldMk cId="0" sldId="260"/>
+            <ac:picMk id="95" creationId="{00000000-0000-0000-0000-000000000000}"/>
+          </ac:picMkLst>
+        </pc:picChg>
+      </pc:sldChg>
+      <pc:sldChg chg="modSp mod setBg">
+        <pc:chgData name="Charles Fung" userId="247523ec7f06dc0a" providerId="Windows Live" clId="Web-{1E039E6F-26DF-41D3-8C4D-93B8C972929A}" dt="2018-11-29T20:57:30.025" v="153" actId="20577"/>
+        <pc:sldMkLst>
+          <pc:docMk/>
+          <pc:sldMk cId="0" sldId="261"/>
+        </pc:sldMkLst>
+        <pc:spChg chg="mod">
+          <ac:chgData name="Charles Fung" userId="247523ec7f06dc0a" providerId="Windows Live" clId="Web-{1E039E6F-26DF-41D3-8C4D-93B8C972929A}" dt="2018-11-29T20:57:30.025" v="153" actId="20577"/>
+          <ac:spMkLst>
+            <pc:docMk/>
+            <pc:sldMk cId="0" sldId="261"/>
+            <ac:spMk id="97" creationId="{00000000-0000-0000-0000-000000000000}"/>
+          </ac:spMkLst>
+        </pc:spChg>
+      </pc:sldChg>
+      <pc:sldChg chg="modSp mod setBg">
+        <pc:chgData name="Charles Fung" userId="247523ec7f06dc0a" providerId="Windows Live" clId="Web-{1E039E6F-26DF-41D3-8C4D-93B8C972929A}" dt="2018-11-29T20:53:43.110" v="78" actId="20577"/>
+        <pc:sldMkLst>
+          <pc:docMk/>
+          <pc:sldMk cId="0" sldId="262"/>
+        </pc:sldMkLst>
+        <pc:spChg chg="mod">
+          <ac:chgData name="Charles Fung" userId="247523ec7f06dc0a" providerId="Windows Live" clId="Web-{1E039E6F-26DF-41D3-8C4D-93B8C972929A}" dt="2018-11-29T20:53:43.110" v="78" actId="20577"/>
+          <ac:spMkLst>
+            <pc:docMk/>
+            <pc:sldMk cId="0" sldId="262"/>
+            <ac:spMk id="100" creationId="{00000000-0000-0000-0000-000000000000}"/>
+          </ac:spMkLst>
+        </pc:spChg>
+      </pc:sldChg>
+      <pc:sldChg chg="modSp mod setBg">
+        <pc:chgData name="Charles Fung" userId="247523ec7f06dc0a" providerId="Windows Live" clId="Web-{1E039E6F-26DF-41D3-8C4D-93B8C972929A}" dt="2018-11-29T20:53:48.939" v="81" actId="20577"/>
+        <pc:sldMkLst>
+          <pc:docMk/>
+          <pc:sldMk cId="0" sldId="263"/>
+        </pc:sldMkLst>
+        <pc:spChg chg="mod">
+          <ac:chgData name="Charles Fung" userId="247523ec7f06dc0a" providerId="Windows Live" clId="Web-{1E039E6F-26DF-41D3-8C4D-93B8C972929A}" dt="2018-11-29T20:53:48.939" v="81" actId="20577"/>
+          <ac:spMkLst>
+            <pc:docMk/>
+            <pc:sldMk cId="0" sldId="263"/>
+            <ac:spMk id="102" creationId="{00000000-0000-0000-0000-000000000000}"/>
+          </ac:spMkLst>
+        </pc:spChg>
+      </pc:sldChg>
+      <pc:sldChg chg="modSp mod setBg">
+        <pc:chgData name="Charles Fung" userId="247523ec7f06dc0a" providerId="Windows Live" clId="Web-{1E039E6F-26DF-41D3-8C4D-93B8C972929A}" dt="2018-11-29T20:54:26.971" v="87" actId="20577"/>
+        <pc:sldMkLst>
+          <pc:docMk/>
+          <pc:sldMk cId="0" sldId="264"/>
+        </pc:sldMkLst>
+        <pc:spChg chg="mod">
+          <ac:chgData name="Charles Fung" userId="247523ec7f06dc0a" providerId="Windows Live" clId="Web-{1E039E6F-26DF-41D3-8C4D-93B8C972929A}" dt="2018-11-29T20:54:26.971" v="87" actId="20577"/>
+          <ac:spMkLst>
+            <pc:docMk/>
+            <pc:sldMk cId="0" sldId="264"/>
+            <ac:spMk id="106" creationId="{00000000-0000-0000-0000-000000000000}"/>
+          </ac:spMkLst>
+        </pc:spChg>
+      </pc:sldChg>
+      <pc:sldChg chg="modSp mod setBg">
+        <pc:chgData name="Charles Fung" userId="247523ec7f06dc0a" providerId="Windows Live" clId="Web-{1E039E6F-26DF-41D3-8C4D-93B8C972929A}" dt="2018-11-29T20:55:27.661" v="106" actId="20577"/>
+        <pc:sldMkLst>
+          <pc:docMk/>
+          <pc:sldMk cId="0" sldId="265"/>
+        </pc:sldMkLst>
+        <pc:spChg chg="mod">
+          <ac:chgData name="Charles Fung" userId="247523ec7f06dc0a" providerId="Windows Live" clId="Web-{1E039E6F-26DF-41D3-8C4D-93B8C972929A}" dt="2018-11-29T20:55:27.661" v="106" actId="20577"/>
+          <ac:spMkLst>
+            <pc:docMk/>
+            <pc:sldMk cId="0" sldId="265"/>
+            <ac:spMk id="108" creationId="{00000000-0000-0000-0000-000000000000}"/>
+          </ac:spMkLst>
+        </pc:spChg>
+      </pc:sldChg>
+      <pc:sldChg chg="modSp mod setBg">
+        <pc:chgData name="Charles Fung" userId="247523ec7f06dc0a" providerId="Windows Live" clId="Web-{1E039E6F-26DF-41D3-8C4D-93B8C972929A}" dt="2018-11-29T20:55:45.302" v="117" actId="20577"/>
+        <pc:sldMkLst>
+          <pc:docMk/>
+          <pc:sldMk cId="0" sldId="266"/>
+        </pc:sldMkLst>
+        <pc:spChg chg="mod">
+          <ac:chgData name="Charles Fung" userId="247523ec7f06dc0a" providerId="Windows Live" clId="Web-{1E039E6F-26DF-41D3-8C4D-93B8C972929A}" dt="2018-11-29T20:55:45.302" v="117" actId="20577"/>
+          <ac:spMkLst>
+            <pc:docMk/>
+            <pc:sldMk cId="0" sldId="266"/>
+            <ac:spMk id="111" creationId="{00000000-0000-0000-0000-000000000000}"/>
+          </ac:spMkLst>
+        </pc:spChg>
+      </pc:sldChg>
+      <pc:sldChg chg="modSp mod setBg">
+        <pc:chgData name="Charles Fung" userId="247523ec7f06dc0a" providerId="Windows Live" clId="Web-{1E039E6F-26DF-41D3-8C4D-93B8C972929A}" dt="2018-11-29T20:56:03.865" v="122" actId="20577"/>
+        <pc:sldMkLst>
+          <pc:docMk/>
+          <pc:sldMk cId="0" sldId="267"/>
+        </pc:sldMkLst>
+        <pc:spChg chg="mod">
+          <ac:chgData name="Charles Fung" userId="247523ec7f06dc0a" providerId="Windows Live" clId="Web-{1E039E6F-26DF-41D3-8C4D-93B8C972929A}" dt="2018-11-29T20:56:03.865" v="122" actId="20577"/>
+          <ac:spMkLst>
+            <pc:docMk/>
+            <pc:sldMk cId="0" sldId="267"/>
+            <ac:spMk id="113" creationId="{00000000-0000-0000-0000-000000000000}"/>
+          </ac:spMkLst>
+        </pc:spChg>
+      </pc:sldChg>
+      <pc:sldChg chg="mod setBg">
+        <pc:chgData name="Charles Fung" userId="247523ec7f06dc0a" providerId="Windows Live" clId="Web-{1E039E6F-26DF-41D3-8C4D-93B8C972929A}" dt="2018-11-29T20:56:06.131" v="124"/>
+        <pc:sldMkLst>
+          <pc:docMk/>
+          <pc:sldMk cId="0" sldId="268"/>
+        </pc:sldMkLst>
+      </pc:sldChg>
+      <pc:sldChg chg="modSp mod setBg">
+        <pc:chgData name="Charles Fung" userId="247523ec7f06dc0a" providerId="Windows Live" clId="Web-{1E039E6F-26DF-41D3-8C4D-93B8C972929A}" dt="2018-11-29T21:04:25.197" v="332" actId="20577"/>
+        <pc:sldMkLst>
+          <pc:docMk/>
+          <pc:sldMk cId="0" sldId="269"/>
+        </pc:sldMkLst>
+        <pc:spChg chg="mod">
+          <ac:chgData name="Charles Fung" userId="247523ec7f06dc0a" providerId="Windows Live" clId="Web-{1E039E6F-26DF-41D3-8C4D-93B8C972929A}" dt="2018-11-29T21:04:25.197" v="332" actId="20577"/>
+          <ac:spMkLst>
+            <pc:docMk/>
+            <pc:sldMk cId="0" sldId="269"/>
+            <ac:spMk id="118" creationId="{00000000-0000-0000-0000-000000000000}"/>
+          </ac:spMkLst>
+        </pc:spChg>
+        <pc:picChg chg="mod">
+          <ac:chgData name="Charles Fung" userId="247523ec7f06dc0a" providerId="Windows Live" clId="Web-{1E039E6F-26DF-41D3-8C4D-93B8C972929A}" dt="2018-11-29T20:56:25.851" v="126" actId="1076"/>
+          <ac:picMkLst>
+            <pc:docMk/>
+            <pc:sldMk cId="0" sldId="269"/>
+            <ac:picMk id="120" creationId="{00000000-0000-0000-0000-000000000000}"/>
+          </ac:picMkLst>
+        </pc:picChg>
+      </pc:sldChg>
+      <pc:sldChg chg="addSp delSp modSp mod setBg">
+        <pc:chgData name="Charles Fung" userId="247523ec7f06dc0a" providerId="Windows Live" clId="Web-{1E039E6F-26DF-41D3-8C4D-93B8C972929A}" dt="2018-11-29T21:00:41.032" v="225" actId="1076"/>
+        <pc:sldMkLst>
+          <pc:docMk/>
+          <pc:sldMk cId="0" sldId="270"/>
+        </pc:sldMkLst>
+        <pc:spChg chg="add del">
+          <ac:chgData name="Charles Fung" userId="247523ec7f06dc0a" providerId="Windows Live" clId="Web-{1E039E6F-26DF-41D3-8C4D-93B8C972929A}" dt="2018-11-29T20:59:18.951" v="183"/>
+          <ac:spMkLst>
+            <pc:docMk/>
+            <pc:sldMk cId="0" sldId="270"/>
+            <ac:spMk id="2" creationId="{C0961A15-5B33-4F10-90D1-E5BAB89B7FA1}"/>
+          </ac:spMkLst>
+        </pc:spChg>
+        <pc:spChg chg="add mod">
+          <ac:chgData name="Charles Fung" userId="247523ec7f06dc0a" providerId="Windows Live" clId="Web-{1E039E6F-26DF-41D3-8C4D-93B8C972929A}" dt="2018-11-29T20:58:45.402" v="162" actId="1076"/>
+          <ac:spMkLst>
+            <pc:docMk/>
+            <pc:sldMk cId="0" sldId="270"/>
+            <ac:spMk id="3" creationId="{63FE3B8B-11FC-4D37-AD64-DD820C8FB36B}"/>
+          </ac:spMkLst>
+        </pc:spChg>
+        <pc:spChg chg="add mod">
+          <ac:chgData name="Charles Fung" userId="247523ec7f06dc0a" providerId="Windows Live" clId="Web-{1E039E6F-26DF-41D3-8C4D-93B8C972929A}" dt="2018-11-29T21:00:41.032" v="225" actId="1076"/>
+          <ac:spMkLst>
+            <pc:docMk/>
+            <pc:sldMk cId="0" sldId="270"/>
+            <ac:spMk id="4" creationId="{381E3E0D-4B53-478E-B49C-456E2BF43A96}"/>
+          </ac:spMkLst>
+        </pc:spChg>
+        <pc:spChg chg="add mod">
+          <ac:chgData name="Charles Fung" userId="247523ec7f06dc0a" providerId="Windows Live" clId="Web-{1E039E6F-26DF-41D3-8C4D-93B8C972929A}" dt="2018-11-29T20:59:39.498" v="186" actId="14100"/>
+          <ac:spMkLst>
+            <pc:docMk/>
+            <pc:sldMk cId="0" sldId="270"/>
+            <ac:spMk id="5" creationId="{340916BD-E74C-45E0-A722-B729DCDA67A3}"/>
+          </ac:spMkLst>
+        </pc:spChg>
+        <pc:spChg chg="add mod">
+          <ac:chgData name="Charles Fung" userId="247523ec7f06dc0a" providerId="Windows Live" clId="Web-{1E039E6F-26DF-41D3-8C4D-93B8C972929A}" dt="2018-11-29T21:00:30.594" v="224" actId="14100"/>
+          <ac:spMkLst>
+            <pc:docMk/>
+            <pc:sldMk cId="0" sldId="270"/>
+            <ac:spMk id="6" creationId="{C6A47754-52A7-4F1F-B296-EE7856133CC6}"/>
+          </ac:spMkLst>
+        </pc:spChg>
+        <pc:spChg chg="mod">
+          <ac:chgData name="Charles Fung" userId="247523ec7f06dc0a" providerId="Windows Live" clId="Web-{1E039E6F-26DF-41D3-8C4D-93B8C972929A}" dt="2018-11-29T20:58:20.886" v="159" actId="1076"/>
+          <ac:spMkLst>
+            <pc:docMk/>
+            <pc:sldMk cId="0" sldId="270"/>
+            <ac:spMk id="122" creationId="{00000000-0000-0000-0000-000000000000}"/>
+          </ac:spMkLst>
+        </pc:spChg>
+        <pc:picChg chg="mod">
+          <ac:chgData name="Charles Fung" userId="247523ec7f06dc0a" providerId="Windows Live" clId="Web-{1E039E6F-26DF-41D3-8C4D-93B8C972929A}" dt="2018-11-29T20:58:06.401" v="157" actId="1076"/>
+          <ac:picMkLst>
+            <pc:docMk/>
+            <pc:sldMk cId="0" sldId="270"/>
+            <ac:picMk id="124" creationId="{00000000-0000-0000-0000-000000000000}"/>
+          </ac:picMkLst>
+        </pc:picChg>
+      </pc:sldChg>
+      <pc:sldChg chg="modSp mod setBg">
+        <pc:chgData name="Charles Fung" userId="247523ec7f06dc0a" providerId="Windows Live" clId="Web-{1E039E6F-26DF-41D3-8C4D-93B8C972929A}" dt="2018-11-29T21:03:40.100" v="317" actId="20577"/>
+        <pc:sldMkLst>
+          <pc:docMk/>
+          <pc:sldMk cId="0" sldId="271"/>
+        </pc:sldMkLst>
+        <pc:spChg chg="mod">
+          <ac:chgData name="Charles Fung" userId="247523ec7f06dc0a" providerId="Windows Live" clId="Web-{1E039E6F-26DF-41D3-8C4D-93B8C972929A}" dt="2018-11-29T21:03:40.100" v="317" actId="20577"/>
+          <ac:spMkLst>
+            <pc:docMk/>
+            <pc:sldMk cId="0" sldId="271"/>
+            <ac:spMk id="126" creationId="{00000000-0000-0000-0000-000000000000}"/>
+          </ac:spMkLst>
+        </pc:spChg>
+      </pc:sldChg>
+      <pc:sldChg chg="mod setBg">
+        <pc:chgData name="Charles Fung" userId="247523ec7f06dc0a" providerId="Windows Live" clId="Web-{1E039E6F-26DF-41D3-8C4D-93B8C972929A}" dt="2018-11-29T21:03:42.866" v="319"/>
+        <pc:sldMkLst>
+          <pc:docMk/>
+          <pc:sldMk cId="0" sldId="272"/>
+        </pc:sldMkLst>
+      </pc:sldChg>
+      <pc:sldChg chg="mod setBg">
+        <pc:chgData name="Charles Fung" userId="247523ec7f06dc0a" providerId="Windows Live" clId="Web-{1E039E6F-26DF-41D3-8C4D-93B8C972929A}" dt="2018-11-29T21:03:47.523" v="320"/>
+        <pc:sldMkLst>
+          <pc:docMk/>
+          <pc:sldMk cId="0" sldId="273"/>
+        </pc:sldMkLst>
+      </pc:sldChg>
+      <pc:sldChg chg="modSp mod setBg">
+        <pc:chgData name="Charles Fung" userId="247523ec7f06dc0a" providerId="Windows Live" clId="Web-{1E039E6F-26DF-41D3-8C4D-93B8C972929A}" dt="2018-11-29T21:04:00.461" v="326" actId="20577"/>
+        <pc:sldMkLst>
+          <pc:docMk/>
+          <pc:sldMk cId="0" sldId="274"/>
+        </pc:sldMkLst>
+        <pc:spChg chg="mod">
+          <ac:chgData name="Charles Fung" userId="247523ec7f06dc0a" providerId="Windows Live" clId="Web-{1E039E6F-26DF-41D3-8C4D-93B8C972929A}" dt="2018-11-29T21:04:00.461" v="326" actId="20577"/>
+          <ac:spMkLst>
+            <pc:docMk/>
+            <pc:sldMk cId="0" sldId="274"/>
+            <ac:spMk id="132" creationId="{00000000-0000-0000-0000-000000000000}"/>
+          </ac:spMkLst>
+        </pc:spChg>
+      </pc:sldChg>
+    </pc:docChg>
+  </pc:docChgLst>
+</pc:chgInfo>
+</file>
+
 <file path=ppt/slideLayouts/slideLayout1.xml><?xml version="1.0" encoding="utf-8"?>
-<p:sldLayout xmlns:a="http://schemas.openxmlformats.org/drawingml/2006/main" xmlns:p="http://schemas.openxmlformats.org/presentationml/2006/main" xmlns:r="http://schemas.openxmlformats.org/officeDocument/2006/relationships" xmlns:p14="http://schemas.microsoft.com/office/powerpoint/2010/main" xmlns:p15="http://schemas.microsoft.com/office/powerpoint/2012/main" xmlns:mc="http://schemas.openxmlformats.org/markup-compatibility/2006" type="blank" preserve="1">
+<p:sldLayout xmlns:a="http://schemas.openxmlformats.org/drawingml/2006/main" xmlns:r="http://schemas.openxmlformats.org/officeDocument/2006/relationships" xmlns:p="http://schemas.openxmlformats.org/presentationml/2006/main" type="blank" preserve="1">
   <p:cSld name="Blank Slide">
     <p:spTree>
       <p:nvGrpSpPr>
@@ -50,11 +476,14 @@
       </p:grpSpPr>
     </p:spTree>
   </p:cSld>
+  <p:clrMapOvr>
+    <a:masterClrMapping/>
+  </p:clrMapOvr>
 </p:sldLayout>
 </file>
 
 <file path=ppt/slideLayouts/slideLayout10.xml><?xml version="1.0" encoding="utf-8"?>
-<p:sldLayout xmlns:a="http://schemas.openxmlformats.org/drawingml/2006/main" xmlns:p="http://schemas.openxmlformats.org/presentationml/2006/main" xmlns:r="http://schemas.openxmlformats.org/officeDocument/2006/relationships" xmlns:p14="http://schemas.microsoft.com/office/powerpoint/2010/main" xmlns:p15="http://schemas.microsoft.com/office/powerpoint/2012/main" xmlns:mc="http://schemas.openxmlformats.org/markup-compatibility/2006" type="objOverTx" preserve="1">
+<p:sldLayout xmlns:a="http://schemas.openxmlformats.org/drawingml/2006/main" xmlns:r="http://schemas.openxmlformats.org/officeDocument/2006/relationships" xmlns:p="http://schemas.openxmlformats.org/presentationml/2006/main" type="objOverTx" preserve="1">
   <p:cSld name="Title, Content over Content">
     <p:spTree>
       <p:nvGrpSpPr>
@@ -90,10 +519,11 @@
           </a:prstGeom>
         </p:spPr>
         <p:txBody>
-          <a:bodyPr lIns="0" rIns="0" tIns="0" bIns="0" anchor="ctr"/>
+          <a:bodyPr lIns="0" tIns="0" rIns="0" bIns="0" anchor="ctr"/>
+          <a:lstStyle/>
           <a:p>
             <a:pPr algn="ctr"/>
-            <a:endParaRPr b="0" lang="en-US" sz="4400" spc="-1" strike="noStrike">
+            <a:endParaRPr lang="en-US" sz="4400" b="0" strike="noStrike" spc="-1">
               <a:latin typeface="Arial"/>
             </a:endParaRPr>
           </a:p>
@@ -119,11 +549,12 @@
           </a:prstGeom>
         </p:spPr>
         <p:txBody>
-          <a:bodyPr lIns="0" rIns="0" tIns="0" bIns="0">
+          <a:bodyPr lIns="0" tIns="0" rIns="0" bIns="0">
             <a:normAutofit/>
           </a:bodyPr>
-          <a:p>
-            <a:endParaRPr b="0" lang="en-US" sz="3200" spc="-1" strike="noStrike">
+          <a:lstStyle/>
+          <a:p>
+            <a:endParaRPr lang="en-US" sz="3200" b="0" strike="noStrike" spc="-1">
               <a:latin typeface="Arial"/>
             </a:endParaRPr>
           </a:p>
@@ -149,11 +580,12 @@
           </a:prstGeom>
         </p:spPr>
         <p:txBody>
-          <a:bodyPr lIns="0" rIns="0" tIns="0" bIns="0">
+          <a:bodyPr lIns="0" tIns="0" rIns="0" bIns="0">
             <a:normAutofit/>
           </a:bodyPr>
-          <a:p>
-            <a:endParaRPr b="0" lang="en-US" sz="3200" spc="-1" strike="noStrike">
+          <a:lstStyle/>
+          <a:p>
+            <a:endParaRPr lang="en-US" sz="3200" b="0" strike="noStrike" spc="-1">
               <a:latin typeface="Arial"/>
             </a:endParaRPr>
           </a:p>
@@ -161,11 +593,14 @@
       </p:sp>
     </p:spTree>
   </p:cSld>
+  <p:clrMapOvr>
+    <a:masterClrMapping/>
+  </p:clrMapOvr>
 </p:sldLayout>
 </file>
 
 <file path=ppt/slideLayouts/slideLayout11.xml><?xml version="1.0" encoding="utf-8"?>
-<p:sldLayout xmlns:a="http://schemas.openxmlformats.org/drawingml/2006/main" xmlns:p="http://schemas.openxmlformats.org/presentationml/2006/main" xmlns:r="http://schemas.openxmlformats.org/officeDocument/2006/relationships" xmlns:p14="http://schemas.microsoft.com/office/powerpoint/2010/main" xmlns:p15="http://schemas.microsoft.com/office/powerpoint/2012/main" xmlns:mc="http://schemas.openxmlformats.org/markup-compatibility/2006" type="fourObj" preserve="1">
+<p:sldLayout xmlns:a="http://schemas.openxmlformats.org/drawingml/2006/main" xmlns:r="http://schemas.openxmlformats.org/officeDocument/2006/relationships" xmlns:p="http://schemas.openxmlformats.org/presentationml/2006/main" type="fourObj" preserve="1">
   <p:cSld name="Title, 4 Content">
     <p:spTree>
       <p:nvGrpSpPr>
@@ -201,10 +636,11 @@
           </a:prstGeom>
         </p:spPr>
         <p:txBody>
-          <a:bodyPr lIns="0" rIns="0" tIns="0" bIns="0" anchor="ctr"/>
+          <a:bodyPr lIns="0" tIns="0" rIns="0" bIns="0" anchor="ctr"/>
+          <a:lstStyle/>
           <a:p>
             <a:pPr algn="ctr"/>
-            <a:endParaRPr b="0" lang="en-US" sz="4400" spc="-1" strike="noStrike">
+            <a:endParaRPr lang="en-US" sz="4400" b="0" strike="noStrike" spc="-1">
               <a:latin typeface="Arial"/>
             </a:endParaRPr>
           </a:p>
@@ -230,11 +666,12 @@
           </a:prstGeom>
         </p:spPr>
         <p:txBody>
-          <a:bodyPr lIns="0" rIns="0" tIns="0" bIns="0">
+          <a:bodyPr lIns="0" tIns="0" rIns="0" bIns="0">
             <a:normAutofit/>
           </a:bodyPr>
-          <a:p>
-            <a:endParaRPr b="0" lang="en-US" sz="3200" spc="-1" strike="noStrike">
+          <a:lstStyle/>
+          <a:p>
+            <a:endParaRPr lang="en-US" sz="3200" b="0" strike="noStrike" spc="-1">
               <a:latin typeface="Arial"/>
             </a:endParaRPr>
           </a:p>
@@ -260,11 +697,12 @@
           </a:prstGeom>
         </p:spPr>
         <p:txBody>
-          <a:bodyPr lIns="0" rIns="0" tIns="0" bIns="0">
+          <a:bodyPr lIns="0" tIns="0" rIns="0" bIns="0">
             <a:normAutofit/>
           </a:bodyPr>
-          <a:p>
-            <a:endParaRPr b="0" lang="en-US" sz="3200" spc="-1" strike="noStrike">
+          <a:lstStyle/>
+          <a:p>
+            <a:endParaRPr lang="en-US" sz="3200" b="0" strike="noStrike" spc="-1">
               <a:latin typeface="Arial"/>
             </a:endParaRPr>
           </a:p>
@@ -290,11 +728,12 @@
           </a:prstGeom>
         </p:spPr>
         <p:txBody>
-          <a:bodyPr lIns="0" rIns="0" tIns="0" bIns="0">
+          <a:bodyPr lIns="0" tIns="0" rIns="0" bIns="0">
             <a:normAutofit/>
           </a:bodyPr>
-          <a:p>
-            <a:endParaRPr b="0" lang="en-US" sz="3200" spc="-1" strike="noStrike">
+          <a:lstStyle/>
+          <a:p>
+            <a:endParaRPr lang="en-US" sz="3200" b="0" strike="noStrike" spc="-1">
               <a:latin typeface="Arial"/>
             </a:endParaRPr>
           </a:p>
@@ -320,11 +759,12 @@
           </a:prstGeom>
         </p:spPr>
         <p:txBody>
-          <a:bodyPr lIns="0" rIns="0" tIns="0" bIns="0">
+          <a:bodyPr lIns="0" tIns="0" rIns="0" bIns="0">
             <a:normAutofit/>
           </a:bodyPr>
-          <a:p>
-            <a:endParaRPr b="0" lang="en-US" sz="3200" spc="-1" strike="noStrike">
+          <a:lstStyle/>
+          <a:p>
+            <a:endParaRPr lang="en-US" sz="3200" b="0" strike="noStrike" spc="-1">
               <a:latin typeface="Arial"/>
             </a:endParaRPr>
           </a:p>
@@ -332,11 +772,14 @@
       </p:sp>
     </p:spTree>
   </p:cSld>
+  <p:clrMapOvr>
+    <a:masterClrMapping/>
+  </p:clrMapOvr>
 </p:sldLayout>
 </file>
 
 <file path=ppt/slideLayouts/slideLayout12.xml><?xml version="1.0" encoding="utf-8"?>
-<p:sldLayout xmlns:a="http://schemas.openxmlformats.org/drawingml/2006/main" xmlns:p="http://schemas.openxmlformats.org/presentationml/2006/main" xmlns:r="http://schemas.openxmlformats.org/officeDocument/2006/relationships" xmlns:p14="http://schemas.microsoft.com/office/powerpoint/2010/main" xmlns:p15="http://schemas.microsoft.com/office/powerpoint/2012/main" xmlns:mc="http://schemas.openxmlformats.org/markup-compatibility/2006" type="blank" preserve="1">
+<p:sldLayout xmlns:a="http://schemas.openxmlformats.org/drawingml/2006/main" xmlns:r="http://schemas.openxmlformats.org/officeDocument/2006/relationships" xmlns:p="http://schemas.openxmlformats.org/presentationml/2006/main" type="blank" preserve="1">
   <p:cSld name="Title, 6 Content">
     <p:spTree>
       <p:nvGrpSpPr>
@@ -372,10 +815,11 @@
           </a:prstGeom>
         </p:spPr>
         <p:txBody>
-          <a:bodyPr lIns="0" rIns="0" tIns="0" bIns="0" anchor="ctr"/>
+          <a:bodyPr lIns="0" tIns="0" rIns="0" bIns="0" anchor="ctr"/>
+          <a:lstStyle/>
           <a:p>
             <a:pPr algn="ctr"/>
-            <a:endParaRPr b="0" lang="en-US" sz="4400" spc="-1" strike="noStrike">
+            <a:endParaRPr lang="en-US" sz="4400" b="0" strike="noStrike" spc="-1">
               <a:latin typeface="Arial"/>
             </a:endParaRPr>
           </a:p>
@@ -401,11 +845,12 @@
           </a:prstGeom>
         </p:spPr>
         <p:txBody>
-          <a:bodyPr lIns="0" rIns="0" tIns="0" bIns="0">
+          <a:bodyPr lIns="0" tIns="0" rIns="0" bIns="0">
             <a:normAutofit/>
           </a:bodyPr>
-          <a:p>
-            <a:endParaRPr b="0" lang="en-US" sz="3200" spc="-1" strike="noStrike">
+          <a:lstStyle/>
+          <a:p>
+            <a:endParaRPr lang="en-US" sz="3200" b="0" strike="noStrike" spc="-1">
               <a:latin typeface="Arial"/>
             </a:endParaRPr>
           </a:p>
@@ -431,11 +876,12 @@
           </a:prstGeom>
         </p:spPr>
         <p:txBody>
-          <a:bodyPr lIns="0" rIns="0" tIns="0" bIns="0">
+          <a:bodyPr lIns="0" tIns="0" rIns="0" bIns="0">
             <a:normAutofit/>
           </a:bodyPr>
-          <a:p>
-            <a:endParaRPr b="0" lang="en-US" sz="3200" spc="-1" strike="noStrike">
+          <a:lstStyle/>
+          <a:p>
+            <a:endParaRPr lang="en-US" sz="3200" b="0" strike="noStrike" spc="-1">
               <a:latin typeface="Arial"/>
             </a:endParaRPr>
           </a:p>
@@ -461,11 +907,12 @@
           </a:prstGeom>
         </p:spPr>
         <p:txBody>
-          <a:bodyPr lIns="0" rIns="0" tIns="0" bIns="0">
+          <a:bodyPr lIns="0" tIns="0" rIns="0" bIns="0">
             <a:normAutofit/>
           </a:bodyPr>
-          <a:p>
-            <a:endParaRPr b="0" lang="en-US" sz="3200" spc="-1" strike="noStrike">
+          <a:lstStyle/>
+          <a:p>
+            <a:endParaRPr lang="en-US" sz="3200" b="0" strike="noStrike" spc="-1">
               <a:latin typeface="Arial"/>
             </a:endParaRPr>
           </a:p>
@@ -491,11 +938,12 @@
           </a:prstGeom>
         </p:spPr>
         <p:txBody>
-          <a:bodyPr lIns="0" rIns="0" tIns="0" bIns="0">
+          <a:bodyPr lIns="0" tIns="0" rIns="0" bIns="0">
             <a:normAutofit/>
           </a:bodyPr>
-          <a:p>
-            <a:endParaRPr b="0" lang="en-US" sz="3200" spc="-1" strike="noStrike">
+          <a:lstStyle/>
+          <a:p>
+            <a:endParaRPr lang="en-US" sz="3200" b="0" strike="noStrike" spc="-1">
               <a:latin typeface="Arial"/>
             </a:endParaRPr>
           </a:p>
@@ -521,11 +969,12 @@
           </a:prstGeom>
         </p:spPr>
         <p:txBody>
-          <a:bodyPr lIns="0" rIns="0" tIns="0" bIns="0">
+          <a:bodyPr lIns="0" tIns="0" rIns="0" bIns="0">
             <a:normAutofit/>
           </a:bodyPr>
-          <a:p>
-            <a:endParaRPr b="0" lang="en-US" sz="3200" spc="-1" strike="noStrike">
+          <a:lstStyle/>
+          <a:p>
+            <a:endParaRPr lang="en-US" sz="3200" b="0" strike="noStrike" spc="-1">
               <a:latin typeface="Arial"/>
             </a:endParaRPr>
           </a:p>
@@ -551,11 +1000,12 @@
           </a:prstGeom>
         </p:spPr>
         <p:txBody>
-          <a:bodyPr lIns="0" rIns="0" tIns="0" bIns="0">
+          <a:bodyPr lIns="0" tIns="0" rIns="0" bIns="0">
             <a:normAutofit/>
           </a:bodyPr>
-          <a:p>
-            <a:endParaRPr b="0" lang="en-US" sz="3200" spc="-1" strike="noStrike">
+          <a:lstStyle/>
+          <a:p>
+            <a:endParaRPr lang="en-US" sz="3200" b="0" strike="noStrike" spc="-1">
               <a:latin typeface="Arial"/>
             </a:endParaRPr>
           </a:p>
@@ -563,11 +1013,14 @@
       </p:sp>
     </p:spTree>
   </p:cSld>
+  <p:clrMapOvr>
+    <a:masterClrMapping/>
+  </p:clrMapOvr>
 </p:sldLayout>
 </file>
 
 <file path=ppt/slideLayouts/slideLayout13.xml><?xml version="1.0" encoding="utf-8"?>
-<p:sldLayout xmlns:a="http://schemas.openxmlformats.org/drawingml/2006/main" xmlns:p="http://schemas.openxmlformats.org/presentationml/2006/main" xmlns:r="http://schemas.openxmlformats.org/officeDocument/2006/relationships" xmlns:p14="http://schemas.microsoft.com/office/powerpoint/2010/main" xmlns:p15="http://schemas.microsoft.com/office/powerpoint/2012/main" xmlns:mc="http://schemas.openxmlformats.org/markup-compatibility/2006" type="blank" preserve="1">
+<p:sldLayout xmlns:a="http://schemas.openxmlformats.org/drawingml/2006/main" xmlns:r="http://schemas.openxmlformats.org/officeDocument/2006/relationships" xmlns:p="http://schemas.openxmlformats.org/presentationml/2006/main" type="blank" preserve="1">
   <p:cSld name="Blank Slide">
     <p:spTree>
       <p:nvGrpSpPr>
@@ -585,11 +1038,14 @@
       </p:grpSpPr>
     </p:spTree>
   </p:cSld>
+  <p:clrMapOvr>
+    <a:masterClrMapping/>
+  </p:clrMapOvr>
 </p:sldLayout>
 </file>
 
 <file path=ppt/slideLayouts/slideLayout14.xml><?xml version="1.0" encoding="utf-8"?>
-<p:sldLayout xmlns:a="http://schemas.openxmlformats.org/drawingml/2006/main" xmlns:p="http://schemas.openxmlformats.org/presentationml/2006/main" xmlns:r="http://schemas.openxmlformats.org/officeDocument/2006/relationships" xmlns:p14="http://schemas.microsoft.com/office/powerpoint/2010/main" xmlns:p15="http://schemas.microsoft.com/office/powerpoint/2012/main" xmlns:mc="http://schemas.openxmlformats.org/markup-compatibility/2006" type="tx" preserve="1">
+<p:sldLayout xmlns:a="http://schemas.openxmlformats.org/drawingml/2006/main" xmlns:r="http://schemas.openxmlformats.org/officeDocument/2006/relationships" xmlns:p="http://schemas.openxmlformats.org/presentationml/2006/main" type="tx" preserve="1">
   <p:cSld name="Title Slide">
     <p:spTree>
       <p:nvGrpSpPr>
@@ -625,10 +1081,11 @@
           </a:prstGeom>
         </p:spPr>
         <p:txBody>
-          <a:bodyPr lIns="0" rIns="0" tIns="0" bIns="0" anchor="ctr"/>
+          <a:bodyPr lIns="0" tIns="0" rIns="0" bIns="0" anchor="ctr"/>
+          <a:lstStyle/>
           <a:p>
             <a:pPr algn="ctr"/>
-            <a:endParaRPr b="0" lang="en-US" sz="4400" spc="-1" strike="noStrike">
+            <a:endParaRPr lang="en-US" sz="4400" b="0" strike="noStrike" spc="-1">
               <a:latin typeface="Arial"/>
             </a:endParaRPr>
           </a:p>
@@ -654,10 +1111,11 @@
           </a:prstGeom>
         </p:spPr>
         <p:txBody>
-          <a:bodyPr lIns="0" rIns="0" tIns="0" bIns="0" anchor="ctr"/>
+          <a:bodyPr lIns="0" tIns="0" rIns="0" bIns="0" anchor="ctr"/>
+          <a:lstStyle/>
           <a:p>
             <a:pPr algn="ctr"/>
-            <a:endParaRPr b="0" lang="en-US" sz="3200" spc="-1" strike="noStrike">
+            <a:endParaRPr lang="en-US" sz="3200" b="0" strike="noStrike" spc="-1">
               <a:latin typeface="Arial"/>
             </a:endParaRPr>
           </a:p>
@@ -665,11 +1123,14 @@
       </p:sp>
     </p:spTree>
   </p:cSld>
+  <p:clrMapOvr>
+    <a:masterClrMapping/>
+  </p:clrMapOvr>
 </p:sldLayout>
 </file>
 
 <file path=ppt/slideLayouts/slideLayout15.xml><?xml version="1.0" encoding="utf-8"?>
-<p:sldLayout xmlns:a="http://schemas.openxmlformats.org/drawingml/2006/main" xmlns:p="http://schemas.openxmlformats.org/presentationml/2006/main" xmlns:r="http://schemas.openxmlformats.org/officeDocument/2006/relationships" xmlns:p14="http://schemas.microsoft.com/office/powerpoint/2010/main" xmlns:p15="http://schemas.microsoft.com/office/powerpoint/2012/main" xmlns:mc="http://schemas.openxmlformats.org/markup-compatibility/2006" type="obj" preserve="1">
+<p:sldLayout xmlns:a="http://schemas.openxmlformats.org/drawingml/2006/main" xmlns:r="http://schemas.openxmlformats.org/officeDocument/2006/relationships" xmlns:p="http://schemas.openxmlformats.org/presentationml/2006/main" type="obj" preserve="1">
   <p:cSld name="Title, Content">
     <p:spTree>
       <p:nvGrpSpPr>
@@ -705,10 +1166,11 @@
           </a:prstGeom>
         </p:spPr>
         <p:txBody>
-          <a:bodyPr lIns="0" rIns="0" tIns="0" bIns="0" anchor="ctr"/>
+          <a:bodyPr lIns="0" tIns="0" rIns="0" bIns="0" anchor="ctr"/>
+          <a:lstStyle/>
           <a:p>
             <a:pPr algn="ctr"/>
-            <a:endParaRPr b="0" lang="en-US" sz="4400" spc="-1" strike="noStrike">
+            <a:endParaRPr lang="en-US" sz="4400" b="0" strike="noStrike" spc="-1">
               <a:latin typeface="Arial"/>
             </a:endParaRPr>
           </a:p>
@@ -734,11 +1196,12 @@
           </a:prstGeom>
         </p:spPr>
         <p:txBody>
-          <a:bodyPr lIns="0" rIns="0" tIns="0" bIns="0">
+          <a:bodyPr lIns="0" tIns="0" rIns="0" bIns="0">
             <a:normAutofit/>
           </a:bodyPr>
-          <a:p>
-            <a:endParaRPr b="0" lang="en-US" sz="3200" spc="-1" strike="noStrike">
+          <a:lstStyle/>
+          <a:p>
+            <a:endParaRPr lang="en-US" sz="3200" b="0" strike="noStrike" spc="-1">
               <a:latin typeface="Arial"/>
             </a:endParaRPr>
           </a:p>
@@ -746,11 +1209,14 @@
       </p:sp>
     </p:spTree>
   </p:cSld>
+  <p:clrMapOvr>
+    <a:masterClrMapping/>
+  </p:clrMapOvr>
 </p:sldLayout>
 </file>
 
 <file path=ppt/slideLayouts/slideLayout16.xml><?xml version="1.0" encoding="utf-8"?>
-<p:sldLayout xmlns:a="http://schemas.openxmlformats.org/drawingml/2006/main" xmlns:p="http://schemas.openxmlformats.org/presentationml/2006/main" xmlns:r="http://schemas.openxmlformats.org/officeDocument/2006/relationships" xmlns:p14="http://schemas.microsoft.com/office/powerpoint/2010/main" xmlns:p15="http://schemas.microsoft.com/office/powerpoint/2012/main" xmlns:mc="http://schemas.openxmlformats.org/markup-compatibility/2006" type="twoObj" preserve="1">
+<p:sldLayout xmlns:a="http://schemas.openxmlformats.org/drawingml/2006/main" xmlns:r="http://schemas.openxmlformats.org/officeDocument/2006/relationships" xmlns:p="http://schemas.openxmlformats.org/presentationml/2006/main" type="twoObj" preserve="1">
   <p:cSld name="Title, 2 Content">
     <p:spTree>
       <p:nvGrpSpPr>
@@ -786,10 +1252,11 @@
           </a:prstGeom>
         </p:spPr>
         <p:txBody>
-          <a:bodyPr lIns="0" rIns="0" tIns="0" bIns="0" anchor="ctr"/>
+          <a:bodyPr lIns="0" tIns="0" rIns="0" bIns="0" anchor="ctr"/>
+          <a:lstStyle/>
           <a:p>
             <a:pPr algn="ctr"/>
-            <a:endParaRPr b="0" lang="en-US" sz="4400" spc="-1" strike="noStrike">
+            <a:endParaRPr lang="en-US" sz="4400" b="0" strike="noStrike" spc="-1">
               <a:latin typeface="Arial"/>
             </a:endParaRPr>
           </a:p>
@@ -815,11 +1282,12 @@
           </a:prstGeom>
         </p:spPr>
         <p:txBody>
-          <a:bodyPr lIns="0" rIns="0" tIns="0" bIns="0">
+          <a:bodyPr lIns="0" tIns="0" rIns="0" bIns="0">
             <a:normAutofit/>
           </a:bodyPr>
-          <a:p>
-            <a:endParaRPr b="0" lang="en-US" sz="3200" spc="-1" strike="noStrike">
+          <a:lstStyle/>
+          <a:p>
+            <a:endParaRPr lang="en-US" sz="3200" b="0" strike="noStrike" spc="-1">
               <a:latin typeface="Arial"/>
             </a:endParaRPr>
           </a:p>
@@ -845,11 +1313,12 @@
           </a:prstGeom>
         </p:spPr>
         <p:txBody>
-          <a:bodyPr lIns="0" rIns="0" tIns="0" bIns="0">
+          <a:bodyPr lIns="0" tIns="0" rIns="0" bIns="0">
             <a:normAutofit/>
           </a:bodyPr>
-          <a:p>
-            <a:endParaRPr b="0" lang="en-US" sz="3200" spc="-1" strike="noStrike">
+          <a:lstStyle/>
+          <a:p>
+            <a:endParaRPr lang="en-US" sz="3200" b="0" strike="noStrike" spc="-1">
               <a:latin typeface="Arial"/>
             </a:endParaRPr>
           </a:p>
@@ -857,11 +1326,14 @@
       </p:sp>
     </p:spTree>
   </p:cSld>
+  <p:clrMapOvr>
+    <a:masterClrMapping/>
+  </p:clrMapOvr>
 </p:sldLayout>
 </file>
 
 <file path=ppt/slideLayouts/slideLayout17.xml><?xml version="1.0" encoding="utf-8"?>
-<p:sldLayout xmlns:a="http://schemas.openxmlformats.org/drawingml/2006/main" xmlns:p="http://schemas.openxmlformats.org/presentationml/2006/main" xmlns:r="http://schemas.openxmlformats.org/officeDocument/2006/relationships" xmlns:p14="http://schemas.microsoft.com/office/powerpoint/2010/main" xmlns:p15="http://schemas.microsoft.com/office/powerpoint/2012/main" xmlns:mc="http://schemas.openxmlformats.org/markup-compatibility/2006" type="titleOnly" preserve="1">
+<p:sldLayout xmlns:a="http://schemas.openxmlformats.org/drawingml/2006/main" xmlns:r="http://schemas.openxmlformats.org/officeDocument/2006/relationships" xmlns:p="http://schemas.openxmlformats.org/presentationml/2006/main" type="titleOnly" preserve="1">
   <p:cSld name="Title Only">
     <p:spTree>
       <p:nvGrpSpPr>
@@ -897,10 +1369,11 @@
           </a:prstGeom>
         </p:spPr>
         <p:txBody>
-          <a:bodyPr lIns="0" rIns="0" tIns="0" bIns="0" anchor="ctr"/>
+          <a:bodyPr lIns="0" tIns="0" rIns="0" bIns="0" anchor="ctr"/>
+          <a:lstStyle/>
           <a:p>
             <a:pPr algn="ctr"/>
-            <a:endParaRPr b="0" lang="en-US" sz="4400" spc="-1" strike="noStrike">
+            <a:endParaRPr lang="en-US" sz="4400" b="0" strike="noStrike" spc="-1">
               <a:latin typeface="Arial"/>
             </a:endParaRPr>
           </a:p>
@@ -908,11 +1381,14 @@
       </p:sp>
     </p:spTree>
   </p:cSld>
+  <p:clrMapOvr>
+    <a:masterClrMapping/>
+  </p:clrMapOvr>
 </p:sldLayout>
 </file>
 
 <file path=ppt/slideLayouts/slideLayout18.xml><?xml version="1.0" encoding="utf-8"?>
-<p:sldLayout xmlns:a="http://schemas.openxmlformats.org/drawingml/2006/main" xmlns:p="http://schemas.openxmlformats.org/presentationml/2006/main" xmlns:r="http://schemas.openxmlformats.org/officeDocument/2006/relationships" xmlns:p14="http://schemas.microsoft.com/office/powerpoint/2010/main" xmlns:p15="http://schemas.microsoft.com/office/powerpoint/2012/main" xmlns:mc="http://schemas.openxmlformats.org/markup-compatibility/2006" type="objOnly" preserve="1">
+<p:sldLayout xmlns:a="http://schemas.openxmlformats.org/drawingml/2006/main" xmlns:r="http://schemas.openxmlformats.org/officeDocument/2006/relationships" xmlns:p="http://schemas.openxmlformats.org/presentationml/2006/main" type="objOnly" preserve="1">
   <p:cSld name="Centered Text">
     <p:spTree>
       <p:nvGrpSpPr>
@@ -948,10 +1424,11 @@
           </a:prstGeom>
         </p:spPr>
         <p:txBody>
-          <a:bodyPr lIns="0" rIns="0" tIns="0" bIns="0" anchor="ctr"/>
+          <a:bodyPr lIns="0" tIns="0" rIns="0" bIns="0" anchor="ctr"/>
+          <a:lstStyle/>
           <a:p>
             <a:pPr algn="ctr"/>
-            <a:endParaRPr b="0" lang="en-US" sz="3200" spc="-1" strike="noStrike">
+            <a:endParaRPr lang="en-US" sz="3200" b="0" strike="noStrike" spc="-1">
               <a:latin typeface="Arial"/>
             </a:endParaRPr>
           </a:p>
@@ -959,11 +1436,14 @@
       </p:sp>
     </p:spTree>
   </p:cSld>
+  <p:clrMapOvr>
+    <a:masterClrMapping/>
+  </p:clrMapOvr>
 </p:sldLayout>
 </file>
 
 <file path=ppt/slideLayouts/slideLayout19.xml><?xml version="1.0" encoding="utf-8"?>
-<p:sldLayout xmlns:a="http://schemas.openxmlformats.org/drawingml/2006/main" xmlns:p="http://schemas.openxmlformats.org/presentationml/2006/main" xmlns:r="http://schemas.openxmlformats.org/officeDocument/2006/relationships" xmlns:p14="http://schemas.microsoft.com/office/powerpoint/2010/main" xmlns:p15="http://schemas.microsoft.com/office/powerpoint/2012/main" xmlns:mc="http://schemas.openxmlformats.org/markup-compatibility/2006" type="twoObjAndObj" preserve="1">
+<p:sldLayout xmlns:a="http://schemas.openxmlformats.org/drawingml/2006/main" xmlns:r="http://schemas.openxmlformats.org/officeDocument/2006/relationships" xmlns:p="http://schemas.openxmlformats.org/presentationml/2006/main" type="twoObjAndObj" preserve="1">
   <p:cSld name="Title, 2 Content and Content">
     <p:spTree>
       <p:nvGrpSpPr>
@@ -999,10 +1479,11 @@
           </a:prstGeom>
         </p:spPr>
         <p:txBody>
-          <a:bodyPr lIns="0" rIns="0" tIns="0" bIns="0" anchor="ctr"/>
+          <a:bodyPr lIns="0" tIns="0" rIns="0" bIns="0" anchor="ctr"/>
+          <a:lstStyle/>
           <a:p>
             <a:pPr algn="ctr"/>
-            <a:endParaRPr b="0" lang="en-US" sz="4400" spc="-1" strike="noStrike">
+            <a:endParaRPr lang="en-US" sz="4400" b="0" strike="noStrike" spc="-1">
               <a:latin typeface="Arial"/>
             </a:endParaRPr>
           </a:p>
@@ -1028,11 +1509,12 @@
           </a:prstGeom>
         </p:spPr>
         <p:txBody>
-          <a:bodyPr lIns="0" rIns="0" tIns="0" bIns="0">
+          <a:bodyPr lIns="0" tIns="0" rIns="0" bIns="0">
             <a:normAutofit/>
           </a:bodyPr>
-          <a:p>
-            <a:endParaRPr b="0" lang="en-US" sz="3200" spc="-1" strike="noStrike">
+          <a:lstStyle/>
+          <a:p>
+            <a:endParaRPr lang="en-US" sz="3200" b="0" strike="noStrike" spc="-1">
               <a:latin typeface="Arial"/>
             </a:endParaRPr>
           </a:p>
@@ -1058,11 +1540,12 @@
           </a:prstGeom>
         </p:spPr>
         <p:txBody>
-          <a:bodyPr lIns="0" rIns="0" tIns="0" bIns="0">
+          <a:bodyPr lIns="0" tIns="0" rIns="0" bIns="0">
             <a:normAutofit/>
           </a:bodyPr>
-          <a:p>
-            <a:endParaRPr b="0" lang="en-US" sz="3200" spc="-1" strike="noStrike">
+          <a:lstStyle/>
+          <a:p>
+            <a:endParaRPr lang="en-US" sz="3200" b="0" strike="noStrike" spc="-1">
               <a:latin typeface="Arial"/>
             </a:endParaRPr>
           </a:p>
@@ -1088,11 +1571,12 @@
           </a:prstGeom>
         </p:spPr>
         <p:txBody>
-          <a:bodyPr lIns="0" rIns="0" tIns="0" bIns="0">
+          <a:bodyPr lIns="0" tIns="0" rIns="0" bIns="0">
             <a:normAutofit/>
           </a:bodyPr>
-          <a:p>
-            <a:endParaRPr b="0" lang="en-US" sz="3200" spc="-1" strike="noStrike">
+          <a:lstStyle/>
+          <a:p>
+            <a:endParaRPr lang="en-US" sz="3200" b="0" strike="noStrike" spc="-1">
               <a:latin typeface="Arial"/>
             </a:endParaRPr>
           </a:p>
@@ -1100,11 +1584,14 @@
       </p:sp>
     </p:spTree>
   </p:cSld>
+  <p:clrMapOvr>
+    <a:masterClrMapping/>
+  </p:clrMapOvr>
 </p:sldLayout>
 </file>
 
 <file path=ppt/slideLayouts/slideLayout2.xml><?xml version="1.0" encoding="utf-8"?>
-<p:sldLayout xmlns:a="http://schemas.openxmlformats.org/drawingml/2006/main" xmlns:p="http://schemas.openxmlformats.org/presentationml/2006/main" xmlns:r="http://schemas.openxmlformats.org/officeDocument/2006/relationships" xmlns:p14="http://schemas.microsoft.com/office/powerpoint/2010/main" xmlns:p15="http://schemas.microsoft.com/office/powerpoint/2012/main" xmlns:mc="http://schemas.openxmlformats.org/markup-compatibility/2006" type="tx" preserve="1">
+<p:sldLayout xmlns:a="http://schemas.openxmlformats.org/drawingml/2006/main" xmlns:r="http://schemas.openxmlformats.org/officeDocument/2006/relationships" xmlns:p="http://schemas.openxmlformats.org/presentationml/2006/main" type="tx" preserve="1">
   <p:cSld name="Title Slide">
     <p:spTree>
       <p:nvGrpSpPr>
@@ -1140,10 +1627,11 @@
           </a:prstGeom>
         </p:spPr>
         <p:txBody>
-          <a:bodyPr lIns="0" rIns="0" tIns="0" bIns="0" anchor="ctr"/>
+          <a:bodyPr lIns="0" tIns="0" rIns="0" bIns="0" anchor="ctr"/>
+          <a:lstStyle/>
           <a:p>
             <a:pPr algn="ctr"/>
-            <a:endParaRPr b="0" lang="en-US" sz="4400" spc="-1" strike="noStrike">
+            <a:endParaRPr lang="en-US" sz="4400" b="0" strike="noStrike" spc="-1">
               <a:latin typeface="Arial"/>
             </a:endParaRPr>
           </a:p>
@@ -1169,10 +1657,11 @@
           </a:prstGeom>
         </p:spPr>
         <p:txBody>
-          <a:bodyPr lIns="0" rIns="0" tIns="0" bIns="0" anchor="ctr"/>
+          <a:bodyPr lIns="0" tIns="0" rIns="0" bIns="0" anchor="ctr"/>
+          <a:lstStyle/>
           <a:p>
             <a:pPr algn="ctr"/>
-            <a:endParaRPr b="0" lang="en-US" sz="3200" spc="-1" strike="noStrike">
+            <a:endParaRPr lang="en-US" sz="3200" b="0" strike="noStrike" spc="-1">
               <a:latin typeface="Arial"/>
             </a:endParaRPr>
           </a:p>
@@ -1180,11 +1669,14 @@
       </p:sp>
     </p:spTree>
   </p:cSld>
+  <p:clrMapOvr>
+    <a:masterClrMapping/>
+  </p:clrMapOvr>
 </p:sldLayout>
 </file>
 
 <file path=ppt/slideLayouts/slideLayout20.xml><?xml version="1.0" encoding="utf-8"?>
-<p:sldLayout xmlns:a="http://schemas.openxmlformats.org/drawingml/2006/main" xmlns:p="http://schemas.openxmlformats.org/presentationml/2006/main" xmlns:r="http://schemas.openxmlformats.org/officeDocument/2006/relationships" xmlns:p14="http://schemas.microsoft.com/office/powerpoint/2010/main" xmlns:p15="http://schemas.microsoft.com/office/powerpoint/2012/main" xmlns:mc="http://schemas.openxmlformats.org/markup-compatibility/2006" type="objAndTwoObj" preserve="1">
+<p:sldLayout xmlns:a="http://schemas.openxmlformats.org/drawingml/2006/main" xmlns:r="http://schemas.openxmlformats.org/officeDocument/2006/relationships" xmlns:p="http://schemas.openxmlformats.org/presentationml/2006/main" type="objAndTwoObj" preserve="1">
   <p:cSld name="Title Content and 2 Content">
     <p:spTree>
       <p:nvGrpSpPr>
@@ -1220,10 +1712,11 @@
           </a:prstGeom>
         </p:spPr>
         <p:txBody>
-          <a:bodyPr lIns="0" rIns="0" tIns="0" bIns="0" anchor="ctr"/>
+          <a:bodyPr lIns="0" tIns="0" rIns="0" bIns="0" anchor="ctr"/>
+          <a:lstStyle/>
           <a:p>
             <a:pPr algn="ctr"/>
-            <a:endParaRPr b="0" lang="en-US" sz="4400" spc="-1" strike="noStrike">
+            <a:endParaRPr lang="en-US" sz="4400" b="0" strike="noStrike" spc="-1">
               <a:latin typeface="Arial"/>
             </a:endParaRPr>
           </a:p>
@@ -1249,11 +1742,12 @@
           </a:prstGeom>
         </p:spPr>
         <p:txBody>
-          <a:bodyPr lIns="0" rIns="0" tIns="0" bIns="0">
+          <a:bodyPr lIns="0" tIns="0" rIns="0" bIns="0">
             <a:normAutofit/>
           </a:bodyPr>
-          <a:p>
-            <a:endParaRPr b="0" lang="en-US" sz="3200" spc="-1" strike="noStrike">
+          <a:lstStyle/>
+          <a:p>
+            <a:endParaRPr lang="en-US" sz="3200" b="0" strike="noStrike" spc="-1">
               <a:latin typeface="Arial"/>
             </a:endParaRPr>
           </a:p>
@@ -1279,11 +1773,12 @@
           </a:prstGeom>
         </p:spPr>
         <p:txBody>
-          <a:bodyPr lIns="0" rIns="0" tIns="0" bIns="0">
+          <a:bodyPr lIns="0" tIns="0" rIns="0" bIns="0">
             <a:normAutofit/>
           </a:bodyPr>
-          <a:p>
-            <a:endParaRPr b="0" lang="en-US" sz="3200" spc="-1" strike="noStrike">
+          <a:lstStyle/>
+          <a:p>
+            <a:endParaRPr lang="en-US" sz="3200" b="0" strike="noStrike" spc="-1">
               <a:latin typeface="Arial"/>
             </a:endParaRPr>
           </a:p>
@@ -1309,11 +1804,12 @@
           </a:prstGeom>
         </p:spPr>
         <p:txBody>
-          <a:bodyPr lIns="0" rIns="0" tIns="0" bIns="0">
+          <a:bodyPr lIns="0" tIns="0" rIns="0" bIns="0">
             <a:normAutofit/>
           </a:bodyPr>
-          <a:p>
-            <a:endParaRPr b="0" lang="en-US" sz="3200" spc="-1" strike="noStrike">
+          <a:lstStyle/>
+          <a:p>
+            <a:endParaRPr lang="en-US" sz="3200" b="0" strike="noStrike" spc="-1">
               <a:latin typeface="Arial"/>
             </a:endParaRPr>
           </a:p>
@@ -1321,11 +1817,14 @@
       </p:sp>
     </p:spTree>
   </p:cSld>
+  <p:clrMapOvr>
+    <a:masterClrMapping/>
+  </p:clrMapOvr>
 </p:sldLayout>
 </file>
 
 <file path=ppt/slideLayouts/slideLayout21.xml><?xml version="1.0" encoding="utf-8"?>
-<p:sldLayout xmlns:a="http://schemas.openxmlformats.org/drawingml/2006/main" xmlns:p="http://schemas.openxmlformats.org/presentationml/2006/main" xmlns:r="http://schemas.openxmlformats.org/officeDocument/2006/relationships" xmlns:p14="http://schemas.microsoft.com/office/powerpoint/2010/main" xmlns:p15="http://schemas.microsoft.com/office/powerpoint/2012/main" xmlns:mc="http://schemas.openxmlformats.org/markup-compatibility/2006" type="twoObjOverTx" preserve="1">
+<p:sldLayout xmlns:a="http://schemas.openxmlformats.org/drawingml/2006/main" xmlns:r="http://schemas.openxmlformats.org/officeDocument/2006/relationships" xmlns:p="http://schemas.openxmlformats.org/presentationml/2006/main" type="twoObjOverTx" preserve="1">
   <p:cSld name="Title, 2 Content over Content">
     <p:spTree>
       <p:nvGrpSpPr>
@@ -1361,10 +1860,11 @@
           </a:prstGeom>
         </p:spPr>
         <p:txBody>
-          <a:bodyPr lIns="0" rIns="0" tIns="0" bIns="0" anchor="ctr"/>
+          <a:bodyPr lIns="0" tIns="0" rIns="0" bIns="0" anchor="ctr"/>
+          <a:lstStyle/>
           <a:p>
             <a:pPr algn="ctr"/>
-            <a:endParaRPr b="0" lang="en-US" sz="4400" spc="-1" strike="noStrike">
+            <a:endParaRPr lang="en-US" sz="4400" b="0" strike="noStrike" spc="-1">
               <a:latin typeface="Arial"/>
             </a:endParaRPr>
           </a:p>
@@ -1390,11 +1890,12 @@
           </a:prstGeom>
         </p:spPr>
         <p:txBody>
-          <a:bodyPr lIns="0" rIns="0" tIns="0" bIns="0">
+          <a:bodyPr lIns="0" tIns="0" rIns="0" bIns="0">
             <a:normAutofit/>
           </a:bodyPr>
-          <a:p>
-            <a:endParaRPr b="0" lang="en-US" sz="3200" spc="-1" strike="noStrike">
+          <a:lstStyle/>
+          <a:p>
+            <a:endParaRPr lang="en-US" sz="3200" b="0" strike="noStrike" spc="-1">
               <a:latin typeface="Arial"/>
             </a:endParaRPr>
           </a:p>
@@ -1420,11 +1921,12 @@
           </a:prstGeom>
         </p:spPr>
         <p:txBody>
-          <a:bodyPr lIns="0" rIns="0" tIns="0" bIns="0">
+          <a:bodyPr lIns="0" tIns="0" rIns="0" bIns="0">
             <a:normAutofit/>
           </a:bodyPr>
-          <a:p>
-            <a:endParaRPr b="0" lang="en-US" sz="3200" spc="-1" strike="noStrike">
+          <a:lstStyle/>
+          <a:p>
+            <a:endParaRPr lang="en-US" sz="3200" b="0" strike="noStrike" spc="-1">
               <a:latin typeface="Arial"/>
             </a:endParaRPr>
           </a:p>
@@ -1450,11 +1952,12 @@
           </a:prstGeom>
         </p:spPr>
         <p:txBody>
-          <a:bodyPr lIns="0" rIns="0" tIns="0" bIns="0">
+          <a:bodyPr lIns="0" tIns="0" rIns="0" bIns="0">
             <a:normAutofit/>
           </a:bodyPr>
-          <a:p>
-            <a:endParaRPr b="0" lang="en-US" sz="3200" spc="-1" strike="noStrike">
+          <a:lstStyle/>
+          <a:p>
+            <a:endParaRPr lang="en-US" sz="3200" b="0" strike="noStrike" spc="-1">
               <a:latin typeface="Arial"/>
             </a:endParaRPr>
           </a:p>
@@ -1462,11 +1965,14 @@
       </p:sp>
     </p:spTree>
   </p:cSld>
+  <p:clrMapOvr>
+    <a:masterClrMapping/>
+  </p:clrMapOvr>
 </p:sldLayout>
 </file>
 
 <file path=ppt/slideLayouts/slideLayout22.xml><?xml version="1.0" encoding="utf-8"?>
-<p:sldLayout xmlns:a="http://schemas.openxmlformats.org/drawingml/2006/main" xmlns:p="http://schemas.openxmlformats.org/presentationml/2006/main" xmlns:r="http://schemas.openxmlformats.org/officeDocument/2006/relationships" xmlns:p14="http://schemas.microsoft.com/office/powerpoint/2010/main" xmlns:p15="http://schemas.microsoft.com/office/powerpoint/2012/main" xmlns:mc="http://schemas.openxmlformats.org/markup-compatibility/2006" type="objOverTx" preserve="1">
+<p:sldLayout xmlns:a="http://schemas.openxmlformats.org/drawingml/2006/main" xmlns:r="http://schemas.openxmlformats.org/officeDocument/2006/relationships" xmlns:p="http://schemas.openxmlformats.org/presentationml/2006/main" type="objOverTx" preserve="1">
   <p:cSld name="Title, Content over Content">
     <p:spTree>
       <p:nvGrpSpPr>
@@ -1502,10 +2008,11 @@
           </a:prstGeom>
         </p:spPr>
         <p:txBody>
-          <a:bodyPr lIns="0" rIns="0" tIns="0" bIns="0" anchor="ctr"/>
+          <a:bodyPr lIns="0" tIns="0" rIns="0" bIns="0" anchor="ctr"/>
+          <a:lstStyle/>
           <a:p>
             <a:pPr algn="ctr"/>
-            <a:endParaRPr b="0" lang="en-US" sz="4400" spc="-1" strike="noStrike">
+            <a:endParaRPr lang="en-US" sz="4400" b="0" strike="noStrike" spc="-1">
               <a:latin typeface="Arial"/>
             </a:endParaRPr>
           </a:p>
@@ -1531,11 +2038,12 @@
           </a:prstGeom>
         </p:spPr>
         <p:txBody>
-          <a:bodyPr lIns="0" rIns="0" tIns="0" bIns="0">
+          <a:bodyPr lIns="0" tIns="0" rIns="0" bIns="0">
             <a:normAutofit/>
           </a:bodyPr>
-          <a:p>
-            <a:endParaRPr b="0" lang="en-US" sz="3200" spc="-1" strike="noStrike">
+          <a:lstStyle/>
+          <a:p>
+            <a:endParaRPr lang="en-US" sz="3200" b="0" strike="noStrike" spc="-1">
               <a:latin typeface="Arial"/>
             </a:endParaRPr>
           </a:p>
@@ -1561,11 +2069,12 @@
           </a:prstGeom>
         </p:spPr>
         <p:txBody>
-          <a:bodyPr lIns="0" rIns="0" tIns="0" bIns="0">
+          <a:bodyPr lIns="0" tIns="0" rIns="0" bIns="0">
             <a:normAutofit/>
           </a:bodyPr>
-          <a:p>
-            <a:endParaRPr b="0" lang="en-US" sz="3200" spc="-1" strike="noStrike">
+          <a:lstStyle/>
+          <a:p>
+            <a:endParaRPr lang="en-US" sz="3200" b="0" strike="noStrike" spc="-1">
               <a:latin typeface="Arial"/>
             </a:endParaRPr>
           </a:p>
@@ -1573,11 +2082,14 @@
       </p:sp>
     </p:spTree>
   </p:cSld>
+  <p:clrMapOvr>
+    <a:masterClrMapping/>
+  </p:clrMapOvr>
 </p:sldLayout>
 </file>
 
 <file path=ppt/slideLayouts/slideLayout23.xml><?xml version="1.0" encoding="utf-8"?>
-<p:sldLayout xmlns:a="http://schemas.openxmlformats.org/drawingml/2006/main" xmlns:p="http://schemas.openxmlformats.org/presentationml/2006/main" xmlns:r="http://schemas.openxmlformats.org/officeDocument/2006/relationships" xmlns:p14="http://schemas.microsoft.com/office/powerpoint/2010/main" xmlns:p15="http://schemas.microsoft.com/office/powerpoint/2012/main" xmlns:mc="http://schemas.openxmlformats.org/markup-compatibility/2006" type="fourObj" preserve="1">
+<p:sldLayout xmlns:a="http://schemas.openxmlformats.org/drawingml/2006/main" xmlns:r="http://schemas.openxmlformats.org/officeDocument/2006/relationships" xmlns:p="http://schemas.openxmlformats.org/presentationml/2006/main" type="fourObj" preserve="1">
   <p:cSld name="Title, 4 Content">
     <p:spTree>
       <p:nvGrpSpPr>
@@ -1613,10 +2125,11 @@
           </a:prstGeom>
         </p:spPr>
         <p:txBody>
-          <a:bodyPr lIns="0" rIns="0" tIns="0" bIns="0" anchor="ctr"/>
+          <a:bodyPr lIns="0" tIns="0" rIns="0" bIns="0" anchor="ctr"/>
+          <a:lstStyle/>
           <a:p>
             <a:pPr algn="ctr"/>
-            <a:endParaRPr b="0" lang="en-US" sz="4400" spc="-1" strike="noStrike">
+            <a:endParaRPr lang="en-US" sz="4400" b="0" strike="noStrike" spc="-1">
               <a:latin typeface="Arial"/>
             </a:endParaRPr>
           </a:p>
@@ -1642,11 +2155,12 @@
           </a:prstGeom>
         </p:spPr>
         <p:txBody>
-          <a:bodyPr lIns="0" rIns="0" tIns="0" bIns="0">
+          <a:bodyPr lIns="0" tIns="0" rIns="0" bIns="0">
             <a:normAutofit/>
           </a:bodyPr>
-          <a:p>
-            <a:endParaRPr b="0" lang="en-US" sz="3200" spc="-1" strike="noStrike">
+          <a:lstStyle/>
+          <a:p>
+            <a:endParaRPr lang="en-US" sz="3200" b="0" strike="noStrike" spc="-1">
               <a:latin typeface="Arial"/>
             </a:endParaRPr>
           </a:p>
@@ -1672,11 +2186,12 @@
           </a:prstGeom>
         </p:spPr>
         <p:txBody>
-          <a:bodyPr lIns="0" rIns="0" tIns="0" bIns="0">
+          <a:bodyPr lIns="0" tIns="0" rIns="0" bIns="0">
             <a:normAutofit/>
           </a:bodyPr>
-          <a:p>
-            <a:endParaRPr b="0" lang="en-US" sz="3200" spc="-1" strike="noStrike">
+          <a:lstStyle/>
+          <a:p>
+            <a:endParaRPr lang="en-US" sz="3200" b="0" strike="noStrike" spc="-1">
               <a:latin typeface="Arial"/>
             </a:endParaRPr>
           </a:p>
@@ -1702,11 +2217,12 @@
           </a:prstGeom>
         </p:spPr>
         <p:txBody>
-          <a:bodyPr lIns="0" rIns="0" tIns="0" bIns="0">
+          <a:bodyPr lIns="0" tIns="0" rIns="0" bIns="0">
             <a:normAutofit/>
           </a:bodyPr>
-          <a:p>
-            <a:endParaRPr b="0" lang="en-US" sz="3200" spc="-1" strike="noStrike">
+          <a:lstStyle/>
+          <a:p>
+            <a:endParaRPr lang="en-US" sz="3200" b="0" strike="noStrike" spc="-1">
               <a:latin typeface="Arial"/>
             </a:endParaRPr>
           </a:p>
@@ -1732,11 +2248,12 @@
           </a:prstGeom>
         </p:spPr>
         <p:txBody>
-          <a:bodyPr lIns="0" rIns="0" tIns="0" bIns="0">
+          <a:bodyPr lIns="0" tIns="0" rIns="0" bIns="0">
             <a:normAutofit/>
           </a:bodyPr>
-          <a:p>
-            <a:endParaRPr b="0" lang="en-US" sz="3200" spc="-1" strike="noStrike">
+          <a:lstStyle/>
+          <a:p>
+            <a:endParaRPr lang="en-US" sz="3200" b="0" strike="noStrike" spc="-1">
               <a:latin typeface="Arial"/>
             </a:endParaRPr>
           </a:p>
@@ -1744,11 +2261,14 @@
       </p:sp>
     </p:spTree>
   </p:cSld>
+  <p:clrMapOvr>
+    <a:masterClrMapping/>
+  </p:clrMapOvr>
 </p:sldLayout>
 </file>
 
 <file path=ppt/slideLayouts/slideLayout24.xml><?xml version="1.0" encoding="utf-8"?>
-<p:sldLayout xmlns:a="http://schemas.openxmlformats.org/drawingml/2006/main" xmlns:p="http://schemas.openxmlformats.org/presentationml/2006/main" xmlns:r="http://schemas.openxmlformats.org/officeDocument/2006/relationships" xmlns:p14="http://schemas.microsoft.com/office/powerpoint/2010/main" xmlns:p15="http://schemas.microsoft.com/office/powerpoint/2012/main" xmlns:mc="http://schemas.openxmlformats.org/markup-compatibility/2006" type="blank" preserve="1">
+<p:sldLayout xmlns:a="http://schemas.openxmlformats.org/drawingml/2006/main" xmlns:r="http://schemas.openxmlformats.org/officeDocument/2006/relationships" xmlns:p="http://schemas.openxmlformats.org/presentationml/2006/main" type="blank" preserve="1">
   <p:cSld name="Title, 6 Content">
     <p:spTree>
       <p:nvGrpSpPr>
@@ -1784,10 +2304,11 @@
           </a:prstGeom>
         </p:spPr>
         <p:txBody>
-          <a:bodyPr lIns="0" rIns="0" tIns="0" bIns="0" anchor="ctr"/>
+          <a:bodyPr lIns="0" tIns="0" rIns="0" bIns="0" anchor="ctr"/>
+          <a:lstStyle/>
           <a:p>
             <a:pPr algn="ctr"/>
-            <a:endParaRPr b="0" lang="en-US" sz="4400" spc="-1" strike="noStrike">
+            <a:endParaRPr lang="en-US" sz="4400" b="0" strike="noStrike" spc="-1">
               <a:latin typeface="Arial"/>
             </a:endParaRPr>
           </a:p>
@@ -1813,11 +2334,12 @@
           </a:prstGeom>
         </p:spPr>
         <p:txBody>
-          <a:bodyPr lIns="0" rIns="0" tIns="0" bIns="0">
+          <a:bodyPr lIns="0" tIns="0" rIns="0" bIns="0">
             <a:normAutofit/>
           </a:bodyPr>
-          <a:p>
-            <a:endParaRPr b="0" lang="en-US" sz="3200" spc="-1" strike="noStrike">
+          <a:lstStyle/>
+          <a:p>
+            <a:endParaRPr lang="en-US" sz="3200" b="0" strike="noStrike" spc="-1">
               <a:latin typeface="Arial"/>
             </a:endParaRPr>
           </a:p>
@@ -1843,11 +2365,12 @@
           </a:prstGeom>
         </p:spPr>
         <p:txBody>
-          <a:bodyPr lIns="0" rIns="0" tIns="0" bIns="0">
+          <a:bodyPr lIns="0" tIns="0" rIns="0" bIns="0">
             <a:normAutofit/>
           </a:bodyPr>
-          <a:p>
-            <a:endParaRPr b="0" lang="en-US" sz="3200" spc="-1" strike="noStrike">
+          <a:lstStyle/>
+          <a:p>
+            <a:endParaRPr lang="en-US" sz="3200" b="0" strike="noStrike" spc="-1">
               <a:latin typeface="Arial"/>
             </a:endParaRPr>
           </a:p>
@@ -1873,11 +2396,12 @@
           </a:prstGeom>
         </p:spPr>
         <p:txBody>
-          <a:bodyPr lIns="0" rIns="0" tIns="0" bIns="0">
+          <a:bodyPr lIns="0" tIns="0" rIns="0" bIns="0">
             <a:normAutofit/>
           </a:bodyPr>
-          <a:p>
-            <a:endParaRPr b="0" lang="en-US" sz="3200" spc="-1" strike="noStrike">
+          <a:lstStyle/>
+          <a:p>
+            <a:endParaRPr lang="en-US" sz="3200" b="0" strike="noStrike" spc="-1">
               <a:latin typeface="Arial"/>
             </a:endParaRPr>
           </a:p>
@@ -1903,11 +2427,12 @@
           </a:prstGeom>
         </p:spPr>
         <p:txBody>
-          <a:bodyPr lIns="0" rIns="0" tIns="0" bIns="0">
+          <a:bodyPr lIns="0" tIns="0" rIns="0" bIns="0">
             <a:normAutofit/>
           </a:bodyPr>
-          <a:p>
-            <a:endParaRPr b="0" lang="en-US" sz="3200" spc="-1" strike="noStrike">
+          <a:lstStyle/>
+          <a:p>
+            <a:endParaRPr lang="en-US" sz="3200" b="0" strike="noStrike" spc="-1">
               <a:latin typeface="Arial"/>
             </a:endParaRPr>
           </a:p>
@@ -1933,11 +2458,12 @@
           </a:prstGeom>
         </p:spPr>
         <p:txBody>
-          <a:bodyPr lIns="0" rIns="0" tIns="0" bIns="0">
+          <a:bodyPr lIns="0" tIns="0" rIns="0" bIns="0">
             <a:normAutofit/>
           </a:bodyPr>
-          <a:p>
-            <a:endParaRPr b="0" lang="en-US" sz="3200" spc="-1" strike="noStrike">
+          <a:lstStyle/>
+          <a:p>
+            <a:endParaRPr lang="en-US" sz="3200" b="0" strike="noStrike" spc="-1">
               <a:latin typeface="Arial"/>
             </a:endParaRPr>
           </a:p>
@@ -1963,11 +2489,12 @@
           </a:prstGeom>
         </p:spPr>
         <p:txBody>
-          <a:bodyPr lIns="0" rIns="0" tIns="0" bIns="0">
+          <a:bodyPr lIns="0" tIns="0" rIns="0" bIns="0">
             <a:normAutofit/>
           </a:bodyPr>
-          <a:p>
-            <a:endParaRPr b="0" lang="en-US" sz="3200" spc="-1" strike="noStrike">
+          <a:lstStyle/>
+          <a:p>
+            <a:endParaRPr lang="en-US" sz="3200" b="0" strike="noStrike" spc="-1">
               <a:latin typeface="Arial"/>
             </a:endParaRPr>
           </a:p>
@@ -1975,11 +2502,14 @@
       </p:sp>
     </p:spTree>
   </p:cSld>
+  <p:clrMapOvr>
+    <a:masterClrMapping/>
+  </p:clrMapOvr>
 </p:sldLayout>
 </file>
 
 <file path=ppt/slideLayouts/slideLayout3.xml><?xml version="1.0" encoding="utf-8"?>
-<p:sldLayout xmlns:a="http://schemas.openxmlformats.org/drawingml/2006/main" xmlns:p="http://schemas.openxmlformats.org/presentationml/2006/main" xmlns:r="http://schemas.openxmlformats.org/officeDocument/2006/relationships" xmlns:p14="http://schemas.microsoft.com/office/powerpoint/2010/main" xmlns:p15="http://schemas.microsoft.com/office/powerpoint/2012/main" xmlns:mc="http://schemas.openxmlformats.org/markup-compatibility/2006" type="obj" preserve="1">
+<p:sldLayout xmlns:a="http://schemas.openxmlformats.org/drawingml/2006/main" xmlns:r="http://schemas.openxmlformats.org/officeDocument/2006/relationships" xmlns:p="http://schemas.openxmlformats.org/presentationml/2006/main" type="obj" preserve="1">
   <p:cSld name="Title, Content">
     <p:spTree>
       <p:nvGrpSpPr>
@@ -2015,10 +2545,11 @@
           </a:prstGeom>
         </p:spPr>
         <p:txBody>
-          <a:bodyPr lIns="0" rIns="0" tIns="0" bIns="0" anchor="ctr"/>
+          <a:bodyPr lIns="0" tIns="0" rIns="0" bIns="0" anchor="ctr"/>
+          <a:lstStyle/>
           <a:p>
             <a:pPr algn="ctr"/>
-            <a:endParaRPr b="0" lang="en-US" sz="4400" spc="-1" strike="noStrike">
+            <a:endParaRPr lang="en-US" sz="4400" b="0" strike="noStrike" spc="-1">
               <a:latin typeface="Arial"/>
             </a:endParaRPr>
           </a:p>
@@ -2044,11 +2575,12 @@
           </a:prstGeom>
         </p:spPr>
         <p:txBody>
-          <a:bodyPr lIns="0" rIns="0" tIns="0" bIns="0">
+          <a:bodyPr lIns="0" tIns="0" rIns="0" bIns="0">
             <a:normAutofit/>
           </a:bodyPr>
-          <a:p>
-            <a:endParaRPr b="0" lang="en-US" sz="3200" spc="-1" strike="noStrike">
+          <a:lstStyle/>
+          <a:p>
+            <a:endParaRPr lang="en-US" sz="3200" b="0" strike="noStrike" spc="-1">
               <a:latin typeface="Arial"/>
             </a:endParaRPr>
           </a:p>
@@ -2056,11 +2588,14 @@
       </p:sp>
     </p:spTree>
   </p:cSld>
+  <p:clrMapOvr>
+    <a:masterClrMapping/>
+  </p:clrMapOvr>
 </p:sldLayout>
 </file>
 
 <file path=ppt/slideLayouts/slideLayout4.xml><?xml version="1.0" encoding="utf-8"?>
-<p:sldLayout xmlns:a="http://schemas.openxmlformats.org/drawingml/2006/main" xmlns:p="http://schemas.openxmlformats.org/presentationml/2006/main" xmlns:r="http://schemas.openxmlformats.org/officeDocument/2006/relationships" xmlns:p14="http://schemas.microsoft.com/office/powerpoint/2010/main" xmlns:p15="http://schemas.microsoft.com/office/powerpoint/2012/main" xmlns:mc="http://schemas.openxmlformats.org/markup-compatibility/2006" type="twoObj" preserve="1">
+<p:sldLayout xmlns:a="http://schemas.openxmlformats.org/drawingml/2006/main" xmlns:r="http://schemas.openxmlformats.org/officeDocument/2006/relationships" xmlns:p="http://schemas.openxmlformats.org/presentationml/2006/main" type="twoObj" preserve="1">
   <p:cSld name="Title, 2 Content">
     <p:spTree>
       <p:nvGrpSpPr>
@@ -2096,10 +2631,11 @@
           </a:prstGeom>
         </p:spPr>
         <p:txBody>
-          <a:bodyPr lIns="0" rIns="0" tIns="0" bIns="0" anchor="ctr"/>
+          <a:bodyPr lIns="0" tIns="0" rIns="0" bIns="0" anchor="ctr"/>
+          <a:lstStyle/>
           <a:p>
             <a:pPr algn="ctr"/>
-            <a:endParaRPr b="0" lang="en-US" sz="4400" spc="-1" strike="noStrike">
+            <a:endParaRPr lang="en-US" sz="4400" b="0" strike="noStrike" spc="-1">
               <a:latin typeface="Arial"/>
             </a:endParaRPr>
           </a:p>
@@ -2125,11 +2661,12 @@
           </a:prstGeom>
         </p:spPr>
         <p:txBody>
-          <a:bodyPr lIns="0" rIns="0" tIns="0" bIns="0">
+          <a:bodyPr lIns="0" tIns="0" rIns="0" bIns="0">
             <a:normAutofit/>
           </a:bodyPr>
-          <a:p>
-            <a:endParaRPr b="0" lang="en-US" sz="3200" spc="-1" strike="noStrike">
+          <a:lstStyle/>
+          <a:p>
+            <a:endParaRPr lang="en-US" sz="3200" b="0" strike="noStrike" spc="-1">
               <a:latin typeface="Arial"/>
             </a:endParaRPr>
           </a:p>
@@ -2155,11 +2692,12 @@
           </a:prstGeom>
         </p:spPr>
         <p:txBody>
-          <a:bodyPr lIns="0" rIns="0" tIns="0" bIns="0">
+          <a:bodyPr lIns="0" tIns="0" rIns="0" bIns="0">
             <a:normAutofit/>
           </a:bodyPr>
-          <a:p>
-            <a:endParaRPr b="0" lang="en-US" sz="3200" spc="-1" strike="noStrike">
+          <a:lstStyle/>
+          <a:p>
+            <a:endParaRPr lang="en-US" sz="3200" b="0" strike="noStrike" spc="-1">
               <a:latin typeface="Arial"/>
             </a:endParaRPr>
           </a:p>
@@ -2167,11 +2705,14 @@
       </p:sp>
     </p:spTree>
   </p:cSld>
+  <p:clrMapOvr>
+    <a:masterClrMapping/>
+  </p:clrMapOvr>
 </p:sldLayout>
 </file>
 
 <file path=ppt/slideLayouts/slideLayout5.xml><?xml version="1.0" encoding="utf-8"?>
-<p:sldLayout xmlns:a="http://schemas.openxmlformats.org/drawingml/2006/main" xmlns:p="http://schemas.openxmlformats.org/presentationml/2006/main" xmlns:r="http://schemas.openxmlformats.org/officeDocument/2006/relationships" xmlns:p14="http://schemas.microsoft.com/office/powerpoint/2010/main" xmlns:p15="http://schemas.microsoft.com/office/powerpoint/2012/main" xmlns:mc="http://schemas.openxmlformats.org/markup-compatibility/2006" type="titleOnly" preserve="1">
+<p:sldLayout xmlns:a="http://schemas.openxmlformats.org/drawingml/2006/main" xmlns:r="http://schemas.openxmlformats.org/officeDocument/2006/relationships" xmlns:p="http://schemas.openxmlformats.org/presentationml/2006/main" type="titleOnly" preserve="1">
   <p:cSld name="Title Only">
     <p:spTree>
       <p:nvGrpSpPr>
@@ -2207,10 +2748,11 @@
           </a:prstGeom>
         </p:spPr>
         <p:txBody>
-          <a:bodyPr lIns="0" rIns="0" tIns="0" bIns="0" anchor="ctr"/>
+          <a:bodyPr lIns="0" tIns="0" rIns="0" bIns="0" anchor="ctr"/>
+          <a:lstStyle/>
           <a:p>
             <a:pPr algn="ctr"/>
-            <a:endParaRPr b="0" lang="en-US" sz="4400" spc="-1" strike="noStrike">
+            <a:endParaRPr lang="en-US" sz="4400" b="0" strike="noStrike" spc="-1">
               <a:latin typeface="Arial"/>
             </a:endParaRPr>
           </a:p>
@@ -2218,11 +2760,14 @@
       </p:sp>
     </p:spTree>
   </p:cSld>
+  <p:clrMapOvr>
+    <a:masterClrMapping/>
+  </p:clrMapOvr>
 </p:sldLayout>
 </file>
 
 <file path=ppt/slideLayouts/slideLayout6.xml><?xml version="1.0" encoding="utf-8"?>
-<p:sldLayout xmlns:a="http://schemas.openxmlformats.org/drawingml/2006/main" xmlns:p="http://schemas.openxmlformats.org/presentationml/2006/main" xmlns:r="http://schemas.openxmlformats.org/officeDocument/2006/relationships" xmlns:p14="http://schemas.microsoft.com/office/powerpoint/2010/main" xmlns:p15="http://schemas.microsoft.com/office/powerpoint/2012/main" xmlns:mc="http://schemas.openxmlformats.org/markup-compatibility/2006" type="objOnly" preserve="1">
+<p:sldLayout xmlns:a="http://schemas.openxmlformats.org/drawingml/2006/main" xmlns:r="http://schemas.openxmlformats.org/officeDocument/2006/relationships" xmlns:p="http://schemas.openxmlformats.org/presentationml/2006/main" type="objOnly" preserve="1">
   <p:cSld name="Centered Text">
     <p:spTree>
       <p:nvGrpSpPr>
@@ -2258,10 +2803,11 @@
           </a:prstGeom>
         </p:spPr>
         <p:txBody>
-          <a:bodyPr lIns="0" rIns="0" tIns="0" bIns="0" anchor="ctr"/>
+          <a:bodyPr lIns="0" tIns="0" rIns="0" bIns="0" anchor="ctr"/>
+          <a:lstStyle/>
           <a:p>
             <a:pPr algn="ctr"/>
-            <a:endParaRPr b="0" lang="en-US" sz="3200" spc="-1" strike="noStrike">
+            <a:endParaRPr lang="en-US" sz="3200" b="0" strike="noStrike" spc="-1">
               <a:latin typeface="Arial"/>
             </a:endParaRPr>
           </a:p>
@@ -2269,11 +2815,14 @@
       </p:sp>
     </p:spTree>
   </p:cSld>
+  <p:clrMapOvr>
+    <a:masterClrMapping/>
+  </p:clrMapOvr>
 </p:sldLayout>
 </file>
 
 <file path=ppt/slideLayouts/slideLayout7.xml><?xml version="1.0" encoding="utf-8"?>
-<p:sldLayout xmlns:a="http://schemas.openxmlformats.org/drawingml/2006/main" xmlns:p="http://schemas.openxmlformats.org/presentationml/2006/main" xmlns:r="http://schemas.openxmlformats.org/officeDocument/2006/relationships" xmlns:p14="http://schemas.microsoft.com/office/powerpoint/2010/main" xmlns:p15="http://schemas.microsoft.com/office/powerpoint/2012/main" xmlns:mc="http://schemas.openxmlformats.org/markup-compatibility/2006" type="twoObjAndObj" preserve="1">
+<p:sldLayout xmlns:a="http://schemas.openxmlformats.org/drawingml/2006/main" xmlns:r="http://schemas.openxmlformats.org/officeDocument/2006/relationships" xmlns:p="http://schemas.openxmlformats.org/presentationml/2006/main" type="twoObjAndObj" preserve="1">
   <p:cSld name="Title, 2 Content and Content">
     <p:spTree>
       <p:nvGrpSpPr>
@@ -2309,10 +2858,11 @@
           </a:prstGeom>
         </p:spPr>
         <p:txBody>
-          <a:bodyPr lIns="0" rIns="0" tIns="0" bIns="0" anchor="ctr"/>
+          <a:bodyPr lIns="0" tIns="0" rIns="0" bIns="0" anchor="ctr"/>
+          <a:lstStyle/>
           <a:p>
             <a:pPr algn="ctr"/>
-            <a:endParaRPr b="0" lang="en-US" sz="4400" spc="-1" strike="noStrike">
+            <a:endParaRPr lang="en-US" sz="4400" b="0" strike="noStrike" spc="-1">
               <a:latin typeface="Arial"/>
             </a:endParaRPr>
           </a:p>
@@ -2338,11 +2888,12 @@
           </a:prstGeom>
         </p:spPr>
         <p:txBody>
-          <a:bodyPr lIns="0" rIns="0" tIns="0" bIns="0">
+          <a:bodyPr lIns="0" tIns="0" rIns="0" bIns="0">
             <a:normAutofit/>
           </a:bodyPr>
-          <a:p>
-            <a:endParaRPr b="0" lang="en-US" sz="3200" spc="-1" strike="noStrike">
+          <a:lstStyle/>
+          <a:p>
+            <a:endParaRPr lang="en-US" sz="3200" b="0" strike="noStrike" spc="-1">
               <a:latin typeface="Arial"/>
             </a:endParaRPr>
           </a:p>
@@ -2368,11 +2919,12 @@
           </a:prstGeom>
         </p:spPr>
         <p:txBody>
-          <a:bodyPr lIns="0" rIns="0" tIns="0" bIns="0">
+          <a:bodyPr lIns="0" tIns="0" rIns="0" bIns="0">
             <a:normAutofit/>
           </a:bodyPr>
-          <a:p>
-            <a:endParaRPr b="0" lang="en-US" sz="3200" spc="-1" strike="noStrike">
+          <a:lstStyle/>
+          <a:p>
+            <a:endParaRPr lang="en-US" sz="3200" b="0" strike="noStrike" spc="-1">
               <a:latin typeface="Arial"/>
             </a:endParaRPr>
           </a:p>
@@ -2398,11 +2950,12 @@
           </a:prstGeom>
         </p:spPr>
         <p:txBody>
-          <a:bodyPr lIns="0" rIns="0" tIns="0" bIns="0">
+          <a:bodyPr lIns="0" tIns="0" rIns="0" bIns="0">
             <a:normAutofit/>
           </a:bodyPr>
-          <a:p>
-            <a:endParaRPr b="0" lang="en-US" sz="3200" spc="-1" strike="noStrike">
+          <a:lstStyle/>
+          <a:p>
+            <a:endParaRPr lang="en-US" sz="3200" b="0" strike="noStrike" spc="-1">
               <a:latin typeface="Arial"/>
             </a:endParaRPr>
           </a:p>
@@ -2410,11 +2963,14 @@
       </p:sp>
     </p:spTree>
   </p:cSld>
+  <p:clrMapOvr>
+    <a:masterClrMapping/>
+  </p:clrMapOvr>
 </p:sldLayout>
 </file>
 
 <file path=ppt/slideLayouts/slideLayout8.xml><?xml version="1.0" encoding="utf-8"?>
-<p:sldLayout xmlns:a="http://schemas.openxmlformats.org/drawingml/2006/main" xmlns:p="http://schemas.openxmlformats.org/presentationml/2006/main" xmlns:r="http://schemas.openxmlformats.org/officeDocument/2006/relationships" xmlns:p14="http://schemas.microsoft.com/office/powerpoint/2010/main" xmlns:p15="http://schemas.microsoft.com/office/powerpoint/2012/main" xmlns:mc="http://schemas.openxmlformats.org/markup-compatibility/2006" type="objAndTwoObj" preserve="1">
+<p:sldLayout xmlns:a="http://schemas.openxmlformats.org/drawingml/2006/main" xmlns:r="http://schemas.openxmlformats.org/officeDocument/2006/relationships" xmlns:p="http://schemas.openxmlformats.org/presentationml/2006/main" type="objAndTwoObj" preserve="1">
   <p:cSld name="Title Content and 2 Content">
     <p:spTree>
       <p:nvGrpSpPr>
@@ -2450,10 +3006,11 @@
           </a:prstGeom>
         </p:spPr>
         <p:txBody>
-          <a:bodyPr lIns="0" rIns="0" tIns="0" bIns="0" anchor="ctr"/>
+          <a:bodyPr lIns="0" tIns="0" rIns="0" bIns="0" anchor="ctr"/>
+          <a:lstStyle/>
           <a:p>
             <a:pPr algn="ctr"/>
-            <a:endParaRPr b="0" lang="en-US" sz="4400" spc="-1" strike="noStrike">
+            <a:endParaRPr lang="en-US" sz="4400" b="0" strike="noStrike" spc="-1">
               <a:latin typeface="Arial"/>
             </a:endParaRPr>
           </a:p>
@@ -2479,11 +3036,12 @@
           </a:prstGeom>
         </p:spPr>
         <p:txBody>
-          <a:bodyPr lIns="0" rIns="0" tIns="0" bIns="0">
+          <a:bodyPr lIns="0" tIns="0" rIns="0" bIns="0">
             <a:normAutofit/>
           </a:bodyPr>
-          <a:p>
-            <a:endParaRPr b="0" lang="en-US" sz="3200" spc="-1" strike="noStrike">
+          <a:lstStyle/>
+          <a:p>
+            <a:endParaRPr lang="en-US" sz="3200" b="0" strike="noStrike" spc="-1">
               <a:latin typeface="Arial"/>
             </a:endParaRPr>
           </a:p>
@@ -2509,11 +3067,12 @@
           </a:prstGeom>
         </p:spPr>
         <p:txBody>
-          <a:bodyPr lIns="0" rIns="0" tIns="0" bIns="0">
+          <a:bodyPr lIns="0" tIns="0" rIns="0" bIns="0">
             <a:normAutofit/>
           </a:bodyPr>
-          <a:p>
-            <a:endParaRPr b="0" lang="en-US" sz="3200" spc="-1" strike="noStrike">
+          <a:lstStyle/>
+          <a:p>
+            <a:endParaRPr lang="en-US" sz="3200" b="0" strike="noStrike" spc="-1">
               <a:latin typeface="Arial"/>
             </a:endParaRPr>
           </a:p>
@@ -2539,11 +3098,12 @@
           </a:prstGeom>
         </p:spPr>
         <p:txBody>
-          <a:bodyPr lIns="0" rIns="0" tIns="0" bIns="0">
+          <a:bodyPr lIns="0" tIns="0" rIns="0" bIns="0">
             <a:normAutofit/>
           </a:bodyPr>
-          <a:p>
-            <a:endParaRPr b="0" lang="en-US" sz="3200" spc="-1" strike="noStrike">
+          <a:lstStyle/>
+          <a:p>
+            <a:endParaRPr lang="en-US" sz="3200" b="0" strike="noStrike" spc="-1">
               <a:latin typeface="Arial"/>
             </a:endParaRPr>
           </a:p>
@@ -2551,11 +3111,14 @@
       </p:sp>
     </p:spTree>
   </p:cSld>
+  <p:clrMapOvr>
+    <a:masterClrMapping/>
+  </p:clrMapOvr>
 </p:sldLayout>
 </file>
 
 <file path=ppt/slideLayouts/slideLayout9.xml><?xml version="1.0" encoding="utf-8"?>
-<p:sldLayout xmlns:a="http://schemas.openxmlformats.org/drawingml/2006/main" xmlns:p="http://schemas.openxmlformats.org/presentationml/2006/main" xmlns:r="http://schemas.openxmlformats.org/officeDocument/2006/relationships" xmlns:p14="http://schemas.microsoft.com/office/powerpoint/2010/main" xmlns:p15="http://schemas.microsoft.com/office/powerpoint/2012/main" xmlns:mc="http://schemas.openxmlformats.org/markup-compatibility/2006" type="twoObjOverTx" preserve="1">
+<p:sldLayout xmlns:a="http://schemas.openxmlformats.org/drawingml/2006/main" xmlns:r="http://schemas.openxmlformats.org/officeDocument/2006/relationships" xmlns:p="http://schemas.openxmlformats.org/presentationml/2006/main" type="twoObjOverTx" preserve="1">
   <p:cSld name="Title, 2 Content over Content">
     <p:spTree>
       <p:nvGrpSpPr>
@@ -2591,10 +3154,11 @@
           </a:prstGeom>
         </p:spPr>
         <p:txBody>
-          <a:bodyPr lIns="0" rIns="0" tIns="0" bIns="0" anchor="ctr"/>
+          <a:bodyPr lIns="0" tIns="0" rIns="0" bIns="0" anchor="ctr"/>
+          <a:lstStyle/>
           <a:p>
             <a:pPr algn="ctr"/>
-            <a:endParaRPr b="0" lang="en-US" sz="4400" spc="-1" strike="noStrike">
+            <a:endParaRPr lang="en-US" sz="4400" b="0" strike="noStrike" spc="-1">
               <a:latin typeface="Arial"/>
             </a:endParaRPr>
           </a:p>
@@ -2620,11 +3184,12 @@
           </a:prstGeom>
         </p:spPr>
         <p:txBody>
-          <a:bodyPr lIns="0" rIns="0" tIns="0" bIns="0">
+          <a:bodyPr lIns="0" tIns="0" rIns="0" bIns="0">
             <a:normAutofit/>
           </a:bodyPr>
-          <a:p>
-            <a:endParaRPr b="0" lang="en-US" sz="3200" spc="-1" strike="noStrike">
+          <a:lstStyle/>
+          <a:p>
+            <a:endParaRPr lang="en-US" sz="3200" b="0" strike="noStrike" spc="-1">
               <a:latin typeface="Arial"/>
             </a:endParaRPr>
           </a:p>
@@ -2650,11 +3215,12 @@
           </a:prstGeom>
         </p:spPr>
         <p:txBody>
-          <a:bodyPr lIns="0" rIns="0" tIns="0" bIns="0">
+          <a:bodyPr lIns="0" tIns="0" rIns="0" bIns="0">
             <a:normAutofit/>
           </a:bodyPr>
-          <a:p>
-            <a:endParaRPr b="0" lang="en-US" sz="3200" spc="-1" strike="noStrike">
+          <a:lstStyle/>
+          <a:p>
+            <a:endParaRPr lang="en-US" sz="3200" b="0" strike="noStrike" spc="-1">
               <a:latin typeface="Arial"/>
             </a:endParaRPr>
           </a:p>
@@ -2680,11 +3246,12 @@
           </a:prstGeom>
         </p:spPr>
         <p:txBody>
-          <a:bodyPr lIns="0" rIns="0" tIns="0" bIns="0">
+          <a:bodyPr lIns="0" tIns="0" rIns="0" bIns="0">
             <a:normAutofit/>
           </a:bodyPr>
-          <a:p>
-            <a:endParaRPr b="0" lang="en-US" sz="3200" spc="-1" strike="noStrike">
+          <a:lstStyle/>
+          <a:p>
+            <a:endParaRPr lang="en-US" sz="3200" b="0" strike="noStrike" spc="-1">
               <a:latin typeface="Arial"/>
             </a:endParaRPr>
           </a:p>
@@ -2692,12 +3259,20 @@
       </p:sp>
     </p:spTree>
   </p:cSld>
+  <p:clrMapOvr>
+    <a:masterClrMapping/>
+  </p:clrMapOvr>
 </p:sldLayout>
 </file>
 
 <file path=ppt/slideMasters/slideMaster1.xml><?xml version="1.0" encoding="utf-8"?>
-<p:sldMaster xmlns:a="http://schemas.openxmlformats.org/drawingml/2006/main" xmlns:p="http://schemas.openxmlformats.org/presentationml/2006/main" xmlns:r="http://schemas.openxmlformats.org/officeDocument/2006/relationships" xmlns:p14="http://schemas.microsoft.com/office/powerpoint/2010/main" xmlns:p15="http://schemas.microsoft.com/office/powerpoint/2012/main" xmlns:mc="http://schemas.openxmlformats.org/markup-compatibility/2006">
+<p:sldMaster xmlns:a="http://schemas.openxmlformats.org/drawingml/2006/main" xmlns:r="http://schemas.openxmlformats.org/officeDocument/2006/relationships" xmlns:p="http://schemas.openxmlformats.org/presentationml/2006/main">
   <p:cSld>
+    <p:bg>
+      <p:bgRef idx="1001">
+        <a:schemeClr val="bg1"/>
+      </p:bgRef>
+    </p:bg>
     <p:spTree>
       <p:nvGrpSpPr>
         <p:cNvPr id="1" name=""/>
@@ -2714,7 +3289,7 @@
       </p:grpSpPr>
       <p:sp>
         <p:nvSpPr>
-          <p:cNvPr id="0" name="PlaceHolder 1"/>
+          <p:cNvPr id="5" name="PlaceHolder 1"/>
           <p:cNvSpPr>
             <a:spLocks noGrp="1"/>
           </p:cNvSpPr>
@@ -2732,24 +3307,22 @@
           </a:prstGeom>
         </p:spPr>
         <p:txBody>
-          <a:bodyPr lIns="0" rIns="0" tIns="0" bIns="0" anchor="ctr"/>
+          <a:bodyPr lIns="0" tIns="0" rIns="0" bIns="0" anchor="ctr"/>
+          <a:lstStyle/>
           <a:p>
             <a:pPr algn="ctr"/>
             <a:r>
-              <a:rPr b="0" lang="en-US" sz="4400" spc="-1" strike="noStrike">
+              <a:rPr lang="en-US" sz="4400" b="0" strike="noStrike" spc="-1">
                 <a:latin typeface="Arial"/>
               </a:rPr>
               <a:t>Click to edit the title text format</a:t>
             </a:r>
-            <a:endParaRPr b="0" lang="en-US" sz="4400" spc="-1" strike="noStrike">
-              <a:latin typeface="Arial"/>
-            </a:endParaRPr>
-          </a:p>
-        </p:txBody>
-      </p:sp>
-      <p:sp>
-        <p:nvSpPr>
-          <p:cNvPr id="1" name="PlaceHolder 2"/>
+          </a:p>
+        </p:txBody>
+      </p:sp>
+      <p:sp>
+        <p:nvSpPr>
+          <p:cNvPr id="6" name="PlaceHolder 2"/>
           <p:cNvSpPr>
             <a:spLocks noGrp="1"/>
           </p:cNvSpPr>
@@ -2767,9 +3340,10 @@
           </a:prstGeom>
         </p:spPr>
         <p:txBody>
-          <a:bodyPr lIns="0" rIns="0" tIns="0" bIns="0">
+          <a:bodyPr lIns="0" tIns="0" rIns="0" bIns="0">
             <a:normAutofit/>
           </a:bodyPr>
+          <a:lstStyle/>
           <a:p>
             <a:pPr marL="432000" indent="-324000">
               <a:spcBef>
@@ -2783,17 +3357,14 @@
               <a:buChar char=""/>
             </a:pPr>
             <a:r>
-              <a:rPr b="0" lang="en-US" sz="3200" spc="-1" strike="noStrike">
+              <a:rPr lang="en-US" sz="3200" b="0" strike="noStrike" spc="-1">
                 <a:latin typeface="Arial"/>
               </a:rPr>
               <a:t>Click to edit the outline text format</a:t>
             </a:r>
-            <a:endParaRPr b="0" lang="en-US" sz="3200" spc="-1" strike="noStrike">
-              <a:latin typeface="Arial"/>
-            </a:endParaRPr>
-          </a:p>
-          <a:p>
-            <a:pPr lvl="1" marL="864000" indent="-324000">
+          </a:p>
+          <a:p>
+            <a:pPr marL="864000" lvl="1" indent="-324000">
               <a:spcBef>
                 <a:spcPts val="1134"/>
               </a:spcBef>
@@ -2805,17 +3376,14 @@
               <a:buChar char=""/>
             </a:pPr>
             <a:r>
-              <a:rPr b="0" lang="en-US" sz="2800" spc="-1" strike="noStrike">
+              <a:rPr lang="en-US" sz="2800" b="0" strike="noStrike" spc="-1">
                 <a:latin typeface="Arial"/>
               </a:rPr>
               <a:t>Second Outline Level</a:t>
             </a:r>
-            <a:endParaRPr b="0" lang="en-US" sz="2800" spc="-1" strike="noStrike">
-              <a:latin typeface="Arial"/>
-            </a:endParaRPr>
-          </a:p>
-          <a:p>
-            <a:pPr lvl="2" marL="1296000" indent="-288000">
+          </a:p>
+          <a:p>
+            <a:pPr marL="1296000" lvl="2" indent="-288000">
               <a:spcBef>
                 <a:spcPts val="850"/>
               </a:spcBef>
@@ -2827,17 +3395,14 @@
               <a:buChar char=""/>
             </a:pPr>
             <a:r>
-              <a:rPr b="0" lang="en-US" sz="2400" spc="-1" strike="noStrike">
+              <a:rPr lang="en-US" sz="2400" b="0" strike="noStrike" spc="-1">
                 <a:latin typeface="Arial"/>
               </a:rPr>
               <a:t>Third Outline Level</a:t>
             </a:r>
-            <a:endParaRPr b="0" lang="en-US" sz="2400" spc="-1" strike="noStrike">
-              <a:latin typeface="Arial"/>
-            </a:endParaRPr>
-          </a:p>
-          <a:p>
-            <a:pPr lvl="3" marL="1728000" indent="-216000">
+          </a:p>
+          <a:p>
+            <a:pPr marL="1728000" lvl="3" indent="-216000">
               <a:spcBef>
                 <a:spcPts val="567"/>
               </a:spcBef>
@@ -2849,17 +3414,14 @@
               <a:buChar char=""/>
             </a:pPr>
             <a:r>
-              <a:rPr b="0" lang="en-US" sz="2000" spc="-1" strike="noStrike">
+              <a:rPr lang="en-US" sz="2000" b="0" strike="noStrike" spc="-1">
                 <a:latin typeface="Arial"/>
               </a:rPr>
               <a:t>Fourth Outline Level</a:t>
             </a:r>
-            <a:endParaRPr b="0" lang="en-US" sz="2000" spc="-1" strike="noStrike">
-              <a:latin typeface="Arial"/>
-            </a:endParaRPr>
-          </a:p>
-          <a:p>
-            <a:pPr lvl="4" marL="2160000" indent="-216000">
+          </a:p>
+          <a:p>
+            <a:pPr marL="2160000" lvl="4" indent="-216000">
               <a:spcBef>
                 <a:spcPts val="283"/>
               </a:spcBef>
@@ -2871,17 +3433,14 @@
               <a:buChar char=""/>
             </a:pPr>
             <a:r>
-              <a:rPr b="0" lang="en-US" sz="2000" spc="-1" strike="noStrike">
+              <a:rPr lang="en-US" sz="2000" b="0" strike="noStrike" spc="-1">
                 <a:latin typeface="Arial"/>
               </a:rPr>
               <a:t>Fifth Outline Level</a:t>
             </a:r>
-            <a:endParaRPr b="0" lang="en-US" sz="2000" spc="-1" strike="noStrike">
-              <a:latin typeface="Arial"/>
-            </a:endParaRPr>
-          </a:p>
-          <a:p>
-            <a:pPr lvl="5" marL="2592000" indent="-216000">
+          </a:p>
+          <a:p>
+            <a:pPr marL="2592000" lvl="5" indent="-216000">
               <a:spcBef>
                 <a:spcPts val="283"/>
               </a:spcBef>
@@ -2893,17 +3452,14 @@
               <a:buChar char=""/>
             </a:pPr>
             <a:r>
-              <a:rPr b="0" lang="en-US" sz="2000" spc="-1" strike="noStrike">
+              <a:rPr lang="en-US" sz="2000" b="0" strike="noStrike" spc="-1">
                 <a:latin typeface="Arial"/>
               </a:rPr>
               <a:t>Sixth Outline Level</a:t>
             </a:r>
-            <a:endParaRPr b="0" lang="en-US" sz="2000" spc="-1" strike="noStrike">
-              <a:latin typeface="Arial"/>
-            </a:endParaRPr>
-          </a:p>
-          <a:p>
-            <a:pPr lvl="6" marL="3024000" indent="-216000">
+          </a:p>
+          <a:p>
+            <a:pPr marL="3024000" lvl="6" indent="-216000">
               <a:spcBef>
                 <a:spcPts val="283"/>
               </a:spcBef>
@@ -2915,14 +3471,11 @@
               <a:buChar char=""/>
             </a:pPr>
             <a:r>
-              <a:rPr b="0" lang="en-US" sz="2000" spc="-1" strike="noStrike">
+              <a:rPr lang="en-US" sz="2000" b="0" strike="noStrike" spc="-1">
                 <a:latin typeface="Arial"/>
               </a:rPr>
               <a:t>Seventh Outline Level</a:t>
             </a:r>
-            <a:endParaRPr b="0" lang="en-US" sz="2000" spc="-1" strike="noStrike">
-              <a:latin typeface="Arial"/>
-            </a:endParaRPr>
           </a:p>
         </p:txBody>
       </p:sp>
@@ -2946,17 +3499,15 @@
           </a:prstGeom>
         </p:spPr>
         <p:txBody>
-          <a:bodyPr lIns="0" rIns="0" tIns="0" bIns="0"/>
-          <a:p>
-            <a:r>
-              <a:rPr b="0" lang="en-US" sz="1400" spc="-1" strike="noStrike">
+          <a:bodyPr lIns="0" tIns="0" rIns="0" bIns="0"/>
+          <a:lstStyle/>
+          <a:p>
+            <a:r>
+              <a:rPr lang="en-US" sz="1400" b="0" strike="noStrike" spc="-1">
                 <a:latin typeface="Times New Roman"/>
               </a:rPr>
               <a:t>&lt;date/time&gt;</a:t>
             </a:r>
-            <a:endParaRPr b="0" lang="en-US" sz="1400" spc="-1" strike="noStrike">
-              <a:latin typeface="Times New Roman"/>
-            </a:endParaRPr>
           </a:p>
         </p:txBody>
       </p:sp>
@@ -2980,18 +3531,16 @@
           </a:prstGeom>
         </p:spPr>
         <p:txBody>
-          <a:bodyPr lIns="0" rIns="0" tIns="0" bIns="0"/>
+          <a:bodyPr lIns="0" tIns="0" rIns="0" bIns="0"/>
+          <a:lstStyle/>
           <a:p>
             <a:pPr algn="ctr"/>
             <a:r>
-              <a:rPr b="0" lang="en-US" sz="1400" spc="-1" strike="noStrike">
+              <a:rPr lang="en-US" sz="1400" b="0" strike="noStrike" spc="-1">
                 <a:latin typeface="Times New Roman"/>
               </a:rPr>
               <a:t>&lt;footer&gt;</a:t>
             </a:r>
-            <a:endParaRPr b="0" lang="en-US" sz="1400" spc="-1" strike="noStrike">
-              <a:latin typeface="Times New Roman"/>
-            </a:endParaRPr>
           </a:p>
         </p:txBody>
       </p:sp>
@@ -3015,16 +3564,17 @@
           </a:prstGeom>
         </p:spPr>
         <p:txBody>
-          <a:bodyPr lIns="0" rIns="0" tIns="0" bIns="0"/>
+          <a:bodyPr lIns="0" tIns="0" rIns="0" bIns="0"/>
+          <a:lstStyle/>
           <a:p>
             <a:pPr algn="r"/>
             <a:fld id="{37BDF84C-02F2-4957-8A01-5767AF90F25F}" type="slidenum">
-              <a:rPr b="0" lang="en-US" sz="1400" spc="-1" strike="noStrike">
+              <a:rPr lang="en-US" sz="1400" b="0" strike="noStrike" spc="-1">
                 <a:latin typeface="Times New Roman"/>
               </a:rPr>
-              <a:t>&lt;number&gt;</a:t>
+              <a:t>‹#›</a:t>
             </a:fld>
-            <a:endParaRPr b="0" lang="en-US" sz="1400" spc="-1" strike="noStrike">
+            <a:endParaRPr lang="en-US" sz="1400" b="0" strike="noStrike" spc="-1">
               <a:latin typeface="Times New Roman"/>
             </a:endParaRPr>
           </a:p>
@@ -3032,27 +3582,312 @@
       </p:sp>
     </p:spTree>
   </p:cSld>
-  <p:clrMap bg1="lt1" bg2="lt2" tx1="dk1" tx2="dk2" accent1="accent1" accent2="accent2" accent3="accent3" accent4="accent4" accent5="accent5" accent6="accent6" hlink="hlink" folHlink="folHlink"/>
+  <p:clrMap bg1="lt1" tx1="dk1" bg2="lt2" tx2="dk2" accent1="accent1" accent2="accent2" accent3="accent3" accent4="accent4" accent5="accent5" accent6="accent6" hlink="hlink" folHlink="folHlink"/>
   <p:sldLayoutIdLst>
-    <p:sldLayoutId id="2147483649" r:id="rId2"/>
-    <p:sldLayoutId id="2147483650" r:id="rId3"/>
-    <p:sldLayoutId id="2147483651" r:id="rId4"/>
-    <p:sldLayoutId id="2147483652" r:id="rId5"/>
-    <p:sldLayoutId id="2147483653" r:id="rId6"/>
-    <p:sldLayoutId id="2147483654" r:id="rId7"/>
-    <p:sldLayoutId id="2147483655" r:id="rId8"/>
-    <p:sldLayoutId id="2147483656" r:id="rId9"/>
-    <p:sldLayoutId id="2147483657" r:id="rId10"/>
-    <p:sldLayoutId id="2147483658" r:id="rId11"/>
-    <p:sldLayoutId id="2147483659" r:id="rId12"/>
-    <p:sldLayoutId id="2147483660" r:id="rId13"/>
+    <p:sldLayoutId id="2147483649" r:id="rId1"/>
+    <p:sldLayoutId id="2147483650" r:id="rId2"/>
+    <p:sldLayoutId id="2147483651" r:id="rId3"/>
+    <p:sldLayoutId id="2147483652" r:id="rId4"/>
+    <p:sldLayoutId id="2147483653" r:id="rId5"/>
+    <p:sldLayoutId id="2147483654" r:id="rId6"/>
+    <p:sldLayoutId id="2147483655" r:id="rId7"/>
+    <p:sldLayoutId id="2147483656" r:id="rId8"/>
+    <p:sldLayoutId id="2147483657" r:id="rId9"/>
+    <p:sldLayoutId id="2147483658" r:id="rId10"/>
+    <p:sldLayoutId id="2147483659" r:id="rId11"/>
+    <p:sldLayoutId id="2147483660" r:id="rId12"/>
   </p:sldLayoutIdLst>
+  <p:txStyles>
+    <p:titleStyle>
+      <a:lvl1pPr algn="l" defTabSz="914400" rtl="0" eaLnBrk="1" latinLnBrk="0" hangingPunct="1">
+        <a:lnSpc>
+          <a:spcPct val="90000"/>
+        </a:lnSpc>
+        <a:spcBef>
+          <a:spcPct val="0"/>
+        </a:spcBef>
+        <a:buNone/>
+        <a:defRPr sz="4400" kern="1200">
+          <a:solidFill>
+            <a:schemeClr val="tx1"/>
+          </a:solidFill>
+          <a:latin typeface="+mj-lt"/>
+          <a:ea typeface="+mj-ea"/>
+          <a:cs typeface="+mj-cs"/>
+        </a:defRPr>
+      </a:lvl1pPr>
+    </p:titleStyle>
+    <p:bodyStyle>
+      <a:lvl1pPr marL="228600" indent="-228600" algn="l" defTabSz="914400" rtl="0" eaLnBrk="1" latinLnBrk="0" hangingPunct="1">
+        <a:lnSpc>
+          <a:spcPct val="90000"/>
+        </a:lnSpc>
+        <a:spcBef>
+          <a:spcPts val="1000"/>
+        </a:spcBef>
+        <a:buFont typeface="Arial" panose="020B0604020202020204" pitchFamily="34" charset="0"/>
+        <a:buChar char="•"/>
+        <a:defRPr sz="2800" kern="1200">
+          <a:solidFill>
+            <a:schemeClr val="tx1"/>
+          </a:solidFill>
+          <a:latin typeface="+mn-lt"/>
+          <a:ea typeface="+mn-ea"/>
+          <a:cs typeface="+mn-cs"/>
+        </a:defRPr>
+      </a:lvl1pPr>
+      <a:lvl2pPr marL="685800" indent="-228600" algn="l" defTabSz="914400" rtl="0" eaLnBrk="1" latinLnBrk="0" hangingPunct="1">
+        <a:lnSpc>
+          <a:spcPct val="90000"/>
+        </a:lnSpc>
+        <a:spcBef>
+          <a:spcPts val="500"/>
+        </a:spcBef>
+        <a:buFont typeface="Arial" panose="020B0604020202020204" pitchFamily="34" charset="0"/>
+        <a:buChar char="•"/>
+        <a:defRPr sz="2400" kern="1200">
+          <a:solidFill>
+            <a:schemeClr val="tx1"/>
+          </a:solidFill>
+          <a:latin typeface="+mn-lt"/>
+          <a:ea typeface="+mn-ea"/>
+          <a:cs typeface="+mn-cs"/>
+        </a:defRPr>
+      </a:lvl2pPr>
+      <a:lvl3pPr marL="1143000" indent="-228600" algn="l" defTabSz="914400" rtl="0" eaLnBrk="1" latinLnBrk="0" hangingPunct="1">
+        <a:lnSpc>
+          <a:spcPct val="90000"/>
+        </a:lnSpc>
+        <a:spcBef>
+          <a:spcPts val="500"/>
+        </a:spcBef>
+        <a:buFont typeface="Arial" panose="020B0604020202020204" pitchFamily="34" charset="0"/>
+        <a:buChar char="•"/>
+        <a:defRPr sz="2000" kern="1200">
+          <a:solidFill>
+            <a:schemeClr val="tx1"/>
+          </a:solidFill>
+          <a:latin typeface="+mn-lt"/>
+          <a:ea typeface="+mn-ea"/>
+          <a:cs typeface="+mn-cs"/>
+        </a:defRPr>
+      </a:lvl3pPr>
+      <a:lvl4pPr marL="1600200" indent="-228600" algn="l" defTabSz="914400" rtl="0" eaLnBrk="1" latinLnBrk="0" hangingPunct="1">
+        <a:lnSpc>
+          <a:spcPct val="90000"/>
+        </a:lnSpc>
+        <a:spcBef>
+          <a:spcPts val="500"/>
+        </a:spcBef>
+        <a:buFont typeface="Arial" panose="020B0604020202020204" pitchFamily="34" charset="0"/>
+        <a:buChar char="•"/>
+        <a:defRPr sz="1800" kern="1200">
+          <a:solidFill>
+            <a:schemeClr val="tx1"/>
+          </a:solidFill>
+          <a:latin typeface="+mn-lt"/>
+          <a:ea typeface="+mn-ea"/>
+          <a:cs typeface="+mn-cs"/>
+        </a:defRPr>
+      </a:lvl4pPr>
+      <a:lvl5pPr marL="2057400" indent="-228600" algn="l" defTabSz="914400" rtl="0" eaLnBrk="1" latinLnBrk="0" hangingPunct="1">
+        <a:lnSpc>
+          <a:spcPct val="90000"/>
+        </a:lnSpc>
+        <a:spcBef>
+          <a:spcPts val="500"/>
+        </a:spcBef>
+        <a:buFont typeface="Arial" panose="020B0604020202020204" pitchFamily="34" charset="0"/>
+        <a:buChar char="•"/>
+        <a:defRPr sz="1800" kern="1200">
+          <a:solidFill>
+            <a:schemeClr val="tx1"/>
+          </a:solidFill>
+          <a:latin typeface="+mn-lt"/>
+          <a:ea typeface="+mn-ea"/>
+          <a:cs typeface="+mn-cs"/>
+        </a:defRPr>
+      </a:lvl5pPr>
+      <a:lvl6pPr marL="2514600" indent="-228600" algn="l" defTabSz="914400" rtl="0" eaLnBrk="1" latinLnBrk="0" hangingPunct="1">
+        <a:lnSpc>
+          <a:spcPct val="90000"/>
+        </a:lnSpc>
+        <a:spcBef>
+          <a:spcPts val="500"/>
+        </a:spcBef>
+        <a:buFont typeface="Arial" panose="020B0604020202020204" pitchFamily="34" charset="0"/>
+        <a:buChar char="•"/>
+        <a:defRPr sz="1800" kern="1200">
+          <a:solidFill>
+            <a:schemeClr val="tx1"/>
+          </a:solidFill>
+          <a:latin typeface="+mn-lt"/>
+          <a:ea typeface="+mn-ea"/>
+          <a:cs typeface="+mn-cs"/>
+        </a:defRPr>
+      </a:lvl6pPr>
+      <a:lvl7pPr marL="2971800" indent="-228600" algn="l" defTabSz="914400" rtl="0" eaLnBrk="1" latinLnBrk="0" hangingPunct="1">
+        <a:lnSpc>
+          <a:spcPct val="90000"/>
+        </a:lnSpc>
+        <a:spcBef>
+          <a:spcPts val="500"/>
+        </a:spcBef>
+        <a:buFont typeface="Arial" panose="020B0604020202020204" pitchFamily="34" charset="0"/>
+        <a:buChar char="•"/>
+        <a:defRPr sz="1800" kern="1200">
+          <a:solidFill>
+            <a:schemeClr val="tx1"/>
+          </a:solidFill>
+          <a:latin typeface="+mn-lt"/>
+          <a:ea typeface="+mn-ea"/>
+          <a:cs typeface="+mn-cs"/>
+        </a:defRPr>
+      </a:lvl7pPr>
+      <a:lvl8pPr marL="3429000" indent="-228600" algn="l" defTabSz="914400" rtl="0" eaLnBrk="1" latinLnBrk="0" hangingPunct="1">
+        <a:lnSpc>
+          <a:spcPct val="90000"/>
+        </a:lnSpc>
+        <a:spcBef>
+          <a:spcPts val="500"/>
+        </a:spcBef>
+        <a:buFont typeface="Arial" panose="020B0604020202020204" pitchFamily="34" charset="0"/>
+        <a:buChar char="•"/>
+        <a:defRPr sz="1800" kern="1200">
+          <a:solidFill>
+            <a:schemeClr val="tx1"/>
+          </a:solidFill>
+          <a:latin typeface="+mn-lt"/>
+          <a:ea typeface="+mn-ea"/>
+          <a:cs typeface="+mn-cs"/>
+        </a:defRPr>
+      </a:lvl8pPr>
+      <a:lvl9pPr marL="3886200" indent="-228600" algn="l" defTabSz="914400" rtl="0" eaLnBrk="1" latinLnBrk="0" hangingPunct="1">
+        <a:lnSpc>
+          <a:spcPct val="90000"/>
+        </a:lnSpc>
+        <a:spcBef>
+          <a:spcPts val="500"/>
+        </a:spcBef>
+        <a:buFont typeface="Arial" panose="020B0604020202020204" pitchFamily="34" charset="0"/>
+        <a:buChar char="•"/>
+        <a:defRPr sz="1800" kern="1200">
+          <a:solidFill>
+            <a:schemeClr val="tx1"/>
+          </a:solidFill>
+          <a:latin typeface="+mn-lt"/>
+          <a:ea typeface="+mn-ea"/>
+          <a:cs typeface="+mn-cs"/>
+        </a:defRPr>
+      </a:lvl9pPr>
+    </p:bodyStyle>
+    <p:otherStyle>
+      <a:defPPr>
+        <a:defRPr lang="en-US"/>
+      </a:defPPr>
+      <a:lvl1pPr marL="0" algn="l" defTabSz="914400" rtl="0" eaLnBrk="1" latinLnBrk="0" hangingPunct="1">
+        <a:defRPr sz="1800" kern="1200">
+          <a:solidFill>
+            <a:schemeClr val="tx1"/>
+          </a:solidFill>
+          <a:latin typeface="+mn-lt"/>
+          <a:ea typeface="+mn-ea"/>
+          <a:cs typeface="+mn-cs"/>
+        </a:defRPr>
+      </a:lvl1pPr>
+      <a:lvl2pPr marL="457200" algn="l" defTabSz="914400" rtl="0" eaLnBrk="1" latinLnBrk="0" hangingPunct="1">
+        <a:defRPr sz="1800" kern="1200">
+          <a:solidFill>
+            <a:schemeClr val="tx1"/>
+          </a:solidFill>
+          <a:latin typeface="+mn-lt"/>
+          <a:ea typeface="+mn-ea"/>
+          <a:cs typeface="+mn-cs"/>
+        </a:defRPr>
+      </a:lvl2pPr>
+      <a:lvl3pPr marL="914400" algn="l" defTabSz="914400" rtl="0" eaLnBrk="1" latinLnBrk="0" hangingPunct="1">
+        <a:defRPr sz="1800" kern="1200">
+          <a:solidFill>
+            <a:schemeClr val="tx1"/>
+          </a:solidFill>
+          <a:latin typeface="+mn-lt"/>
+          <a:ea typeface="+mn-ea"/>
+          <a:cs typeface="+mn-cs"/>
+        </a:defRPr>
+      </a:lvl3pPr>
+      <a:lvl4pPr marL="1371600" algn="l" defTabSz="914400" rtl="0" eaLnBrk="1" latinLnBrk="0" hangingPunct="1">
+        <a:defRPr sz="1800" kern="1200">
+          <a:solidFill>
+            <a:schemeClr val="tx1"/>
+          </a:solidFill>
+          <a:latin typeface="+mn-lt"/>
+          <a:ea typeface="+mn-ea"/>
+          <a:cs typeface="+mn-cs"/>
+        </a:defRPr>
+      </a:lvl4pPr>
+      <a:lvl5pPr marL="1828800" algn="l" defTabSz="914400" rtl="0" eaLnBrk="1" latinLnBrk="0" hangingPunct="1">
+        <a:defRPr sz="1800" kern="1200">
+          <a:solidFill>
+            <a:schemeClr val="tx1"/>
+          </a:solidFill>
+          <a:latin typeface="+mn-lt"/>
+          <a:ea typeface="+mn-ea"/>
+          <a:cs typeface="+mn-cs"/>
+        </a:defRPr>
+      </a:lvl5pPr>
+      <a:lvl6pPr marL="2286000" algn="l" defTabSz="914400" rtl="0" eaLnBrk="1" latinLnBrk="0" hangingPunct="1">
+        <a:defRPr sz="1800" kern="1200">
+          <a:solidFill>
+            <a:schemeClr val="tx1"/>
+          </a:solidFill>
+          <a:latin typeface="+mn-lt"/>
+          <a:ea typeface="+mn-ea"/>
+          <a:cs typeface="+mn-cs"/>
+        </a:defRPr>
+      </a:lvl6pPr>
+      <a:lvl7pPr marL="2743200" algn="l" defTabSz="914400" rtl="0" eaLnBrk="1" latinLnBrk="0" hangingPunct="1">
+        <a:defRPr sz="1800" kern="1200">
+          <a:solidFill>
+            <a:schemeClr val="tx1"/>
+          </a:solidFill>
+          <a:latin typeface="+mn-lt"/>
+          <a:ea typeface="+mn-ea"/>
+          <a:cs typeface="+mn-cs"/>
+        </a:defRPr>
+      </a:lvl7pPr>
+      <a:lvl8pPr marL="3200400" algn="l" defTabSz="914400" rtl="0" eaLnBrk="1" latinLnBrk="0" hangingPunct="1">
+        <a:defRPr sz="1800" kern="1200">
+          <a:solidFill>
+            <a:schemeClr val="tx1"/>
+          </a:solidFill>
+          <a:latin typeface="+mn-lt"/>
+          <a:ea typeface="+mn-ea"/>
+          <a:cs typeface="+mn-cs"/>
+        </a:defRPr>
+      </a:lvl8pPr>
+      <a:lvl9pPr marL="3657600" algn="l" defTabSz="914400" rtl="0" eaLnBrk="1" latinLnBrk="0" hangingPunct="1">
+        <a:defRPr sz="1800" kern="1200">
+          <a:solidFill>
+            <a:schemeClr val="tx1"/>
+          </a:solidFill>
+          <a:latin typeface="+mn-lt"/>
+          <a:ea typeface="+mn-ea"/>
+          <a:cs typeface="+mn-cs"/>
+        </a:defRPr>
+      </a:lvl9pPr>
+    </p:otherStyle>
+  </p:txStyles>
 </p:sldMaster>
 </file>
 
 <file path=ppt/slideMasters/slideMaster2.xml><?xml version="1.0" encoding="utf-8"?>
-<p:sldMaster xmlns:a="http://schemas.openxmlformats.org/drawingml/2006/main" xmlns:p="http://schemas.openxmlformats.org/presentationml/2006/main" xmlns:r="http://schemas.openxmlformats.org/officeDocument/2006/relationships" xmlns:p14="http://schemas.microsoft.com/office/powerpoint/2010/main" xmlns:p15="http://schemas.microsoft.com/office/powerpoint/2012/main" xmlns:mc="http://schemas.openxmlformats.org/markup-compatibility/2006">
+<p:sldMaster xmlns:a="http://schemas.openxmlformats.org/drawingml/2006/main" xmlns:r="http://schemas.openxmlformats.org/officeDocument/2006/relationships" xmlns:p="http://schemas.openxmlformats.org/presentationml/2006/main">
   <p:cSld>
+    <p:bg>
+      <p:bgRef idx="1001">
+        <a:schemeClr val="bg1"/>
+      </p:bgRef>
+    </p:bg>
     <p:spTree>
       <p:nvGrpSpPr>
         <p:cNvPr id="1" name=""/>
@@ -3087,18 +3922,16 @@
           </a:prstGeom>
         </p:spPr>
         <p:txBody>
-          <a:bodyPr lIns="0" rIns="0" tIns="0" bIns="0" anchor="ctr"/>
+          <a:bodyPr lIns="0" tIns="0" rIns="0" bIns="0" anchor="ctr"/>
+          <a:lstStyle/>
           <a:p>
             <a:pPr algn="ctr"/>
             <a:r>
-              <a:rPr b="0" lang="en-US" sz="4400" spc="-1" strike="noStrike">
+              <a:rPr lang="en-US" sz="4400" b="0" strike="noStrike" spc="-1">
                 <a:latin typeface="Arial"/>
               </a:rPr>
               <a:t>Click to edit the title text format</a:t>
             </a:r>
-            <a:endParaRPr b="0" lang="en-US" sz="4400" spc="-1" strike="noStrike">
-              <a:latin typeface="Arial"/>
-            </a:endParaRPr>
           </a:p>
         </p:txBody>
       </p:sp>
@@ -3122,9 +3955,10 @@
           </a:prstGeom>
         </p:spPr>
         <p:txBody>
-          <a:bodyPr lIns="0" rIns="0" tIns="0" bIns="0">
+          <a:bodyPr lIns="0" tIns="0" rIns="0" bIns="0">
             <a:normAutofit/>
           </a:bodyPr>
+          <a:lstStyle/>
           <a:p>
             <a:pPr marL="432000" indent="-324000">
               <a:spcBef>
@@ -3138,17 +3972,14 @@
               <a:buChar char=""/>
             </a:pPr>
             <a:r>
-              <a:rPr b="0" lang="en-US" sz="3200" spc="-1" strike="noStrike">
+              <a:rPr lang="en-US" sz="3200" b="0" strike="noStrike" spc="-1">
                 <a:latin typeface="Arial"/>
               </a:rPr>
               <a:t>Click to edit the outline text format</a:t>
             </a:r>
-            <a:endParaRPr b="0" lang="en-US" sz="3200" spc="-1" strike="noStrike">
-              <a:latin typeface="Arial"/>
-            </a:endParaRPr>
-          </a:p>
-          <a:p>
-            <a:pPr lvl="1" marL="864000" indent="-324000">
+          </a:p>
+          <a:p>
+            <a:pPr marL="864000" lvl="1" indent="-324000">
               <a:spcBef>
                 <a:spcPts val="1134"/>
               </a:spcBef>
@@ -3160,17 +3991,14 @@
               <a:buChar char=""/>
             </a:pPr>
             <a:r>
-              <a:rPr b="0" lang="en-US" sz="2800" spc="-1" strike="noStrike">
+              <a:rPr lang="en-US" sz="2800" b="0" strike="noStrike" spc="-1">
                 <a:latin typeface="Arial"/>
               </a:rPr>
               <a:t>Second Outline Level</a:t>
             </a:r>
-            <a:endParaRPr b="0" lang="en-US" sz="2800" spc="-1" strike="noStrike">
-              <a:latin typeface="Arial"/>
-            </a:endParaRPr>
-          </a:p>
-          <a:p>
-            <a:pPr lvl="2" marL="1296000" indent="-288000">
+          </a:p>
+          <a:p>
+            <a:pPr marL="1296000" lvl="2" indent="-288000">
               <a:spcBef>
                 <a:spcPts val="850"/>
               </a:spcBef>
@@ -3182,17 +4010,14 @@
               <a:buChar char=""/>
             </a:pPr>
             <a:r>
-              <a:rPr b="0" lang="en-US" sz="2400" spc="-1" strike="noStrike">
+              <a:rPr lang="en-US" sz="2400" b="0" strike="noStrike" spc="-1">
                 <a:latin typeface="Arial"/>
               </a:rPr>
               <a:t>Third Outline Level</a:t>
             </a:r>
-            <a:endParaRPr b="0" lang="en-US" sz="2400" spc="-1" strike="noStrike">
-              <a:latin typeface="Arial"/>
-            </a:endParaRPr>
-          </a:p>
-          <a:p>
-            <a:pPr lvl="3" marL="1728000" indent="-216000">
+          </a:p>
+          <a:p>
+            <a:pPr marL="1728000" lvl="3" indent="-216000">
               <a:spcBef>
                 <a:spcPts val="567"/>
               </a:spcBef>
@@ -3204,17 +4029,14 @@
               <a:buChar char=""/>
             </a:pPr>
             <a:r>
-              <a:rPr b="0" lang="en-US" sz="2000" spc="-1" strike="noStrike">
+              <a:rPr lang="en-US" sz="2000" b="0" strike="noStrike" spc="-1">
                 <a:latin typeface="Arial"/>
               </a:rPr>
               <a:t>Fourth Outline Level</a:t>
             </a:r>
-            <a:endParaRPr b="0" lang="en-US" sz="2000" spc="-1" strike="noStrike">
-              <a:latin typeface="Arial"/>
-            </a:endParaRPr>
-          </a:p>
-          <a:p>
-            <a:pPr lvl="4" marL="2160000" indent="-216000">
+          </a:p>
+          <a:p>
+            <a:pPr marL="2160000" lvl="4" indent="-216000">
               <a:spcBef>
                 <a:spcPts val="283"/>
               </a:spcBef>
@@ -3226,17 +4048,14 @@
               <a:buChar char=""/>
             </a:pPr>
             <a:r>
-              <a:rPr b="0" lang="en-US" sz="2000" spc="-1" strike="noStrike">
+              <a:rPr lang="en-US" sz="2000" b="0" strike="noStrike" spc="-1">
                 <a:latin typeface="Arial"/>
               </a:rPr>
               <a:t>Fifth Outline Level</a:t>
             </a:r>
-            <a:endParaRPr b="0" lang="en-US" sz="2000" spc="-1" strike="noStrike">
-              <a:latin typeface="Arial"/>
-            </a:endParaRPr>
-          </a:p>
-          <a:p>
-            <a:pPr lvl="5" marL="2592000" indent="-216000">
+          </a:p>
+          <a:p>
+            <a:pPr marL="2592000" lvl="5" indent="-216000">
               <a:spcBef>
                 <a:spcPts val="283"/>
               </a:spcBef>
@@ -3248,17 +4067,14 @@
               <a:buChar char=""/>
             </a:pPr>
             <a:r>
-              <a:rPr b="0" lang="en-US" sz="2000" spc="-1" strike="noStrike">
+              <a:rPr lang="en-US" sz="2000" b="0" strike="noStrike" spc="-1">
                 <a:latin typeface="Arial"/>
               </a:rPr>
               <a:t>Sixth Outline Level</a:t>
             </a:r>
-            <a:endParaRPr b="0" lang="en-US" sz="2000" spc="-1" strike="noStrike">
-              <a:latin typeface="Arial"/>
-            </a:endParaRPr>
-          </a:p>
-          <a:p>
-            <a:pPr lvl="6" marL="3024000" indent="-216000">
+          </a:p>
+          <a:p>
+            <a:pPr marL="3024000" lvl="6" indent="-216000">
               <a:spcBef>
                 <a:spcPts val="283"/>
               </a:spcBef>
@@ -3270,14 +4086,11 @@
               <a:buChar char=""/>
             </a:pPr>
             <a:r>
-              <a:rPr b="0" lang="en-US" sz="2000" spc="-1" strike="noStrike">
+              <a:rPr lang="en-US" sz="2000" b="0" strike="noStrike" spc="-1">
                 <a:latin typeface="Arial"/>
               </a:rPr>
               <a:t>Seventh Outline Level</a:t>
             </a:r>
-            <a:endParaRPr b="0" lang="en-US" sz="2000" spc="-1" strike="noStrike">
-              <a:latin typeface="Arial"/>
-            </a:endParaRPr>
           </a:p>
         </p:txBody>
       </p:sp>
@@ -3301,17 +4114,15 @@
           </a:prstGeom>
         </p:spPr>
         <p:txBody>
-          <a:bodyPr lIns="0" rIns="0" tIns="0" bIns="0"/>
-          <a:p>
-            <a:r>
-              <a:rPr b="0" lang="en-US" sz="1400" spc="-1" strike="noStrike">
+          <a:bodyPr lIns="0" tIns="0" rIns="0" bIns="0"/>
+          <a:lstStyle/>
+          <a:p>
+            <a:r>
+              <a:rPr lang="en-US" sz="1400" b="0" strike="noStrike" spc="-1">
                 <a:latin typeface="Times New Roman"/>
               </a:rPr>
               <a:t>&lt;date/time&gt;</a:t>
             </a:r>
-            <a:endParaRPr b="0" lang="en-US" sz="1400" spc="-1" strike="noStrike">
-              <a:latin typeface="Times New Roman"/>
-            </a:endParaRPr>
           </a:p>
         </p:txBody>
       </p:sp>
@@ -3335,18 +4146,16 @@
           </a:prstGeom>
         </p:spPr>
         <p:txBody>
-          <a:bodyPr lIns="0" rIns="0" tIns="0" bIns="0"/>
+          <a:bodyPr lIns="0" tIns="0" rIns="0" bIns="0"/>
+          <a:lstStyle/>
           <a:p>
             <a:pPr algn="ctr"/>
             <a:r>
-              <a:rPr b="0" lang="en-US" sz="1400" spc="-1" strike="noStrike">
+              <a:rPr lang="en-US" sz="1400" b="0" strike="noStrike" spc="-1">
                 <a:latin typeface="Times New Roman"/>
               </a:rPr>
               <a:t>&lt;footer&gt;</a:t>
             </a:r>
-            <a:endParaRPr b="0" lang="en-US" sz="1400" spc="-1" strike="noStrike">
-              <a:latin typeface="Times New Roman"/>
-            </a:endParaRPr>
           </a:p>
         </p:txBody>
       </p:sp>
@@ -3370,16 +4179,17 @@
           </a:prstGeom>
         </p:spPr>
         <p:txBody>
-          <a:bodyPr lIns="0" rIns="0" tIns="0" bIns="0"/>
+          <a:bodyPr lIns="0" tIns="0" rIns="0" bIns="0"/>
+          <a:lstStyle/>
           <a:p>
             <a:pPr algn="r"/>
             <a:fld id="{7B80911D-C197-4417-93B9-FB171D9D6419}" type="slidenum">
-              <a:rPr b="0" lang="en-US" sz="1400" spc="-1" strike="noStrike">
+              <a:rPr lang="en-US" sz="1400" b="0" strike="noStrike" spc="-1">
                 <a:latin typeface="Times New Roman"/>
               </a:rPr>
-              <a:t>&lt;number&gt;</a:t>
+              <a:t>‹#›</a:t>
             </a:fld>
-            <a:endParaRPr b="0" lang="en-US" sz="1400" spc="-1" strike="noStrike">
+            <a:endParaRPr lang="en-US" sz="1400" b="0" strike="noStrike" spc="-1">
               <a:latin typeface="Times New Roman"/>
             </a:endParaRPr>
           </a:p>
@@ -3387,27 +4197,315 @@
       </p:sp>
     </p:spTree>
   </p:cSld>
-  <p:clrMap bg1="lt1" bg2="lt2" tx1="dk1" tx2="dk2" accent1="accent1" accent2="accent2" accent3="accent3" accent4="accent4" accent5="accent5" accent6="accent6" hlink="hlink" folHlink="folHlink"/>
+  <p:clrMap bg1="lt1" tx1="dk1" bg2="lt2" tx2="dk2" accent1="accent1" accent2="accent2" accent3="accent3" accent4="accent4" accent5="accent5" accent6="accent6" hlink="hlink" folHlink="folHlink"/>
   <p:sldLayoutIdLst>
-    <p:sldLayoutId id="2147483662" r:id="rId2"/>
-    <p:sldLayoutId id="2147483663" r:id="rId3"/>
-    <p:sldLayoutId id="2147483664" r:id="rId4"/>
-    <p:sldLayoutId id="2147483665" r:id="rId5"/>
-    <p:sldLayoutId id="2147483666" r:id="rId6"/>
-    <p:sldLayoutId id="2147483667" r:id="rId7"/>
-    <p:sldLayoutId id="2147483668" r:id="rId8"/>
-    <p:sldLayoutId id="2147483669" r:id="rId9"/>
-    <p:sldLayoutId id="2147483670" r:id="rId10"/>
-    <p:sldLayoutId id="2147483671" r:id="rId11"/>
-    <p:sldLayoutId id="2147483672" r:id="rId12"/>
-    <p:sldLayoutId id="2147483673" r:id="rId13"/>
+    <p:sldLayoutId id="2147483662" r:id="rId1"/>
+    <p:sldLayoutId id="2147483663" r:id="rId2"/>
+    <p:sldLayoutId id="2147483664" r:id="rId3"/>
+    <p:sldLayoutId id="2147483665" r:id="rId4"/>
+    <p:sldLayoutId id="2147483666" r:id="rId5"/>
+    <p:sldLayoutId id="2147483667" r:id="rId6"/>
+    <p:sldLayoutId id="2147483668" r:id="rId7"/>
+    <p:sldLayoutId id="2147483669" r:id="rId8"/>
+    <p:sldLayoutId id="2147483670" r:id="rId9"/>
+    <p:sldLayoutId id="2147483671" r:id="rId10"/>
+    <p:sldLayoutId id="2147483672" r:id="rId11"/>
+    <p:sldLayoutId id="2147483673" r:id="rId12"/>
   </p:sldLayoutIdLst>
+  <p:txStyles>
+    <p:titleStyle>
+      <a:lvl1pPr algn="l" defTabSz="914400" rtl="0" eaLnBrk="1" latinLnBrk="0" hangingPunct="1">
+        <a:lnSpc>
+          <a:spcPct val="90000"/>
+        </a:lnSpc>
+        <a:spcBef>
+          <a:spcPct val="0"/>
+        </a:spcBef>
+        <a:buNone/>
+        <a:defRPr sz="4400" kern="1200">
+          <a:solidFill>
+            <a:schemeClr val="tx1"/>
+          </a:solidFill>
+          <a:latin typeface="+mj-lt"/>
+          <a:ea typeface="+mj-ea"/>
+          <a:cs typeface="+mj-cs"/>
+        </a:defRPr>
+      </a:lvl1pPr>
+    </p:titleStyle>
+    <p:bodyStyle>
+      <a:lvl1pPr marL="228600" indent="-228600" algn="l" defTabSz="914400" rtl="0" eaLnBrk="1" latinLnBrk="0" hangingPunct="1">
+        <a:lnSpc>
+          <a:spcPct val="90000"/>
+        </a:lnSpc>
+        <a:spcBef>
+          <a:spcPts val="1000"/>
+        </a:spcBef>
+        <a:buFont typeface="Arial" panose="020B0604020202020204" pitchFamily="34" charset="0"/>
+        <a:buChar char="•"/>
+        <a:defRPr sz="2800" kern="1200">
+          <a:solidFill>
+            <a:schemeClr val="tx1"/>
+          </a:solidFill>
+          <a:latin typeface="+mn-lt"/>
+          <a:ea typeface="+mn-ea"/>
+          <a:cs typeface="+mn-cs"/>
+        </a:defRPr>
+      </a:lvl1pPr>
+      <a:lvl2pPr marL="685800" indent="-228600" algn="l" defTabSz="914400" rtl="0" eaLnBrk="1" latinLnBrk="0" hangingPunct="1">
+        <a:lnSpc>
+          <a:spcPct val="90000"/>
+        </a:lnSpc>
+        <a:spcBef>
+          <a:spcPts val="500"/>
+        </a:spcBef>
+        <a:buFont typeface="Arial" panose="020B0604020202020204" pitchFamily="34" charset="0"/>
+        <a:buChar char="•"/>
+        <a:defRPr sz="2400" kern="1200">
+          <a:solidFill>
+            <a:schemeClr val="tx1"/>
+          </a:solidFill>
+          <a:latin typeface="+mn-lt"/>
+          <a:ea typeface="+mn-ea"/>
+          <a:cs typeface="+mn-cs"/>
+        </a:defRPr>
+      </a:lvl2pPr>
+      <a:lvl3pPr marL="1143000" indent="-228600" algn="l" defTabSz="914400" rtl="0" eaLnBrk="1" latinLnBrk="0" hangingPunct="1">
+        <a:lnSpc>
+          <a:spcPct val="90000"/>
+        </a:lnSpc>
+        <a:spcBef>
+          <a:spcPts val="500"/>
+        </a:spcBef>
+        <a:buFont typeface="Arial" panose="020B0604020202020204" pitchFamily="34" charset="0"/>
+        <a:buChar char="•"/>
+        <a:defRPr sz="2000" kern="1200">
+          <a:solidFill>
+            <a:schemeClr val="tx1"/>
+          </a:solidFill>
+          <a:latin typeface="+mn-lt"/>
+          <a:ea typeface="+mn-ea"/>
+          <a:cs typeface="+mn-cs"/>
+        </a:defRPr>
+      </a:lvl3pPr>
+      <a:lvl4pPr marL="1600200" indent="-228600" algn="l" defTabSz="914400" rtl="0" eaLnBrk="1" latinLnBrk="0" hangingPunct="1">
+        <a:lnSpc>
+          <a:spcPct val="90000"/>
+        </a:lnSpc>
+        <a:spcBef>
+          <a:spcPts val="500"/>
+        </a:spcBef>
+        <a:buFont typeface="Arial" panose="020B0604020202020204" pitchFamily="34" charset="0"/>
+        <a:buChar char="•"/>
+        <a:defRPr sz="1800" kern="1200">
+          <a:solidFill>
+            <a:schemeClr val="tx1"/>
+          </a:solidFill>
+          <a:latin typeface="+mn-lt"/>
+          <a:ea typeface="+mn-ea"/>
+          <a:cs typeface="+mn-cs"/>
+        </a:defRPr>
+      </a:lvl4pPr>
+      <a:lvl5pPr marL="2057400" indent="-228600" algn="l" defTabSz="914400" rtl="0" eaLnBrk="1" latinLnBrk="0" hangingPunct="1">
+        <a:lnSpc>
+          <a:spcPct val="90000"/>
+        </a:lnSpc>
+        <a:spcBef>
+          <a:spcPts val="500"/>
+        </a:spcBef>
+        <a:buFont typeface="Arial" panose="020B0604020202020204" pitchFamily="34" charset="0"/>
+        <a:buChar char="•"/>
+        <a:defRPr sz="1800" kern="1200">
+          <a:solidFill>
+            <a:schemeClr val="tx1"/>
+          </a:solidFill>
+          <a:latin typeface="+mn-lt"/>
+          <a:ea typeface="+mn-ea"/>
+          <a:cs typeface="+mn-cs"/>
+        </a:defRPr>
+      </a:lvl5pPr>
+      <a:lvl6pPr marL="2514600" indent="-228600" algn="l" defTabSz="914400" rtl="0" eaLnBrk="1" latinLnBrk="0" hangingPunct="1">
+        <a:lnSpc>
+          <a:spcPct val="90000"/>
+        </a:lnSpc>
+        <a:spcBef>
+          <a:spcPts val="500"/>
+        </a:spcBef>
+        <a:buFont typeface="Arial" panose="020B0604020202020204" pitchFamily="34" charset="0"/>
+        <a:buChar char="•"/>
+        <a:defRPr sz="1800" kern="1200">
+          <a:solidFill>
+            <a:schemeClr val="tx1"/>
+          </a:solidFill>
+          <a:latin typeface="+mn-lt"/>
+          <a:ea typeface="+mn-ea"/>
+          <a:cs typeface="+mn-cs"/>
+        </a:defRPr>
+      </a:lvl6pPr>
+      <a:lvl7pPr marL="2971800" indent="-228600" algn="l" defTabSz="914400" rtl="0" eaLnBrk="1" latinLnBrk="0" hangingPunct="1">
+        <a:lnSpc>
+          <a:spcPct val="90000"/>
+        </a:lnSpc>
+        <a:spcBef>
+          <a:spcPts val="500"/>
+        </a:spcBef>
+        <a:buFont typeface="Arial" panose="020B0604020202020204" pitchFamily="34" charset="0"/>
+        <a:buChar char="•"/>
+        <a:defRPr sz="1800" kern="1200">
+          <a:solidFill>
+            <a:schemeClr val="tx1"/>
+          </a:solidFill>
+          <a:latin typeface="+mn-lt"/>
+          <a:ea typeface="+mn-ea"/>
+          <a:cs typeface="+mn-cs"/>
+        </a:defRPr>
+      </a:lvl7pPr>
+      <a:lvl8pPr marL="3429000" indent="-228600" algn="l" defTabSz="914400" rtl="0" eaLnBrk="1" latinLnBrk="0" hangingPunct="1">
+        <a:lnSpc>
+          <a:spcPct val="90000"/>
+        </a:lnSpc>
+        <a:spcBef>
+          <a:spcPts val="500"/>
+        </a:spcBef>
+        <a:buFont typeface="Arial" panose="020B0604020202020204" pitchFamily="34" charset="0"/>
+        <a:buChar char="•"/>
+        <a:defRPr sz="1800" kern="1200">
+          <a:solidFill>
+            <a:schemeClr val="tx1"/>
+          </a:solidFill>
+          <a:latin typeface="+mn-lt"/>
+          <a:ea typeface="+mn-ea"/>
+          <a:cs typeface="+mn-cs"/>
+        </a:defRPr>
+      </a:lvl8pPr>
+      <a:lvl9pPr marL="3886200" indent="-228600" algn="l" defTabSz="914400" rtl="0" eaLnBrk="1" latinLnBrk="0" hangingPunct="1">
+        <a:lnSpc>
+          <a:spcPct val="90000"/>
+        </a:lnSpc>
+        <a:spcBef>
+          <a:spcPts val="500"/>
+        </a:spcBef>
+        <a:buFont typeface="Arial" panose="020B0604020202020204" pitchFamily="34" charset="0"/>
+        <a:buChar char="•"/>
+        <a:defRPr sz="1800" kern="1200">
+          <a:solidFill>
+            <a:schemeClr val="tx1"/>
+          </a:solidFill>
+          <a:latin typeface="+mn-lt"/>
+          <a:ea typeface="+mn-ea"/>
+          <a:cs typeface="+mn-cs"/>
+        </a:defRPr>
+      </a:lvl9pPr>
+    </p:bodyStyle>
+    <p:otherStyle>
+      <a:defPPr>
+        <a:defRPr lang="en-US"/>
+      </a:defPPr>
+      <a:lvl1pPr marL="0" algn="l" defTabSz="914400" rtl="0" eaLnBrk="1" latinLnBrk="0" hangingPunct="1">
+        <a:defRPr sz="1800" kern="1200">
+          <a:solidFill>
+            <a:schemeClr val="tx1"/>
+          </a:solidFill>
+          <a:latin typeface="+mn-lt"/>
+          <a:ea typeface="+mn-ea"/>
+          <a:cs typeface="+mn-cs"/>
+        </a:defRPr>
+      </a:lvl1pPr>
+      <a:lvl2pPr marL="457200" algn="l" defTabSz="914400" rtl="0" eaLnBrk="1" latinLnBrk="0" hangingPunct="1">
+        <a:defRPr sz="1800" kern="1200">
+          <a:solidFill>
+            <a:schemeClr val="tx1"/>
+          </a:solidFill>
+          <a:latin typeface="+mn-lt"/>
+          <a:ea typeface="+mn-ea"/>
+          <a:cs typeface="+mn-cs"/>
+        </a:defRPr>
+      </a:lvl2pPr>
+      <a:lvl3pPr marL="914400" algn="l" defTabSz="914400" rtl="0" eaLnBrk="1" latinLnBrk="0" hangingPunct="1">
+        <a:defRPr sz="1800" kern="1200">
+          <a:solidFill>
+            <a:schemeClr val="tx1"/>
+          </a:solidFill>
+          <a:latin typeface="+mn-lt"/>
+          <a:ea typeface="+mn-ea"/>
+          <a:cs typeface="+mn-cs"/>
+        </a:defRPr>
+      </a:lvl3pPr>
+      <a:lvl4pPr marL="1371600" algn="l" defTabSz="914400" rtl="0" eaLnBrk="1" latinLnBrk="0" hangingPunct="1">
+        <a:defRPr sz="1800" kern="1200">
+          <a:solidFill>
+            <a:schemeClr val="tx1"/>
+          </a:solidFill>
+          <a:latin typeface="+mn-lt"/>
+          <a:ea typeface="+mn-ea"/>
+          <a:cs typeface="+mn-cs"/>
+        </a:defRPr>
+      </a:lvl4pPr>
+      <a:lvl5pPr marL="1828800" algn="l" defTabSz="914400" rtl="0" eaLnBrk="1" latinLnBrk="0" hangingPunct="1">
+        <a:defRPr sz="1800" kern="1200">
+          <a:solidFill>
+            <a:schemeClr val="tx1"/>
+          </a:solidFill>
+          <a:latin typeface="+mn-lt"/>
+          <a:ea typeface="+mn-ea"/>
+          <a:cs typeface="+mn-cs"/>
+        </a:defRPr>
+      </a:lvl5pPr>
+      <a:lvl6pPr marL="2286000" algn="l" defTabSz="914400" rtl="0" eaLnBrk="1" latinLnBrk="0" hangingPunct="1">
+        <a:defRPr sz="1800" kern="1200">
+          <a:solidFill>
+            <a:schemeClr val="tx1"/>
+          </a:solidFill>
+          <a:latin typeface="+mn-lt"/>
+          <a:ea typeface="+mn-ea"/>
+          <a:cs typeface="+mn-cs"/>
+        </a:defRPr>
+      </a:lvl6pPr>
+      <a:lvl7pPr marL="2743200" algn="l" defTabSz="914400" rtl="0" eaLnBrk="1" latinLnBrk="0" hangingPunct="1">
+        <a:defRPr sz="1800" kern="1200">
+          <a:solidFill>
+            <a:schemeClr val="tx1"/>
+          </a:solidFill>
+          <a:latin typeface="+mn-lt"/>
+          <a:ea typeface="+mn-ea"/>
+          <a:cs typeface="+mn-cs"/>
+        </a:defRPr>
+      </a:lvl7pPr>
+      <a:lvl8pPr marL="3200400" algn="l" defTabSz="914400" rtl="0" eaLnBrk="1" latinLnBrk="0" hangingPunct="1">
+        <a:defRPr sz="1800" kern="1200">
+          <a:solidFill>
+            <a:schemeClr val="tx1"/>
+          </a:solidFill>
+          <a:latin typeface="+mn-lt"/>
+          <a:ea typeface="+mn-ea"/>
+          <a:cs typeface="+mn-cs"/>
+        </a:defRPr>
+      </a:lvl8pPr>
+      <a:lvl9pPr marL="3657600" algn="l" defTabSz="914400" rtl="0" eaLnBrk="1" latinLnBrk="0" hangingPunct="1">
+        <a:defRPr sz="1800" kern="1200">
+          <a:solidFill>
+            <a:schemeClr val="tx1"/>
+          </a:solidFill>
+          <a:latin typeface="+mn-lt"/>
+          <a:ea typeface="+mn-ea"/>
+          <a:cs typeface="+mn-cs"/>
+        </a:defRPr>
+      </a:lvl9pPr>
+    </p:otherStyle>
+  </p:txStyles>
 </p:sldMaster>
 </file>
 
 <file path=ppt/slides/slide1.xml><?xml version="1.0" encoding="utf-8"?>
-<p:sld xmlns:a="http://schemas.openxmlformats.org/drawingml/2006/main" xmlns:p="http://schemas.openxmlformats.org/presentationml/2006/main" xmlns:r="http://schemas.openxmlformats.org/officeDocument/2006/relationships" xmlns:p14="http://schemas.microsoft.com/office/powerpoint/2010/main" xmlns:p15="http://schemas.microsoft.com/office/powerpoint/2012/main" xmlns:mc="http://schemas.openxmlformats.org/markup-compatibility/2006">
+<p:sld xmlns:a="http://schemas.openxmlformats.org/drawingml/2006/main" xmlns:r="http://schemas.openxmlformats.org/officeDocument/2006/relationships" xmlns:p="http://schemas.openxmlformats.org/presentationml/2006/main">
   <p:cSld>
+    <p:bg>
+      <p:bgPr>
+        <a:solidFill>
+          <a:schemeClr val="accent5"/>
+        </a:solidFill>
+        <a:effectLst/>
+      </p:bgPr>
+    </p:bg>
     <p:spTree>
       <p:nvGrpSpPr>
         <p:cNvPr id="1" name=""/>
@@ -3442,16 +4540,17 @@
           </a:ln>
         </p:spPr>
         <p:txBody>
-          <a:bodyPr lIns="0" rIns="0" tIns="0" bIns="0" anchor="ctr"/>
+          <a:bodyPr lIns="0" tIns="0" rIns="0" bIns="0" anchor="ctr"/>
+          <a:lstStyle/>
           <a:p>
             <a:pPr algn="ctr"/>
             <a:r>
-              <a:rPr b="1" lang="en-US" sz="4400" spc="-1" strike="noStrike">
+              <a:rPr lang="en-US" sz="4400" b="1" strike="noStrike" spc="-1">
                 <a:latin typeface="Calibri"/>
               </a:rPr>
               <a:t>Olympic host cities</a:t>
             </a:r>
-            <a:endParaRPr b="0" lang="en-US" sz="4400" spc="-1" strike="noStrike">
+            <a:endParaRPr lang="en-US" sz="4400" b="0" strike="noStrike" spc="-1">
               <a:latin typeface="Arial"/>
             </a:endParaRPr>
           </a:p>
@@ -3477,29 +4576,44 @@
           </a:ln>
         </p:spPr>
         <p:txBody>
-          <a:bodyPr lIns="0" rIns="0" tIns="0" bIns="0" anchor="ctr"/>
+          <a:bodyPr lIns="0" tIns="0" rIns="0" bIns="0" anchor="ctr"/>
+          <a:lstStyle/>
           <a:p>
             <a:pPr algn="ctr"/>
             <a:r>
-              <a:rPr b="0" lang="en-US" sz="3200" spc="-1" strike="noStrike">
+              <a:rPr lang="en-US" sz="3200" spc="-1" dirty="0">
                 <a:latin typeface="Arial"/>
               </a:rPr>
-              <a:t>Who will be the host in 2032?</a:t>
-            </a:r>
-            <a:endParaRPr b="0" lang="en-US" sz="3200" spc="-1" strike="noStrike">
-              <a:latin typeface="Arial"/>
-            </a:endParaRPr>
+              <a:t>Which city will</a:t>
+            </a:r>
+            <a:r>
+              <a:rPr lang="en-US" sz="3200" b="0" strike="noStrike" spc="-1" dirty="0">
+                <a:latin typeface="Arial"/>
+              </a:rPr>
+              <a:t> be the host in 2032?</a:t>
+            </a:r>
           </a:p>
         </p:txBody>
       </p:sp>
     </p:spTree>
   </p:cSld>
+  <p:clrMapOvr>
+    <a:masterClrMapping/>
+  </p:clrMapOvr>
 </p:sld>
 </file>
 
 <file path=ppt/slides/slide10.xml><?xml version="1.0" encoding="utf-8"?>
-<p:sld xmlns:a="http://schemas.openxmlformats.org/drawingml/2006/main" xmlns:p="http://schemas.openxmlformats.org/presentationml/2006/main" xmlns:r="http://schemas.openxmlformats.org/officeDocument/2006/relationships" xmlns:p14="http://schemas.microsoft.com/office/powerpoint/2010/main" xmlns:p15="http://schemas.microsoft.com/office/powerpoint/2012/main" xmlns:mc="http://schemas.openxmlformats.org/markup-compatibility/2006">
+<p:sld xmlns:a="http://schemas.openxmlformats.org/drawingml/2006/main" xmlns:r="http://schemas.openxmlformats.org/officeDocument/2006/relationships" xmlns:p="http://schemas.openxmlformats.org/presentationml/2006/main">
   <p:cSld>
+    <p:bg>
+      <p:bgPr>
+        <a:solidFill>
+          <a:schemeClr val="accent5"/>
+        </a:solidFill>
+        <a:effectLst/>
+      </p:bgPr>
+    </p:bg>
     <p:spTree>
       <p:nvGrpSpPr>
         <p:cNvPr id="1" name=""/>
@@ -3534,16 +4648,17 @@
           </a:ln>
         </p:spPr>
         <p:txBody>
-          <a:bodyPr lIns="0" rIns="0" tIns="0" bIns="0" anchor="ctr"/>
+          <a:bodyPr lIns="0" tIns="0" rIns="0" bIns="0" anchor="ctr"/>
+          <a:lstStyle/>
           <a:p>
             <a:pPr algn="ctr"/>
             <a:r>
-              <a:rPr b="0" lang="en-US" sz="4400" spc="-1" strike="noStrike">
+              <a:rPr lang="en-US" sz="4400" b="0" strike="noStrike" spc="-1">
                 <a:latin typeface="Calibri"/>
               </a:rPr>
               <a:t>Non-host cities</a:t>
             </a:r>
-            <a:endParaRPr b="0" lang="en-US" sz="4400" spc="-1" strike="noStrike">
+            <a:endParaRPr lang="en-US" sz="4400" b="0" strike="noStrike" spc="-1">
               <a:latin typeface="Arial"/>
             </a:endParaRPr>
           </a:p>
@@ -3558,7 +4673,7 @@
         <p:spPr>
           <a:xfrm>
             <a:off x="504000" y="1326600"/>
-            <a:ext cx="2422080" cy="3288240"/>
+            <a:ext cx="2974113" cy="3288240"/>
           </a:xfrm>
           <a:prstGeom prst="rect">
             <a:avLst/>
@@ -3569,17 +4684,54 @@
           </a:ln>
         </p:spPr>
         <p:txBody>
-          <a:bodyPr lIns="0" rIns="0" tIns="0" bIns="0">
-            <a:normAutofit/>
+          <a:bodyPr lIns="0" tIns="0" rIns="0" bIns="0" anchor="t">
+            <a:normAutofit fontScale="92500" lnSpcReduction="20000"/>
           </a:bodyPr>
-          <a:p>
-            <a:r>
-              <a:rPr b="0" lang="en-US" sz="3200" spc="-1" strike="noStrike">
+          <a:lstStyle/>
+          <a:p>
+            <a:r>
+              <a:rPr lang="en-US" sz="3200" b="0" strike="noStrike" spc="-1" dirty="0">
                 <a:latin typeface="Calibri"/>
               </a:rPr>
-              <a:t>From world’s best cities list, pick the top ones that have not host before. Get coordinates and venues.</a:t>
-            </a:r>
-            <a:endParaRPr b="0" lang="en-US" sz="3200" spc="-1" strike="noStrike">
+              <a:t>From world’s best cities list, </a:t>
+            </a:r>
+            <a:r>
+              <a:rPr lang="en-US" sz="3200" spc="-1" dirty="0">
+                <a:latin typeface="Calibri"/>
+              </a:rPr>
+              <a:t>picked</a:t>
+            </a:r>
+            <a:r>
+              <a:rPr lang="en-US" sz="3200" b="0" strike="noStrike" spc="-1" dirty="0">
+                <a:latin typeface="Calibri"/>
+              </a:rPr>
+              <a:t> the top ones that have not </a:t>
+            </a:r>
+            <a:r>
+              <a:rPr lang="en-US" sz="3200" spc="-1" dirty="0">
+                <a:latin typeface="Calibri"/>
+              </a:rPr>
+              <a:t>hosted </a:t>
+            </a:r>
+            <a:r>
+              <a:rPr lang="en-US" sz="3200" b="0" strike="noStrike" spc="-1" dirty="0">
+                <a:latin typeface="Calibri"/>
+              </a:rPr>
+              <a:t>before. </a:t>
+            </a:r>
+            <a:r>
+              <a:rPr lang="en-US" sz="3200" spc="-1" dirty="0">
+                <a:latin typeface="Calibri"/>
+              </a:rPr>
+              <a:t>Retrieved their coordinates</a:t>
+            </a:r>
+            <a:r>
+              <a:rPr lang="en-US" sz="3200" b="0" strike="noStrike" spc="-1" dirty="0">
+                <a:latin typeface="Calibri"/>
+              </a:rPr>
+              <a:t> and venues.</a:t>
+            </a:r>
+            <a:endParaRPr lang="en-US" sz="3200" b="0" strike="noStrike" spc="-1" dirty="0">
               <a:latin typeface="Arial"/>
             </a:endParaRPr>
           </a:p>
@@ -3587,12 +4739,12 @@
       </p:sp>
       <p:pic>
         <p:nvPicPr>
-          <p:cNvPr id="109" name="" descr=""/>
+          <p:cNvPr id="109" name="Picture 108"/>
           <p:cNvPicPr/>
           <p:nvPr/>
         </p:nvPicPr>
         <p:blipFill>
-          <a:blip r:embed="rId1"/>
+          <a:blip r:embed="rId2"/>
           <a:stretch/>
         </p:blipFill>
         <p:spPr>
@@ -3610,12 +4762,23 @@
       </p:pic>
     </p:spTree>
   </p:cSld>
+  <p:clrMapOvr>
+    <a:masterClrMapping/>
+  </p:clrMapOvr>
 </p:sld>
 </file>
 
 <file path=ppt/slides/slide11.xml><?xml version="1.0" encoding="utf-8"?>
-<p:sld xmlns:a="http://schemas.openxmlformats.org/drawingml/2006/main" xmlns:p="http://schemas.openxmlformats.org/presentationml/2006/main" xmlns:r="http://schemas.openxmlformats.org/officeDocument/2006/relationships" xmlns:p14="http://schemas.microsoft.com/office/powerpoint/2010/main" xmlns:p15="http://schemas.microsoft.com/office/powerpoint/2012/main" xmlns:mc="http://schemas.openxmlformats.org/markup-compatibility/2006">
+<p:sld xmlns:a="http://schemas.openxmlformats.org/drawingml/2006/main" xmlns:r="http://schemas.openxmlformats.org/officeDocument/2006/relationships" xmlns:p="http://schemas.openxmlformats.org/presentationml/2006/main">
   <p:cSld>
+    <p:bg>
+      <p:bgPr>
+        <a:solidFill>
+          <a:schemeClr val="accent5"/>
+        </a:solidFill>
+        <a:effectLst/>
+      </p:bgPr>
+    </p:bg>
     <p:spTree>
       <p:nvGrpSpPr>
         <p:cNvPr id="1" name=""/>
@@ -3650,18 +4813,16 @@
           </a:ln>
         </p:spPr>
         <p:txBody>
-          <a:bodyPr lIns="0" rIns="0" tIns="0" bIns="0" anchor="ctr"/>
+          <a:bodyPr lIns="0" tIns="0" rIns="0" bIns="0" anchor="ctr"/>
+          <a:lstStyle/>
           <a:p>
             <a:pPr algn="ctr"/>
             <a:r>
-              <a:rPr b="0" lang="en-US" sz="4400" spc="-1" strike="noStrike">
+              <a:rPr lang="en-US" sz="4400" b="0" strike="noStrike" spc="-1">
                 <a:latin typeface="Arial"/>
               </a:rPr>
               <a:t>Non-host cities</a:t>
             </a:r>
-            <a:endParaRPr b="0" lang="en-US" sz="4400" spc="-1" strike="noStrike">
-              <a:latin typeface="Arial"/>
-            </a:endParaRPr>
           </a:p>
         </p:txBody>
       </p:sp>
@@ -3685,17 +4846,30 @@
           </a:ln>
         </p:spPr>
         <p:txBody>
-          <a:bodyPr lIns="0" rIns="0" tIns="0" bIns="0">
+          <a:bodyPr lIns="0" tIns="0" rIns="0" bIns="0" anchor="t">
             <a:normAutofit/>
           </a:bodyPr>
-          <a:p>
-            <a:r>
-              <a:rPr b="0" lang="en-US" sz="2600" spc="-1" strike="noStrike">
+          <a:lstStyle/>
+          <a:p>
+            <a:r>
+              <a:rPr lang="en-US" sz="2600" b="0" strike="noStrike" spc="-1" dirty="0">
                 <a:latin typeface="Calibri"/>
               </a:rPr>
-              <a:t>The non-host cities were: Amsterdam, Boston, Chicago, Dubai, Hong Kong, Madrid, New York, San Francisco, San Jose, Singapore, Toronto, Washington, Zurich</a:t>
-            </a:r>
-            <a:endParaRPr b="0" lang="en-US" sz="2600" spc="-1" strike="noStrike">
+              <a:t>The non-host cities </a:t>
+            </a:r>
+            <a:r>
+              <a:rPr lang="en-US" sz="2600" spc="-1" dirty="0">
+                <a:latin typeface="Calibri"/>
+              </a:rPr>
+              <a:t>included were</a:t>
+            </a:r>
+            <a:r>
+              <a:rPr lang="en-US" sz="2600" b="0" strike="noStrike" spc="-1" dirty="0">
+                <a:latin typeface="Calibri"/>
+              </a:rPr>
+              <a:t>: Amsterdam, Boston, Chicago, Dubai, Hong Kong, Madrid, New York, San Francisco, San Jose, Singapore, Toronto, Washington, Zurich</a:t>
+            </a:r>
+            <a:endParaRPr lang="en-US" sz="2600" b="0" strike="noStrike" spc="-1" dirty="0">
               <a:latin typeface="Arial"/>
             </a:endParaRPr>
           </a:p>
@@ -3703,12 +4877,23 @@
       </p:sp>
     </p:spTree>
   </p:cSld>
+  <p:clrMapOvr>
+    <a:masterClrMapping/>
+  </p:clrMapOvr>
 </p:sld>
 </file>
 
 <file path=ppt/slides/slide12.xml><?xml version="1.0" encoding="utf-8"?>
-<p:sld xmlns:a="http://schemas.openxmlformats.org/drawingml/2006/main" xmlns:p="http://schemas.openxmlformats.org/presentationml/2006/main" xmlns:r="http://schemas.openxmlformats.org/officeDocument/2006/relationships" xmlns:p14="http://schemas.microsoft.com/office/powerpoint/2010/main" xmlns:p15="http://schemas.microsoft.com/office/powerpoint/2012/main" xmlns:mc="http://schemas.openxmlformats.org/markup-compatibility/2006">
+<p:sld xmlns:a="http://schemas.openxmlformats.org/drawingml/2006/main" xmlns:r="http://schemas.openxmlformats.org/officeDocument/2006/relationships" xmlns:p="http://schemas.openxmlformats.org/presentationml/2006/main">
   <p:cSld>
+    <p:bg>
+      <p:bgPr>
+        <a:solidFill>
+          <a:schemeClr val="accent5"/>
+        </a:solidFill>
+        <a:effectLst/>
+      </p:bgPr>
+    </p:bg>
     <p:spTree>
       <p:nvGrpSpPr>
         <p:cNvPr id="1" name=""/>
@@ -3743,16 +4928,17 @@
           </a:ln>
         </p:spPr>
         <p:txBody>
-          <a:bodyPr lIns="0" rIns="0" tIns="0" bIns="0" anchor="ctr"/>
+          <a:bodyPr lIns="0" tIns="0" rIns="0" bIns="0" anchor="ctr"/>
+          <a:lstStyle/>
           <a:p>
             <a:pPr algn="ctr"/>
             <a:r>
-              <a:rPr b="0" lang="en-US" sz="4400" spc="-1" strike="noStrike">
+              <a:rPr lang="en-US" sz="4400" b="0" strike="noStrike" spc="-1">
                 <a:latin typeface="Calibri"/>
               </a:rPr>
               <a:t>Venues in cities</a:t>
             </a:r>
-            <a:endParaRPr b="0" lang="en-US" sz="4400" spc="-1" strike="noStrike">
+            <a:endParaRPr lang="en-US" sz="4400" b="0" strike="noStrike" spc="-1">
               <a:latin typeface="Arial"/>
             </a:endParaRPr>
           </a:p>
@@ -3778,17 +4964,30 @@
           </a:ln>
         </p:spPr>
         <p:txBody>
-          <a:bodyPr lIns="0" rIns="0" tIns="0" bIns="0">
+          <a:bodyPr lIns="0" tIns="0" rIns="0" bIns="0" anchor="t">
             <a:normAutofit/>
           </a:bodyPr>
-          <a:p>
-            <a:r>
-              <a:rPr b="0" lang="en-US" sz="3200" spc="-1" strike="noStrike">
+          <a:lstStyle/>
+          <a:p>
+            <a:r>
+              <a:rPr lang="en-US" sz="3200" b="0" strike="noStrike" spc="-1" dirty="0">
                 <a:latin typeface="Calibri"/>
               </a:rPr>
-              <a:t>How the venues compare between non-host and host cities</a:t>
-            </a:r>
-            <a:endParaRPr b="0" lang="en-US" sz="3200" spc="-1" strike="noStrike">
+              <a:t>How the venues </a:t>
+            </a:r>
+            <a:r>
+              <a:rPr lang="en-US" sz="3200" spc="-1" dirty="0">
+                <a:latin typeface="Calibri"/>
+              </a:rPr>
+              <a:t>compared</a:t>
+            </a:r>
+            <a:r>
+              <a:rPr lang="en-US" sz="3200" b="0" strike="noStrike" spc="-1" dirty="0">
+                <a:latin typeface="Calibri"/>
+              </a:rPr>
+              <a:t> between non-host and host cities</a:t>
+            </a:r>
+            <a:endParaRPr lang="en-US" sz="3200" b="0" strike="noStrike" spc="-1" dirty="0">
               <a:latin typeface="Arial"/>
             </a:endParaRPr>
           </a:p>
@@ -3796,12 +4995,12 @@
       </p:sp>
       <p:pic>
         <p:nvPicPr>
-          <p:cNvPr id="114" name="" descr=""/>
+          <p:cNvPr id="114" name="Picture 113"/>
           <p:cNvPicPr/>
           <p:nvPr/>
         </p:nvPicPr>
         <p:blipFill>
-          <a:blip r:embed="rId1"/>
+          <a:blip r:embed="rId2"/>
           <a:stretch/>
         </p:blipFill>
         <p:spPr>
@@ -3819,12 +5018,23 @@
       </p:pic>
     </p:spTree>
   </p:cSld>
+  <p:clrMapOvr>
+    <a:masterClrMapping/>
+  </p:clrMapOvr>
 </p:sld>
 </file>
 
 <file path=ppt/slides/slide13.xml><?xml version="1.0" encoding="utf-8"?>
-<p:sld xmlns:a="http://schemas.openxmlformats.org/drawingml/2006/main" xmlns:p="http://schemas.openxmlformats.org/presentationml/2006/main" xmlns:r="http://schemas.openxmlformats.org/officeDocument/2006/relationships" xmlns:p14="http://schemas.microsoft.com/office/powerpoint/2010/main" xmlns:p15="http://schemas.microsoft.com/office/powerpoint/2012/main" xmlns:mc="http://schemas.openxmlformats.org/markup-compatibility/2006">
+<p:sld xmlns:a="http://schemas.openxmlformats.org/drawingml/2006/main" xmlns:r="http://schemas.openxmlformats.org/officeDocument/2006/relationships" xmlns:p="http://schemas.openxmlformats.org/presentationml/2006/main">
   <p:cSld>
+    <p:bg>
+      <p:bgPr>
+        <a:solidFill>
+          <a:schemeClr val="accent5"/>
+        </a:solidFill>
+        <a:effectLst/>
+      </p:bgPr>
+    </p:bg>
     <p:spTree>
       <p:nvGrpSpPr>
         <p:cNvPr id="1" name=""/>
@@ -3859,16 +5069,17 @@
           </a:ln>
         </p:spPr>
         <p:txBody>
-          <a:bodyPr lIns="0" rIns="0" tIns="0" bIns="0" anchor="ctr"/>
+          <a:bodyPr lIns="0" tIns="0" rIns="0" bIns="0" anchor="ctr"/>
+          <a:lstStyle/>
           <a:p>
             <a:pPr algn="ctr"/>
             <a:r>
-              <a:rPr b="0" lang="en-US" sz="4400" spc="-1" strike="noStrike">
+              <a:rPr lang="en-US" sz="4400" b="0" strike="noStrike" spc="-1">
                 <a:latin typeface="Calibri"/>
               </a:rPr>
               <a:t>Host and non-host cities</a:t>
             </a:r>
-            <a:endParaRPr b="0" lang="en-US" sz="4400" spc="-1" strike="noStrike">
+            <a:endParaRPr lang="en-US" sz="4400" b="0" strike="noStrike" spc="-1">
               <a:latin typeface="Arial"/>
             </a:endParaRPr>
           </a:p>
@@ -3894,17 +5105,18 @@
           </a:ln>
         </p:spPr>
         <p:txBody>
-          <a:bodyPr lIns="0" rIns="0" tIns="0" bIns="0">
+          <a:bodyPr lIns="0" tIns="0" rIns="0" bIns="0">
             <a:normAutofit/>
           </a:bodyPr>
-          <a:p>
-            <a:r>
-              <a:rPr b="0" lang="en-US" sz="3200" spc="-1" strike="noStrike">
+          <a:lstStyle/>
+          <a:p>
+            <a:r>
+              <a:rPr lang="en-US" sz="3200" b="0" strike="noStrike" spc="-1">
                 <a:latin typeface="Calibri"/>
               </a:rPr>
               <a:t>Host cities are in red</a:t>
             </a:r>
-            <a:endParaRPr b="0" lang="en-US" sz="3200" spc="-1" strike="noStrike">
+            <a:endParaRPr lang="en-US" sz="3200" b="0" strike="noStrike" spc="-1">
               <a:latin typeface="Arial"/>
             </a:endParaRPr>
           </a:p>
@@ -3912,12 +5124,12 @@
       </p:sp>
       <p:pic>
         <p:nvPicPr>
-          <p:cNvPr id="117" name="" descr=""/>
+          <p:cNvPr id="117" name="Picture 116"/>
           <p:cNvPicPr/>
           <p:nvPr/>
         </p:nvPicPr>
         <p:blipFill>
-          <a:blip r:embed="rId1"/>
+          <a:blip r:embed="rId2"/>
           <a:stretch/>
         </p:blipFill>
         <p:spPr>
@@ -3935,12 +5147,23 @@
       </p:pic>
     </p:spTree>
   </p:cSld>
+  <p:clrMapOvr>
+    <a:masterClrMapping/>
+  </p:clrMapOvr>
 </p:sld>
 </file>
 
 <file path=ppt/slides/slide14.xml><?xml version="1.0" encoding="utf-8"?>
-<p:sld xmlns:a="http://schemas.openxmlformats.org/drawingml/2006/main" xmlns:p="http://schemas.openxmlformats.org/presentationml/2006/main" xmlns:r="http://schemas.openxmlformats.org/officeDocument/2006/relationships" xmlns:p14="http://schemas.microsoft.com/office/powerpoint/2010/main" xmlns:p15="http://schemas.microsoft.com/office/powerpoint/2012/main" xmlns:mc="http://schemas.openxmlformats.org/markup-compatibility/2006">
+<p:sld xmlns:a="http://schemas.openxmlformats.org/drawingml/2006/main" xmlns:r="http://schemas.openxmlformats.org/officeDocument/2006/relationships" xmlns:p="http://schemas.openxmlformats.org/presentationml/2006/main">
   <p:cSld>
+    <p:bg>
+      <p:bgPr>
+        <a:solidFill>
+          <a:schemeClr val="accent5"/>
+        </a:solidFill>
+        <a:effectLst/>
+      </p:bgPr>
+    </p:bg>
     <p:spTree>
       <p:nvGrpSpPr>
         <p:cNvPr id="1" name=""/>
@@ -3975,16 +5198,30 @@
           </a:ln>
         </p:spPr>
         <p:txBody>
-          <a:bodyPr lIns="0" rIns="0" tIns="0" bIns="0" anchor="ctr"/>
+          <a:bodyPr lIns="0" tIns="0" rIns="0" bIns="0" anchor="ctr"/>
+          <a:lstStyle/>
           <a:p>
             <a:pPr algn="ctr"/>
             <a:r>
-              <a:rPr b="0" lang="en-US" sz="4400" spc="-1" strike="noStrike">
+              <a:rPr lang="en-US" sz="4400" b="0" strike="noStrike" spc="-1" dirty="0">
                 <a:latin typeface="Calibri"/>
               </a:rPr>
-              <a:t>Final data set for models</a:t>
-            </a:r>
-            <a:endParaRPr b="0" lang="en-US" sz="4400" spc="-1" strike="noStrike">
+              <a:t>Final data set for </a:t>
+            </a:r>
+            <a:r>
+              <a:rPr lang="en-US" sz="4400" spc="-1" dirty="0">
+                <a:latin typeface="Calibri"/>
+              </a:rPr>
+              <a:t>model</a:t>
+            </a:r>
+            <a:r>
+              <a:rPr lang="en-US" sz="4400" spc="-1" dirty="0">
+                <a:latin typeface="Calibri"/>
+                <a:cs typeface="Calibri"/>
+              </a:rPr>
+              <a:t> evaluation</a:t>
+            </a:r>
+            <a:endParaRPr lang="en-US" sz="4400" b="0" strike="noStrike" spc="-1" dirty="0">
               <a:latin typeface="Arial"/>
             </a:endParaRPr>
           </a:p>
@@ -4010,11 +5247,12 @@
           </a:ln>
         </p:spPr>
         <p:txBody>
-          <a:bodyPr lIns="0" rIns="0" tIns="0" bIns="0">
+          <a:bodyPr lIns="0" tIns="0" rIns="0" bIns="0">
             <a:normAutofit/>
           </a:bodyPr>
-          <a:p>
-            <a:endParaRPr b="0" lang="en-US" sz="3200" spc="-1" strike="noStrike">
+          <a:lstStyle/>
+          <a:p>
+            <a:endParaRPr lang="en-US" sz="3200" b="0" strike="noStrike" spc="-1">
               <a:latin typeface="Arial"/>
             </a:endParaRPr>
           </a:p>
@@ -4022,17 +5260,17 @@
       </p:sp>
       <p:pic>
         <p:nvPicPr>
-          <p:cNvPr id="120" name="" descr=""/>
+          <p:cNvPr id="120" name="Picture 119"/>
           <p:cNvPicPr/>
           <p:nvPr/>
         </p:nvPicPr>
         <p:blipFill>
-          <a:blip r:embed="rId1"/>
+          <a:blip r:embed="rId2"/>
           <a:stretch/>
         </p:blipFill>
         <p:spPr>
           <a:xfrm>
-            <a:off x="1622880" y="1326600"/>
+            <a:off x="2102641" y="1326600"/>
             <a:ext cx="5875200" cy="4200480"/>
           </a:xfrm>
           <a:prstGeom prst="rect">
@@ -4045,12 +5283,23 @@
       </p:pic>
     </p:spTree>
   </p:cSld>
+  <p:clrMapOvr>
+    <a:masterClrMapping/>
+  </p:clrMapOvr>
 </p:sld>
 </file>
 
 <file path=ppt/slides/slide15.xml><?xml version="1.0" encoding="utf-8"?>
-<p:sld xmlns:a="http://schemas.openxmlformats.org/drawingml/2006/main" xmlns:p="http://schemas.openxmlformats.org/presentationml/2006/main" xmlns:r="http://schemas.openxmlformats.org/officeDocument/2006/relationships" xmlns:p14="http://schemas.microsoft.com/office/powerpoint/2010/main" xmlns:p15="http://schemas.microsoft.com/office/powerpoint/2012/main" xmlns:mc="http://schemas.openxmlformats.org/markup-compatibility/2006">
+<p:sld xmlns:a="http://schemas.openxmlformats.org/drawingml/2006/main" xmlns:r="http://schemas.openxmlformats.org/officeDocument/2006/relationships" xmlns:p="http://schemas.openxmlformats.org/presentationml/2006/main">
   <p:cSld>
+    <p:bg>
+      <p:bgPr>
+        <a:solidFill>
+          <a:schemeClr val="accent5"/>
+        </a:solidFill>
+        <a:effectLst/>
+      </p:bgPr>
+    </p:bg>
     <p:spTree>
       <p:nvGrpSpPr>
         <p:cNvPr id="1" name=""/>
@@ -4085,16 +5334,17 @@
           </a:ln>
         </p:spPr>
         <p:txBody>
-          <a:bodyPr lIns="0" rIns="0" tIns="0" bIns="0" anchor="ctr"/>
+          <a:bodyPr lIns="0" tIns="0" rIns="0" bIns="0" anchor="ctr"/>
+          <a:lstStyle/>
           <a:p>
             <a:pPr algn="ctr"/>
             <a:r>
-              <a:rPr b="0" lang="en-US" sz="4400" spc="-1" strike="noStrike">
+              <a:rPr lang="en-US" sz="4400" b="0" strike="noStrike" spc="-1">
                 <a:latin typeface="Calibri"/>
               </a:rPr>
               <a:t>Logistic Regression and Decision Tree predictions</a:t>
             </a:r>
-            <a:endParaRPr b="0" lang="en-US" sz="4400" spc="-1" strike="noStrike">
+            <a:endParaRPr lang="en-US" sz="4400" b="0" strike="noStrike" spc="-1">
               <a:latin typeface="Arial"/>
             </a:endParaRPr>
           </a:p>
@@ -4108,7 +5358,7 @@
         </p:nvSpPr>
         <p:spPr>
           <a:xfrm>
-            <a:off x="2651760" y="1326600"/>
+            <a:off x="2763704" y="1262652"/>
             <a:ext cx="5029200" cy="3519720"/>
           </a:xfrm>
           <a:prstGeom prst="rect">
@@ -4120,48 +5370,23 @@
           </a:ln>
         </p:spPr>
         <p:txBody>
-          <a:bodyPr lIns="0" rIns="0" tIns="0" bIns="0">
+          <a:bodyPr lIns="0" tIns="0" rIns="0" bIns="0">
             <a:normAutofit/>
           </a:bodyPr>
-          <a:p>
-            <a:r>
-              <a:rPr b="0" lang="en-US" sz="3200" spc="-1" strike="noStrike">
+          <a:lstStyle/>
+          <a:p>
+            <a:r>
+              <a:rPr lang="en-US" sz="3200" b="0" strike="noStrike" spc="-1">
                 <a:latin typeface="Arial"/>
               </a:rPr>
               <a:t>The two models show consistent results on host cities, but different predictions on non-host cities.</a:t>
             </a:r>
-            <a:endParaRPr b="0" lang="en-US" sz="3200" spc="-1" strike="noStrike">
-              <a:latin typeface="Arial"/>
-            </a:endParaRPr>
           </a:p>
         </p:txBody>
       </p:sp>
       <p:pic>
         <p:nvPicPr>
-          <p:cNvPr id="123" name="" descr=""/>
-          <p:cNvPicPr/>
-          <p:nvPr/>
-        </p:nvPicPr>
-        <p:blipFill>
-          <a:blip r:embed="rId1"/>
-          <a:stretch/>
-        </p:blipFill>
-        <p:spPr>
-          <a:xfrm>
-            <a:off x="7871760" y="1341360"/>
-            <a:ext cx="1638000" cy="3504960"/>
-          </a:xfrm>
-          <a:prstGeom prst="rect">
-            <a:avLst/>
-          </a:prstGeom>
-          <a:ln>
-            <a:noFill/>
-          </a:ln>
-        </p:spPr>
-      </p:pic>
-      <p:pic>
-        <p:nvPicPr>
-          <p:cNvPr id="124" name="" descr=""/>
+          <p:cNvPr id="123" name="Picture 122"/>
           <p:cNvPicPr/>
           <p:nvPr/>
         </p:nvPicPr>
@@ -4171,8 +5396,8 @@
         </p:blipFill>
         <p:spPr>
           <a:xfrm>
-            <a:off x="548640" y="1284480"/>
-            <a:ext cx="1885680" cy="3561840"/>
+            <a:off x="7871760" y="1341360"/>
+            <a:ext cx="1638000" cy="3504960"/>
           </a:xfrm>
           <a:prstGeom prst="rect">
             <a:avLst/>
@@ -4182,14 +5407,214 @@
           </a:ln>
         </p:spPr>
       </p:pic>
+      <p:pic>
+        <p:nvPicPr>
+          <p:cNvPr id="124" name="Picture 123"/>
+          <p:cNvPicPr/>
+          <p:nvPr/>
+        </p:nvPicPr>
+        <p:blipFill>
+          <a:blip r:embed="rId3"/>
+          <a:stretch/>
+        </p:blipFill>
+        <p:spPr>
+          <a:xfrm>
+            <a:off x="676576" y="1324447"/>
+            <a:ext cx="1885680" cy="3561840"/>
+          </a:xfrm>
+          <a:prstGeom prst="rect">
+            <a:avLst/>
+          </a:prstGeom>
+          <a:ln>
+            <a:noFill/>
+          </a:ln>
+        </p:spPr>
+      </p:pic>
+      <p:sp>
+        <p:nvSpPr>
+          <p:cNvPr id="3" name="Arrow: Left 2">
+            <a:extLst>
+              <a:ext uri="{FF2B5EF4-FFF2-40B4-BE49-F238E27FC236}">
+                <a16:creationId xmlns:a16="http://schemas.microsoft.com/office/drawing/2014/main" id="{63FE3B8B-11FC-4D37-AD64-DD820C8FB36B}"/>
+              </a:ext>
+            </a:extLst>
+          </p:cNvPr>
+          <p:cNvSpPr/>
+          <p:nvPr/>
+        </p:nvSpPr>
+        <p:spPr>
+          <a:xfrm>
+            <a:off x="2766428" y="3852005"/>
+            <a:ext cx="802398" cy="260690"/>
+          </a:xfrm>
+          <a:prstGeom prst="leftArrow">
+            <a:avLst/>
+          </a:prstGeom>
+        </p:spPr>
+        <p:style>
+          <a:lnRef idx="2">
+            <a:schemeClr val="accent1">
+              <a:shade val="50000"/>
+            </a:schemeClr>
+          </a:lnRef>
+          <a:fillRef idx="1">
+            <a:schemeClr val="accent1"/>
+          </a:fillRef>
+          <a:effectRef idx="0">
+            <a:schemeClr val="accent1"/>
+          </a:effectRef>
+          <a:fontRef idx="minor">
+            <a:schemeClr val="lt1"/>
+          </a:fontRef>
+        </p:style>
+        <p:txBody>
+          <a:bodyPr rtlCol="0" anchor="ctr"/>
+          <a:lstStyle/>
+          <a:p>
+            <a:pPr algn="ctr"/>
+            <a:endParaRPr lang="en-US"/>
+          </a:p>
+        </p:txBody>
+      </p:sp>
+      <p:sp>
+        <p:nvSpPr>
+          <p:cNvPr id="4" name="TextBox 3">
+            <a:extLst>
+              <a:ext uri="{FF2B5EF4-FFF2-40B4-BE49-F238E27FC236}">
+                <a16:creationId xmlns:a16="http://schemas.microsoft.com/office/drawing/2014/main" id="{381E3E0D-4B53-478E-B49C-456E2BF43A96}"/>
+              </a:ext>
+            </a:extLst>
+          </p:cNvPr>
+          <p:cNvSpPr txBox="1"/>
+          <p:nvPr/>
+        </p:nvSpPr>
+        <p:spPr>
+          <a:xfrm>
+            <a:off x="3283369" y="3993697"/>
+            <a:ext cx="2743200" cy="646331"/>
+          </a:xfrm>
+          <a:prstGeom prst="rect">
+            <a:avLst/>
+          </a:prstGeom>
+        </p:spPr>
+        <p:txBody>
+          <a:bodyPr rot="0" spcFirstLastPara="0" vertOverflow="overflow" horzOverflow="overflow" vert="horz" wrap="square" lIns="91440" tIns="45720" rIns="91440" bIns="45720" numCol="1" spcCol="0" rtlCol="0" fromWordArt="0" anchor="t" anchorCtr="0" forceAA="0" compatLnSpc="1">
+            <a:prstTxWarp prst="textNoShape">
+              <a:avLst/>
+            </a:prstTxWarp>
+            <a:spAutoFit/>
+          </a:bodyPr>
+          <a:lstStyle/>
+          <a:p>
+            <a:r>
+              <a:rPr lang="en-US" dirty="0"/>
+              <a:t>Logistic Regression predictions</a:t>
+            </a:r>
+          </a:p>
+        </p:txBody>
+      </p:sp>
+      <p:sp>
+        <p:nvSpPr>
+          <p:cNvPr id="5" name="Arrow: Right 4">
+            <a:extLst>
+              <a:ext uri="{FF2B5EF4-FFF2-40B4-BE49-F238E27FC236}">
+                <a16:creationId xmlns:a16="http://schemas.microsoft.com/office/drawing/2014/main" id="{340916BD-E74C-45E0-A722-B729DCDA67A3}"/>
+              </a:ext>
+            </a:extLst>
+          </p:cNvPr>
+          <p:cNvSpPr/>
+          <p:nvPr/>
+        </p:nvSpPr>
+        <p:spPr>
+          <a:xfrm>
+            <a:off x="6884500" y="3196701"/>
+            <a:ext cx="882403" cy="292682"/>
+          </a:xfrm>
+          <a:prstGeom prst="rightArrow">
+            <a:avLst/>
+          </a:prstGeom>
+        </p:spPr>
+        <p:style>
+          <a:lnRef idx="2">
+            <a:schemeClr val="accent1">
+              <a:shade val="50000"/>
+            </a:schemeClr>
+          </a:lnRef>
+          <a:fillRef idx="1">
+            <a:schemeClr val="accent1"/>
+          </a:fillRef>
+          <a:effectRef idx="0">
+            <a:schemeClr val="accent1"/>
+          </a:effectRef>
+          <a:fontRef idx="minor">
+            <a:schemeClr val="lt1"/>
+          </a:fontRef>
+        </p:style>
+        <p:txBody>
+          <a:bodyPr rtlCol="0" anchor="ctr"/>
+          <a:lstStyle/>
+          <a:p>
+            <a:pPr algn="ctr"/>
+            <a:endParaRPr lang="en-US"/>
+          </a:p>
+        </p:txBody>
+      </p:sp>
+      <p:sp>
+        <p:nvSpPr>
+          <p:cNvPr id="6" name="TextBox 5">
+            <a:extLst>
+              <a:ext uri="{FF2B5EF4-FFF2-40B4-BE49-F238E27FC236}">
+                <a16:creationId xmlns:a16="http://schemas.microsoft.com/office/drawing/2014/main" id="{C6A47754-52A7-4F1F-B296-EE7856133CC6}"/>
+              </a:ext>
+            </a:extLst>
+          </p:cNvPr>
+          <p:cNvSpPr txBox="1"/>
+          <p:nvPr/>
+        </p:nvSpPr>
+        <p:spPr>
+          <a:xfrm>
+            <a:off x="5347034" y="3170530"/>
+            <a:ext cx="1631132" cy="646331"/>
+          </a:xfrm>
+          <a:prstGeom prst="rect">
+            <a:avLst/>
+          </a:prstGeom>
+        </p:spPr>
+        <p:txBody>
+          <a:bodyPr rot="0" spcFirstLastPara="0" vertOverflow="overflow" horzOverflow="overflow" vert="horz" wrap="square" lIns="91440" tIns="45720" rIns="91440" bIns="45720" numCol="1" spcCol="0" rtlCol="0" fromWordArt="0" anchor="t" anchorCtr="0" forceAA="0" compatLnSpc="1">
+            <a:prstTxWarp prst="textNoShape">
+              <a:avLst/>
+            </a:prstTxWarp>
+            <a:spAutoFit/>
+          </a:bodyPr>
+          <a:lstStyle/>
+          <a:p>
+            <a:r>
+              <a:rPr lang="en-US" dirty="0"/>
+              <a:t>Decision Tree predictions</a:t>
+            </a:r>
+          </a:p>
+        </p:txBody>
+      </p:sp>
     </p:spTree>
   </p:cSld>
+  <p:clrMapOvr>
+    <a:masterClrMapping/>
+  </p:clrMapOvr>
 </p:sld>
 </file>
 
 <file path=ppt/slides/slide16.xml><?xml version="1.0" encoding="utf-8"?>
-<p:sld xmlns:a="http://schemas.openxmlformats.org/drawingml/2006/main" xmlns:p="http://schemas.openxmlformats.org/presentationml/2006/main" xmlns:r="http://schemas.openxmlformats.org/officeDocument/2006/relationships" xmlns:p14="http://schemas.microsoft.com/office/powerpoint/2010/main" xmlns:p15="http://schemas.microsoft.com/office/powerpoint/2012/main" xmlns:mc="http://schemas.openxmlformats.org/markup-compatibility/2006">
+<p:sld xmlns:a="http://schemas.openxmlformats.org/drawingml/2006/main" xmlns:r="http://schemas.openxmlformats.org/officeDocument/2006/relationships" xmlns:p="http://schemas.openxmlformats.org/presentationml/2006/main">
   <p:cSld>
+    <p:bg>
+      <p:bgPr>
+        <a:solidFill>
+          <a:schemeClr val="accent5"/>
+        </a:solidFill>
+        <a:effectLst/>
+      </p:bgPr>
+    </p:bg>
     <p:spTree>
       <p:nvGrpSpPr>
         <p:cNvPr id="1" name=""/>
@@ -4224,18 +5649,16 @@
           </a:ln>
         </p:spPr>
         <p:txBody>
-          <a:bodyPr lIns="0" rIns="0" tIns="0" bIns="0" anchor="ctr"/>
+          <a:bodyPr lIns="0" tIns="0" rIns="0" bIns="0" anchor="ctr"/>
+          <a:lstStyle/>
           <a:p>
             <a:pPr algn="ctr"/>
             <a:r>
-              <a:rPr b="0" lang="en-US" sz="4400" spc="-1" strike="noStrike">
+              <a:rPr lang="en-US" sz="4400" b="0" strike="noStrike" spc="-1">
                 <a:latin typeface="Arial"/>
               </a:rPr>
               <a:t>Results</a:t>
             </a:r>
-            <a:endParaRPr b="0" lang="en-US" sz="4400" spc="-1" strike="noStrike">
-              <a:latin typeface="Arial"/>
-            </a:endParaRPr>
           </a:p>
         </p:txBody>
       </p:sp>
@@ -4259,68 +5682,119 @@
           </a:ln>
         </p:spPr>
         <p:txBody>
-          <a:bodyPr lIns="0" rIns="0" tIns="0" bIns="0">
-            <a:normAutofit/>
+          <a:bodyPr lIns="0" tIns="0" rIns="0" bIns="0" anchor="t">
+            <a:normAutofit fontScale="92500" lnSpcReduction="20000"/>
           </a:bodyPr>
-          <a:p>
-            <a:r>
-              <a:rPr b="0" lang="en-US" sz="3200" spc="-1" strike="noStrike">
+          <a:lstStyle/>
+          <a:p>
+            <a:r>
+              <a:rPr lang="en-US" sz="3200" b="0" strike="noStrike" spc="-1" dirty="0">
                 <a:latin typeface="Calibri"/>
               </a:rPr>
-              <a:t>Washington, Madrid and San Francisco showed up as having prediction over 0.5 in Logistic Regression.</a:t>
-            </a:r>
-            <a:endParaRPr b="0" lang="en-US" sz="3200" spc="-1" strike="noStrike">
-              <a:latin typeface="Arial"/>
-            </a:endParaRPr>
-          </a:p>
-          <a:p>
-            <a:r>
-              <a:rPr b="0" lang="en-US" sz="3200" spc="-1" strike="noStrike">
+              <a:t>Washington, Madrid and San Francisco showed up </a:t>
+            </a:r>
+            <a:r>
+              <a:rPr lang="en-US" sz="3200" spc="-1" dirty="0">
                 <a:latin typeface="Calibri"/>
               </a:rPr>
-              <a:t>Amsterdam was the only non-host city that was suggested by Decision Tree. Therefore, the two models showed conflicting results.</a:t>
-            </a:r>
-            <a:endParaRPr b="0" lang="en-US" sz="3200" spc="-1" strike="noStrike">
-              <a:latin typeface="Arial"/>
-            </a:endParaRPr>
-          </a:p>
-          <a:p>
-            <a:r>
-              <a:rPr b="0" lang="en-US" sz="3200" spc="-1" strike="noStrike">
+              <a:t>had </a:t>
+            </a:r>
+            <a:r>
+              <a:rPr lang="en-US" sz="3200" b="0" strike="noStrike" spc="-1" dirty="0">
                 <a:latin typeface="Calibri"/>
               </a:rPr>
-              <a:t>European city may prevail after LA(2028), so it will be likely Madrid or Amsterdam.</a:t>
-            </a:r>
-            <a:endParaRPr b="0" lang="en-US" sz="3200" spc="-1" strike="noStrike">
-              <a:latin typeface="Arial"/>
-            </a:endParaRPr>
-          </a:p>
-          <a:p>
-            <a:r>
-              <a:rPr b="0" lang="en-US" sz="3200" spc="-1" strike="noStrike">
+              <a:t>prediction over 0.5 in Logistic Regression.</a:t>
+            </a:r>
+            <a:endParaRPr lang="en-US" sz="3200" b="0" strike="noStrike" spc="-1" dirty="0">
+              <a:latin typeface="Arial"/>
+            </a:endParaRPr>
+          </a:p>
+          <a:p>
+            <a:r>
+              <a:rPr lang="en-US" sz="3200" b="0" strike="noStrike" spc="-1" dirty="0">
                 <a:latin typeface="Calibri"/>
               </a:rPr>
-              <a:t>Or...a past host city will be re-selected?</a:t>
-            </a:r>
-            <a:endParaRPr b="0" lang="en-US" sz="3200" spc="-1" strike="noStrike">
-              <a:latin typeface="Arial"/>
-            </a:endParaRPr>
-          </a:p>
-          <a:p>
-            <a:endParaRPr b="0" lang="en-US" sz="3200" spc="-1" strike="noStrike">
-              <a:latin typeface="Arial"/>
+              <a:t>Amsterdam was the only non-host city suggested by Decision Tree. Therefore, the two models showed </a:t>
+            </a:r>
+            <a:r>
+              <a:rPr lang="en-US" sz="3200" spc="-1" dirty="0">
+                <a:latin typeface="Calibri"/>
+              </a:rPr>
+              <a:t>differing results</a:t>
+            </a:r>
+            <a:r>
+              <a:rPr lang="en-US" sz="3200" b="0" strike="noStrike" spc="-1" dirty="0">
+                <a:latin typeface="Calibri"/>
+              </a:rPr>
+              <a:t>.</a:t>
+            </a:r>
+            <a:endParaRPr lang="en-US" sz="3200" b="0" strike="noStrike" spc="-1" dirty="0">
+              <a:latin typeface="Arial"/>
+            </a:endParaRPr>
+          </a:p>
+          <a:p>
+            <a:r>
+              <a:rPr lang="en-US" sz="3200" spc="-1" dirty="0">
+                <a:latin typeface="Calibri"/>
+                <a:cs typeface="Calibri"/>
+              </a:rPr>
+              <a:t>Since 2028 Games will be held in North America, a</a:t>
+            </a:r>
+            <a:endParaRPr lang="en-US" sz="3200" spc="-1" dirty="0">
+              <a:latin typeface="Calibri"/>
+            </a:endParaRPr>
+          </a:p>
+          <a:p>
+            <a:r>
+              <a:rPr lang="en-US" sz="3200" b="0" strike="noStrike" spc="-1" dirty="0">
+                <a:latin typeface="Calibri"/>
+              </a:rPr>
+              <a:t>European city </a:t>
+            </a:r>
+            <a:r>
+              <a:rPr lang="en-US" sz="3200" spc="-1" dirty="0">
+                <a:latin typeface="Calibri"/>
+              </a:rPr>
+              <a:t>will most likely be selected next,</a:t>
+            </a:r>
+            <a:r>
+              <a:rPr lang="en-US" sz="3200" b="0" strike="noStrike" spc="-1" dirty="0">
+                <a:latin typeface="Calibri"/>
+              </a:rPr>
+              <a:t> so it will be Madrid or Amsterdam.</a:t>
+            </a:r>
+            <a:endParaRPr lang="en-US" sz="3200" b="0" strike="noStrike" spc="-1" dirty="0">
+              <a:latin typeface="Arial"/>
+              <a:cs typeface="Arial"/>
+            </a:endParaRPr>
+          </a:p>
+          <a:p>
+            <a:endParaRPr lang="en-US" sz="3200" b="0" strike="noStrike" spc="-1" dirty="0">
+              <a:latin typeface="Calibri"/>
+              <a:cs typeface="Calibri"/>
             </a:endParaRPr>
           </a:p>
         </p:txBody>
       </p:sp>
     </p:spTree>
   </p:cSld>
+  <p:clrMapOvr>
+    <a:masterClrMapping/>
+  </p:clrMapOvr>
 </p:sld>
 </file>
 
 <file path=ppt/slides/slide17.xml><?xml version="1.0" encoding="utf-8"?>
-<p:sld xmlns:a="http://schemas.openxmlformats.org/drawingml/2006/main" xmlns:p="http://schemas.openxmlformats.org/presentationml/2006/main" xmlns:r="http://schemas.openxmlformats.org/officeDocument/2006/relationships" xmlns:p14="http://schemas.microsoft.com/office/powerpoint/2010/main" xmlns:p15="http://schemas.microsoft.com/office/powerpoint/2012/main" xmlns:mc="http://schemas.openxmlformats.org/markup-compatibility/2006">
+<p:sld xmlns:a="http://schemas.openxmlformats.org/drawingml/2006/main" xmlns:r="http://schemas.openxmlformats.org/officeDocument/2006/relationships" xmlns:p="http://schemas.openxmlformats.org/presentationml/2006/main">
   <p:cSld>
+    <p:bg>
+      <p:bgPr>
+        <a:solidFill>
+          <a:schemeClr val="accent5"/>
+        </a:solidFill>
+        <a:effectLst/>
+      </p:bgPr>
+    </p:bg>
     <p:spTree>
       <p:nvGrpSpPr>
         <p:cNvPr id="1" name=""/>
@@ -4355,18 +5829,16 @@
           </a:ln>
         </p:spPr>
         <p:txBody>
-          <a:bodyPr lIns="0" rIns="0" tIns="0" bIns="0" anchor="ctr"/>
+          <a:bodyPr lIns="0" tIns="0" rIns="0" bIns="0" anchor="ctr"/>
+          <a:lstStyle/>
           <a:p>
             <a:pPr algn="ctr"/>
             <a:r>
-              <a:rPr b="0" lang="en-US" sz="4400" spc="-1" strike="noStrike">
+              <a:rPr lang="en-US" sz="4400" b="0" strike="noStrike" spc="-1">
                 <a:latin typeface="Arial"/>
               </a:rPr>
               <a:t>Discussion - 1</a:t>
             </a:r>
-            <a:endParaRPr b="0" lang="en-US" sz="4400" spc="-1" strike="noStrike">
-              <a:latin typeface="Arial"/>
-            </a:endParaRPr>
           </a:p>
         </p:txBody>
       </p:sp>
@@ -4390,19 +5862,17 @@
           </a:ln>
         </p:spPr>
         <p:txBody>
-          <a:bodyPr lIns="0" rIns="0" tIns="0" bIns="0">
+          <a:bodyPr lIns="0" tIns="0" rIns="0" bIns="0">
             <a:normAutofit/>
           </a:bodyPr>
-          <a:p>
-            <a:r>
-              <a:rPr b="0" lang="en-US" sz="3200" spc="-1" strike="noStrike">
+          <a:lstStyle/>
+          <a:p>
+            <a:r>
+              <a:rPr lang="en-US" sz="3200" b="0" strike="noStrike" spc="-1">
                 <a:latin typeface="Arial"/>
               </a:rPr>
               <a:t>Models are sensitive to data points</a:t>
             </a:r>
-            <a:endParaRPr b="0" lang="en-US" sz="3200" spc="-1" strike="noStrike">
-              <a:latin typeface="Arial"/>
-            </a:endParaRPr>
           </a:p>
           <a:p>
             <a:pPr marL="432000" indent="-324000">
@@ -4417,14 +5887,11 @@
               <a:buChar char=""/>
             </a:pPr>
             <a:r>
-              <a:rPr b="0" lang="en-US" sz="3200" spc="-1" strike="noStrike">
+              <a:rPr lang="en-US" sz="3200" b="0" strike="noStrike" spc="-1">
                 <a:latin typeface="Arial"/>
               </a:rPr>
               <a:t>Inadequate data points and noise in data</a:t>
             </a:r>
-            <a:endParaRPr b="0" lang="en-US" sz="3200" spc="-1" strike="noStrike">
-              <a:latin typeface="Arial"/>
-            </a:endParaRPr>
           </a:p>
           <a:p>
             <a:pPr marL="432000" indent="-324000">
@@ -4439,14 +5906,11 @@
               <a:buChar char=""/>
             </a:pPr>
             <a:r>
-              <a:rPr b="0" lang="en-US" sz="3200" spc="-1" strike="noStrike">
+              <a:rPr lang="en-US" sz="3200" b="0" strike="noStrike" spc="-1">
                 <a:latin typeface="Arial"/>
               </a:rPr>
               <a:t>The number of venue categories exceeded the number of data points, so high feature/data ratio</a:t>
             </a:r>
-            <a:endParaRPr b="0" lang="en-US" sz="3200" spc="-1" strike="noStrike">
-              <a:latin typeface="Arial"/>
-            </a:endParaRPr>
           </a:p>
           <a:p>
             <a:pPr marL="432000" indent="-324000">
@@ -4461,25 +5925,33 @@
               <a:buChar char=""/>
             </a:pPr>
             <a:r>
-              <a:rPr b="0" lang="en-US" sz="3200" spc="-1" strike="noStrike">
+              <a:rPr lang="en-US" sz="3200" b="0" strike="noStrike" spc="-1">
                 <a:latin typeface="Arial"/>
               </a:rPr>
               <a:t>FourSquare Explore API returned live data that varies with the time of the day</a:t>
             </a:r>
-            <a:endParaRPr b="0" lang="en-US" sz="3200" spc="-1" strike="noStrike">
-              <a:latin typeface="Arial"/>
-            </a:endParaRPr>
           </a:p>
         </p:txBody>
       </p:sp>
     </p:spTree>
   </p:cSld>
+  <p:clrMapOvr>
+    <a:masterClrMapping/>
+  </p:clrMapOvr>
 </p:sld>
 </file>
 
 <file path=ppt/slides/slide18.xml><?xml version="1.0" encoding="utf-8"?>
-<p:sld xmlns:a="http://schemas.openxmlformats.org/drawingml/2006/main" xmlns:p="http://schemas.openxmlformats.org/presentationml/2006/main" xmlns:r="http://schemas.openxmlformats.org/officeDocument/2006/relationships" xmlns:p14="http://schemas.microsoft.com/office/powerpoint/2010/main" xmlns:p15="http://schemas.microsoft.com/office/powerpoint/2012/main" xmlns:mc="http://schemas.openxmlformats.org/markup-compatibility/2006">
+<p:sld xmlns:a="http://schemas.openxmlformats.org/drawingml/2006/main" xmlns:r="http://schemas.openxmlformats.org/officeDocument/2006/relationships" xmlns:p="http://schemas.openxmlformats.org/presentationml/2006/main">
   <p:cSld>
+    <p:bg>
+      <p:bgPr>
+        <a:solidFill>
+          <a:schemeClr val="accent5"/>
+        </a:solidFill>
+        <a:effectLst/>
+      </p:bgPr>
+    </p:bg>
     <p:spTree>
       <p:nvGrpSpPr>
         <p:cNvPr id="1" name=""/>
@@ -4514,16 +5986,17 @@
           </a:ln>
         </p:spPr>
         <p:txBody>
-          <a:bodyPr lIns="0" rIns="0" tIns="0" bIns="0" anchor="ctr"/>
+          <a:bodyPr lIns="0" tIns="0" rIns="0" bIns="0" anchor="ctr"/>
+          <a:lstStyle/>
           <a:p>
             <a:pPr algn="ctr"/>
             <a:r>
-              <a:rPr b="0" lang="en-US" sz="4400" spc="-1" strike="noStrike">
+              <a:rPr lang="en-US" sz="4400" b="0" strike="noStrike" spc="-1">
                 <a:latin typeface="Calibri"/>
               </a:rPr>
               <a:t>Discussion - 2</a:t>
             </a:r>
-            <a:endParaRPr b="0" lang="en-US" sz="4400" spc="-1" strike="noStrike">
+            <a:endParaRPr lang="en-US" sz="4400" b="0" strike="noStrike" spc="-1">
               <a:latin typeface="Arial"/>
             </a:endParaRPr>
           </a:p>
@@ -4549,9 +6022,10 @@
           </a:ln>
         </p:spPr>
         <p:txBody>
-          <a:bodyPr lIns="0" rIns="0" tIns="0" bIns="0">
+          <a:bodyPr lIns="0" tIns="0" rIns="0" bIns="0">
             <a:normAutofit/>
           </a:bodyPr>
+          <a:lstStyle/>
           <a:p>
             <a:pPr marL="432000" indent="-324000">
               <a:spcBef>
@@ -4565,14 +6039,11 @@
               <a:buChar char=""/>
             </a:pPr>
             <a:r>
-              <a:rPr b="0" lang="en-US" sz="3200" spc="-1" strike="noStrike">
+              <a:rPr lang="en-US" sz="3200" b="0" strike="noStrike" spc="-1">
                 <a:latin typeface="Arial"/>
               </a:rPr>
               <a:t>Venue data for now has a lesser correlation with the host city selected decades ago.</a:t>
             </a:r>
-            <a:endParaRPr b="0" lang="en-US" sz="3200" spc="-1" strike="noStrike">
-              <a:latin typeface="Arial"/>
-            </a:endParaRPr>
           </a:p>
           <a:p>
             <a:pPr marL="432000" indent="-324000">
@@ -4587,14 +6058,11 @@
               <a:buChar char=""/>
             </a:pPr>
             <a:r>
-              <a:rPr b="0" lang="en-US" sz="3200" spc="-1" strike="noStrike">
+              <a:rPr lang="en-US" sz="3200" b="0" strike="noStrike" spc="-1">
                 <a:latin typeface="Arial"/>
               </a:rPr>
               <a:t>Host city selection had other factors not reflected in venues: financial, political, geographical, etc.</a:t>
             </a:r>
-            <a:endParaRPr b="0" lang="en-US" sz="3200" spc="-1" strike="noStrike">
-              <a:latin typeface="Arial"/>
-            </a:endParaRPr>
           </a:p>
           <a:p>
             <a:pPr marL="432000" indent="-324000">
@@ -4609,25 +6077,33 @@
               <a:buChar char=""/>
             </a:pPr>
             <a:r>
-              <a:rPr b="0" lang="en-US" sz="3200" spc="-1" strike="noStrike">
+              <a:rPr lang="en-US" sz="3200" b="0" strike="noStrike" spc="-1">
                 <a:latin typeface="Arial"/>
               </a:rPr>
               <a:t>FourSquare data loaded on food related venues</a:t>
             </a:r>
-            <a:endParaRPr b="0" lang="en-US" sz="3200" spc="-1" strike="noStrike">
-              <a:latin typeface="Arial"/>
-            </a:endParaRPr>
           </a:p>
         </p:txBody>
       </p:sp>
     </p:spTree>
   </p:cSld>
+  <p:clrMapOvr>
+    <a:masterClrMapping/>
+  </p:clrMapOvr>
 </p:sld>
 </file>
 
 <file path=ppt/slides/slide19.xml><?xml version="1.0" encoding="utf-8"?>
-<p:sld xmlns:a="http://schemas.openxmlformats.org/drawingml/2006/main" xmlns:p="http://schemas.openxmlformats.org/presentationml/2006/main" xmlns:r="http://schemas.openxmlformats.org/officeDocument/2006/relationships" xmlns:p14="http://schemas.microsoft.com/office/powerpoint/2010/main" xmlns:p15="http://schemas.microsoft.com/office/powerpoint/2012/main" xmlns:mc="http://schemas.openxmlformats.org/markup-compatibility/2006">
+<p:sld xmlns:a="http://schemas.openxmlformats.org/drawingml/2006/main" xmlns:r="http://schemas.openxmlformats.org/officeDocument/2006/relationships" xmlns:p="http://schemas.openxmlformats.org/presentationml/2006/main">
   <p:cSld>
+    <p:bg>
+      <p:bgPr>
+        <a:solidFill>
+          <a:schemeClr val="accent5"/>
+        </a:solidFill>
+        <a:effectLst/>
+      </p:bgPr>
+    </p:bg>
     <p:spTree>
       <p:nvGrpSpPr>
         <p:cNvPr id="1" name=""/>
@@ -4662,10 +6138,11 @@
           </a:ln>
         </p:spPr>
         <p:txBody>
-          <a:bodyPr lIns="0" rIns="0" tIns="0" bIns="0" anchor="ctr"/>
+          <a:bodyPr lIns="0" tIns="0" rIns="0" bIns="0" anchor="ctr"/>
+          <a:lstStyle/>
           <a:p>
             <a:pPr algn="ctr"/>
-            <a:endParaRPr b="0" lang="en-US" sz="4400" spc="-1" strike="noStrike">
+            <a:endParaRPr lang="en-US" sz="4400" b="0" strike="noStrike" spc="-1">
               <a:latin typeface="Arial"/>
             </a:endParaRPr>
           </a:p>
@@ -4691,19 +6168,29 @@
           </a:ln>
         </p:spPr>
         <p:txBody>
-          <a:bodyPr lIns="0" rIns="0" tIns="0" bIns="0">
+          <a:bodyPr lIns="0" tIns="0" rIns="0" bIns="0" anchor="t">
             <a:normAutofit/>
           </a:bodyPr>
-          <a:p>
-            <a:r>
-              <a:rPr b="0" lang="en-US" sz="2600" spc="-1" strike="noStrike">
+          <a:lstStyle/>
+          <a:p>
+            <a:r>
+              <a:rPr lang="en-US" sz="2600" b="0" strike="noStrike" spc="-1" dirty="0">
                 <a:latin typeface="Arial"/>
               </a:rPr>
-              <a:t>This is part of capstone project for Coursera course “Applied Data Science Capstone”</a:t>
-            </a:r>
-            <a:endParaRPr b="0" lang="en-US" sz="2600" spc="-1" strike="noStrike">
-              <a:latin typeface="Arial"/>
-            </a:endParaRPr>
+              <a:t>This </a:t>
+            </a:r>
+            <a:r>
+              <a:rPr lang="en-US" sz="2600" spc="-1" dirty="0">
+                <a:latin typeface="Arial"/>
+              </a:rPr>
+              <a:t>was</a:t>
+            </a:r>
+            <a:r>
+              <a:rPr lang="en-US" sz="2600" b="0" strike="noStrike" spc="-1" dirty="0">
+                <a:latin typeface="Arial"/>
+              </a:rPr>
+              <a:t> part of capstone project for Coursera course “Applied Data Science Capstone”</a:t>
+            </a:r>
           </a:p>
         </p:txBody>
       </p:sp>
@@ -4727,40 +6214,41 @@
           </a:ln>
         </p:spPr>
         <p:txBody>
-          <a:bodyPr lIns="90000" rIns="90000" tIns="45000" bIns="45000"/>
+          <a:bodyPr lIns="90000" tIns="45000" rIns="90000" bIns="45000"/>
+          <a:lstStyle/>
           <a:p>
             <a:pPr algn="ctr"/>
             <a:r>
-              <a:rPr b="0" lang="en-US" sz="2600" spc="-1" strike="noStrike">
+              <a:rPr lang="en-US" sz="2600" b="0" strike="noStrike" spc="-1">
                 <a:latin typeface="Calibri"/>
               </a:rPr>
               <a:t>Charles Fung</a:t>
             </a:r>
-            <a:endParaRPr b="0" lang="en-US" sz="2600" spc="-1" strike="noStrike">
+            <a:endParaRPr lang="en-US" sz="2600" b="0" strike="noStrike" spc="-1">
               <a:latin typeface="Arial"/>
             </a:endParaRPr>
           </a:p>
           <a:p>
             <a:pPr algn="ctr"/>
             <a:r>
-              <a:rPr b="0" lang="en-US" sz="2600" spc="-1" strike="noStrike">
+              <a:rPr lang="en-US" sz="2600" b="0" strike="noStrike" spc="-1">
                 <a:latin typeface="Calibri"/>
               </a:rPr>
               <a:t>charles.fung.87@gmail.com</a:t>
             </a:r>
-            <a:endParaRPr b="0" lang="en-US" sz="2600" spc="-1" strike="noStrike">
+            <a:endParaRPr lang="en-US" sz="2600" b="0" strike="noStrike" spc="-1">
               <a:latin typeface="Arial"/>
             </a:endParaRPr>
           </a:p>
           <a:p>
             <a:pPr algn="ctr"/>
             <a:r>
-              <a:rPr b="0" lang="en-US" sz="2600" spc="-1" strike="noStrike">
+              <a:rPr lang="en-US" sz="2600" b="0" strike="noStrike" spc="-1">
                 <a:latin typeface="Calibri"/>
               </a:rPr>
               <a:t>Published: Nov, 2018</a:t>
             </a:r>
-            <a:endParaRPr b="0" lang="en-US" sz="2600" spc="-1" strike="noStrike">
+            <a:endParaRPr lang="en-US" sz="2600" b="0" strike="noStrike" spc="-1">
               <a:latin typeface="Arial"/>
             </a:endParaRPr>
           </a:p>
@@ -4768,12 +6256,23 @@
       </p:sp>
     </p:spTree>
   </p:cSld>
+  <p:clrMapOvr>
+    <a:masterClrMapping/>
+  </p:clrMapOvr>
 </p:sld>
 </file>
 
 <file path=ppt/slides/slide2.xml><?xml version="1.0" encoding="utf-8"?>
-<p:sld xmlns:a="http://schemas.openxmlformats.org/drawingml/2006/main" xmlns:p="http://schemas.openxmlformats.org/presentationml/2006/main" xmlns:r="http://schemas.openxmlformats.org/officeDocument/2006/relationships" xmlns:p14="http://schemas.microsoft.com/office/powerpoint/2010/main" xmlns:p15="http://schemas.microsoft.com/office/powerpoint/2012/main" xmlns:mc="http://schemas.openxmlformats.org/markup-compatibility/2006">
+<p:sld xmlns:a="http://schemas.openxmlformats.org/drawingml/2006/main" xmlns:r="http://schemas.openxmlformats.org/officeDocument/2006/relationships" xmlns:p="http://schemas.openxmlformats.org/presentationml/2006/main">
   <p:cSld>
+    <p:bg>
+      <p:bgPr>
+        <a:solidFill>
+          <a:schemeClr val="accent5"/>
+        </a:solidFill>
+        <a:effectLst/>
+      </p:bgPr>
+    </p:bg>
     <p:spTree>
       <p:nvGrpSpPr>
         <p:cNvPr id="1" name=""/>
@@ -4808,15 +6307,40 @@
           </a:ln>
         </p:spPr>
         <p:txBody>
-          <a:bodyPr lIns="0" rIns="0" tIns="0" bIns="0" anchor="ctr"/>
-          <a:p>
-            <a:r>
-              <a:rPr b="0" lang="en-US" sz="2600" spc="-1" strike="noStrike">
+          <a:bodyPr lIns="0" tIns="0" rIns="0" bIns="0" anchor="ctr"/>
+          <a:lstStyle/>
+          <a:p>
+            <a:r>
+              <a:rPr lang="en-US" sz="2600" b="0" strike="noStrike" spc="-1" dirty="0">
                 <a:latin typeface="Calibri"/>
               </a:rPr>
-              <a:t>Many cities have host the games but not all of them were successful in making money. Let’s find out if a city should untake it.</a:t>
-            </a:r>
-            <a:endParaRPr b="0" lang="en-US" sz="2600" spc="-1" strike="noStrike">
+              <a:t>Many cities have </a:t>
+            </a:r>
+            <a:r>
+              <a:rPr lang="en-US" sz="2600" spc="-1" dirty="0">
+                <a:latin typeface="Calibri"/>
+              </a:rPr>
+              <a:t>hosted</a:t>
+            </a:r>
+            <a:r>
+              <a:rPr lang="en-US" sz="2600" b="0" strike="noStrike" spc="-1" dirty="0">
+                <a:latin typeface="Calibri"/>
+              </a:rPr>
+              <a:t> the games but not all of them were successful in making money. Let’s find out if a city should </a:t>
+            </a:r>
+            <a:r>
+              <a:rPr lang="en-US" sz="2600" spc="-1" dirty="0">
+                <a:latin typeface="Calibri"/>
+              </a:rPr>
+              <a:t>undertake</a:t>
+            </a:r>
+            <a:r>
+              <a:rPr lang="en-US" sz="2600" b="0" strike="noStrike" spc="-1" dirty="0">
+                <a:latin typeface="Calibri"/>
+              </a:rPr>
+              <a:t> it.</a:t>
+            </a:r>
+            <a:endParaRPr lang="en-US" sz="2600" b="0" strike="noStrike" spc="-1" dirty="0">
               <a:latin typeface="Arial"/>
             </a:endParaRPr>
           </a:p>
@@ -4824,12 +6348,12 @@
       </p:sp>
       <p:pic>
         <p:nvPicPr>
-          <p:cNvPr id="85" name="" descr=""/>
+          <p:cNvPr id="85" name="Picture 84"/>
           <p:cNvPicPr/>
           <p:nvPr/>
         </p:nvPicPr>
         <p:blipFill>
-          <a:blip r:embed="rId1"/>
+          <a:blip r:embed="rId2"/>
           <a:stretch/>
         </p:blipFill>
         <p:spPr>
@@ -4847,12 +6371,23 @@
       </p:pic>
     </p:spTree>
   </p:cSld>
+  <p:clrMapOvr>
+    <a:masterClrMapping/>
+  </p:clrMapOvr>
 </p:sld>
 </file>
 
 <file path=ppt/slides/slide3.xml><?xml version="1.0" encoding="utf-8"?>
-<p:sld xmlns:a="http://schemas.openxmlformats.org/drawingml/2006/main" xmlns:p="http://schemas.openxmlformats.org/presentationml/2006/main" xmlns:r="http://schemas.openxmlformats.org/officeDocument/2006/relationships" xmlns:p14="http://schemas.microsoft.com/office/powerpoint/2010/main" xmlns:p15="http://schemas.microsoft.com/office/powerpoint/2012/main" xmlns:mc="http://schemas.openxmlformats.org/markup-compatibility/2006">
+<p:sld xmlns:a="http://schemas.openxmlformats.org/drawingml/2006/main" xmlns:r="http://schemas.openxmlformats.org/officeDocument/2006/relationships" xmlns:p="http://schemas.openxmlformats.org/presentationml/2006/main">
   <p:cSld>
+    <p:bg>
+      <p:bgPr>
+        <a:solidFill>
+          <a:schemeClr val="accent5"/>
+        </a:solidFill>
+        <a:effectLst/>
+      </p:bgPr>
+    </p:bg>
     <p:spTree>
       <p:nvGrpSpPr>
         <p:cNvPr id="1" name=""/>
@@ -4887,16 +6422,17 @@
           </a:ln>
         </p:spPr>
         <p:txBody>
-          <a:bodyPr lIns="0" rIns="0" tIns="0" bIns="0" anchor="ctr"/>
+          <a:bodyPr lIns="0" tIns="0" rIns="0" bIns="0" anchor="ctr"/>
+          <a:lstStyle/>
           <a:p>
             <a:pPr algn="ctr"/>
             <a:r>
-              <a:rPr b="0" lang="en-US" sz="4400" spc="-1" strike="noStrike">
+              <a:rPr lang="en-US" sz="4400" b="0" strike="noStrike" spc="-1">
                 <a:latin typeface="Calibri"/>
               </a:rPr>
               <a:t>Past host cities</a:t>
             </a:r>
-            <a:endParaRPr b="0" lang="en-US" sz="4400" spc="-1" strike="noStrike">
+            <a:endParaRPr lang="en-US" sz="4400" b="0" strike="noStrike" spc="-1">
               <a:latin typeface="Arial"/>
             </a:endParaRPr>
           </a:p>
@@ -4904,30 +6440,7 @@
       </p:sp>
       <p:pic>
         <p:nvPicPr>
-          <p:cNvPr id="87" name="" descr=""/>
-          <p:cNvPicPr/>
-          <p:nvPr/>
-        </p:nvPicPr>
-        <p:blipFill>
-          <a:blip r:embed="rId1"/>
-          <a:stretch/>
-        </p:blipFill>
-        <p:spPr>
-          <a:xfrm>
-            <a:off x="431640" y="1052280"/>
-            <a:ext cx="4125960" cy="2239560"/>
-          </a:xfrm>
-          <a:prstGeom prst="rect">
-            <a:avLst/>
-          </a:prstGeom>
-          <a:ln>
-            <a:noFill/>
-          </a:ln>
-        </p:spPr>
-      </p:pic>
-      <p:pic>
-        <p:nvPicPr>
-          <p:cNvPr id="88" name="" descr=""/>
+          <p:cNvPr id="87" name="Picture 86"/>
           <p:cNvPicPr/>
           <p:nvPr/>
         </p:nvPicPr>
@@ -4937,6 +6450,29 @@
         </p:blipFill>
         <p:spPr>
           <a:xfrm>
+            <a:off x="431640" y="1052280"/>
+            <a:ext cx="4125960" cy="2239560"/>
+          </a:xfrm>
+          <a:prstGeom prst="rect">
+            <a:avLst/>
+          </a:prstGeom>
+          <a:ln>
+            <a:noFill/>
+          </a:ln>
+        </p:spPr>
+      </p:pic>
+      <p:pic>
+        <p:nvPicPr>
+          <p:cNvPr id="88" name="Picture 87"/>
+          <p:cNvPicPr/>
+          <p:nvPr/>
+        </p:nvPicPr>
+        <p:blipFill>
+          <a:blip r:embed="rId3"/>
+          <a:stretch/>
+        </p:blipFill>
+        <p:spPr>
+          <a:xfrm>
             <a:off x="5029200" y="1920240"/>
             <a:ext cx="4633560" cy="3207960"/>
           </a:xfrm>
@@ -4968,15 +6504,16 @@
           </a:ln>
         </p:spPr>
         <p:txBody>
-          <a:bodyPr lIns="90000" rIns="90000" tIns="45000" bIns="45000"/>
-          <a:p>
-            <a:r>
-              <a:rPr b="0" lang="en-US" sz="2600" spc="-1" strike="noStrike">
+          <a:bodyPr lIns="90000" tIns="45000" rIns="90000" bIns="45000"/>
+          <a:lstStyle/>
+          <a:p>
+            <a:r>
+              <a:rPr lang="en-US" sz="2600" b="0" strike="noStrike" spc="-1">
                 <a:latin typeface="Calibri"/>
               </a:rPr>
               <a:t>Past host cities were extracted from public data set.</a:t>
             </a:r>
-            <a:endParaRPr b="0" lang="en-US" sz="2600" spc="-1" strike="noStrike">
+            <a:endParaRPr lang="en-US" sz="2600" b="0" strike="noStrike" spc="-1">
               <a:latin typeface="Arial"/>
             </a:endParaRPr>
           </a:p>
@@ -4984,12 +6521,23 @@
       </p:sp>
     </p:spTree>
   </p:cSld>
+  <p:clrMapOvr>
+    <a:masterClrMapping/>
+  </p:clrMapOvr>
 </p:sld>
 </file>
 
 <file path=ppt/slides/slide4.xml><?xml version="1.0" encoding="utf-8"?>
-<p:sld xmlns:a="http://schemas.openxmlformats.org/drawingml/2006/main" xmlns:p="http://schemas.openxmlformats.org/presentationml/2006/main" xmlns:r="http://schemas.openxmlformats.org/officeDocument/2006/relationships" xmlns:p14="http://schemas.microsoft.com/office/powerpoint/2010/main" xmlns:p15="http://schemas.microsoft.com/office/powerpoint/2012/main" xmlns:mc="http://schemas.openxmlformats.org/markup-compatibility/2006">
+<p:sld xmlns:a="http://schemas.openxmlformats.org/drawingml/2006/main" xmlns:r="http://schemas.openxmlformats.org/officeDocument/2006/relationships" xmlns:p="http://schemas.openxmlformats.org/presentationml/2006/main">
   <p:cSld>
+    <p:bg>
+      <p:bgPr>
+        <a:solidFill>
+          <a:schemeClr val="accent5"/>
+        </a:solidFill>
+        <a:effectLst/>
+      </p:bgPr>
+    </p:bg>
     <p:spTree>
       <p:nvGrpSpPr>
         <p:cNvPr id="1" name=""/>
@@ -5024,17 +6572,18 @@
           </a:ln>
         </p:spPr>
         <p:txBody>
-          <a:bodyPr lIns="0" rIns="0" tIns="0" bIns="0" anchor="ctr"/>
+          <a:bodyPr lIns="0" tIns="0" rIns="0" bIns="0" anchor="ctr"/>
+          <a:lstStyle/>
           <a:p>
             <a:pPr algn="ctr"/>
             <a:r>
-              <a:rPr b="0" lang="en-US" sz="4400" spc="-1" strike="noStrike">
+              <a:rPr lang="en-US" sz="4400" b="0" strike="noStrike" spc="-1">
                 <a:latin typeface="Calibri"/>
                 <a:ea typeface="Mangal"/>
               </a:rPr>
               <a:t>City coordinates</a:t>
             </a:r>
-            <a:endParaRPr b="0" lang="en-US" sz="4400" spc="-1" strike="noStrike">
+            <a:endParaRPr lang="en-US" sz="4400" b="0" strike="noStrike" spc="-1">
               <a:latin typeface="Arial"/>
             </a:endParaRPr>
           </a:p>
@@ -5060,17 +6609,37 @@
           </a:ln>
         </p:spPr>
         <p:txBody>
-          <a:bodyPr lIns="0" rIns="0" tIns="0" bIns="0">
+          <a:bodyPr lIns="0" tIns="0" rIns="0" bIns="0" anchor="t">
             <a:normAutofit/>
           </a:bodyPr>
-          <a:p>
-            <a:r>
-              <a:rPr b="0" lang="en-US" sz="3200" spc="-1" strike="noStrike">
+          <a:lstStyle/>
+          <a:p>
+            <a:r>
+              <a:rPr lang="en-US" sz="3200" spc="-1" dirty="0">
                 <a:latin typeface="Arial"/>
               </a:rPr>
-              <a:t>Snap shot of city coordinates from geopy</a:t>
-            </a:r>
-            <a:endParaRPr b="0" lang="en-US" sz="3200" spc="-1" strike="noStrike">
+              <a:t>City</a:t>
+            </a:r>
+            <a:r>
+              <a:rPr lang="en-US" sz="3200" b="0" strike="noStrike" spc="-1" dirty="0">
+                <a:latin typeface="Arial"/>
+              </a:rPr>
+              <a:t> coordinates from </a:t>
+            </a:r>
+            <a:r>
+              <a:rPr lang="en-US" sz="3200" b="0" strike="noStrike" spc="-1" dirty="0" err="1">
+                <a:latin typeface="Arial"/>
+              </a:rPr>
+              <a:t>geopy</a:t>
+            </a:r>
+            <a:r>
+              <a:rPr lang="en-US" sz="3200" spc="-1" dirty="0">
+                <a:latin typeface="Arial"/>
+                <a:cs typeface="Arial"/>
+              </a:rPr>
+              <a:t> using city names</a:t>
+            </a:r>
+            <a:endParaRPr lang="en-US" sz="3200" b="0" strike="noStrike" spc="-1" dirty="0">
               <a:latin typeface="Arial"/>
             </a:endParaRPr>
           </a:p>
@@ -5078,12 +6647,12 @@
       </p:sp>
       <p:pic>
         <p:nvPicPr>
-          <p:cNvPr id="92" name="" descr=""/>
+          <p:cNvPr id="92" name="Picture 91"/>
           <p:cNvPicPr/>
           <p:nvPr/>
         </p:nvPicPr>
         <p:blipFill>
-          <a:blip r:embed="rId1"/>
+          <a:blip r:embed="rId2"/>
           <a:stretch/>
         </p:blipFill>
         <p:spPr>
@@ -5101,12 +6670,23 @@
       </p:pic>
     </p:spTree>
   </p:cSld>
+  <p:clrMapOvr>
+    <a:masterClrMapping/>
+  </p:clrMapOvr>
 </p:sld>
 </file>
 
 <file path=ppt/slides/slide5.xml><?xml version="1.0" encoding="utf-8"?>
-<p:sld xmlns:a="http://schemas.openxmlformats.org/drawingml/2006/main" xmlns:p="http://schemas.openxmlformats.org/presentationml/2006/main" xmlns:r="http://schemas.openxmlformats.org/officeDocument/2006/relationships" xmlns:p14="http://schemas.microsoft.com/office/powerpoint/2010/main" xmlns:p15="http://schemas.microsoft.com/office/powerpoint/2012/main" xmlns:mc="http://schemas.openxmlformats.org/markup-compatibility/2006">
+<p:sld xmlns:a="http://schemas.openxmlformats.org/drawingml/2006/main" xmlns:r="http://schemas.openxmlformats.org/officeDocument/2006/relationships" xmlns:p="http://schemas.openxmlformats.org/presentationml/2006/main">
   <p:cSld>
+    <p:bg>
+      <p:bgPr>
+        <a:solidFill>
+          <a:schemeClr val="accent5"/>
+        </a:solidFill>
+        <a:effectLst/>
+      </p:bgPr>
+    </p:bg>
     <p:spTree>
       <p:nvGrpSpPr>
         <p:cNvPr id="1" name=""/>
@@ -5141,16 +6721,17 @@
           </a:ln>
         </p:spPr>
         <p:txBody>
-          <a:bodyPr lIns="0" rIns="0" tIns="0" bIns="0" anchor="ctr"/>
+          <a:bodyPr lIns="0" tIns="0" rIns="0" bIns="0" anchor="ctr"/>
+          <a:lstStyle/>
           <a:p>
             <a:pPr algn="ctr"/>
             <a:r>
-              <a:rPr b="0" lang="en-US" sz="4400" spc="-1" strike="noStrike">
+              <a:rPr lang="en-US" sz="4400" b="0" strike="noStrike" spc="-1">
                 <a:latin typeface="Calibri"/>
               </a:rPr>
               <a:t>Venues in cities</a:t>
             </a:r>
-            <a:endParaRPr b="0" lang="en-US" sz="4400" spc="-1" strike="noStrike">
+            <a:endParaRPr lang="en-US" sz="4400" b="0" strike="noStrike" spc="-1">
               <a:latin typeface="Arial"/>
             </a:endParaRPr>
           </a:p>
@@ -5164,8 +6745,8 @@
         </p:nvSpPr>
         <p:spPr>
           <a:xfrm>
-            <a:off x="504000" y="1326600"/>
-            <a:ext cx="9071640" cy="3288240"/>
+            <a:off x="504000" y="1390583"/>
+            <a:ext cx="4399351" cy="3224257"/>
           </a:xfrm>
           <a:prstGeom prst="rect">
             <a:avLst/>
@@ -5176,35 +6757,61 @@
           </a:ln>
         </p:spPr>
         <p:txBody>
-          <a:bodyPr lIns="0" rIns="0" tIns="0" bIns="0">
+          <a:bodyPr lIns="0" tIns="0" rIns="0" bIns="0" anchor="t">
             <a:normAutofit/>
           </a:bodyPr>
-          <a:p>
-            <a:r>
-              <a:rPr b="0" lang="en-US" sz="3200" spc="-1" strike="noStrike">
+          <a:lstStyle/>
+          <a:p>
+            <a:r>
+              <a:rPr lang="en-US" sz="3200" spc="-1" dirty="0" err="1">
                 <a:latin typeface="Calibri"/>
               </a:rPr>
-              <a:t>Explored venues from FourSquare using city coordinates</a:t>
-            </a:r>
-            <a:endParaRPr b="0" lang="en-US" sz="3200" spc="-1" strike="noStrike">
-              <a:latin typeface="Arial"/>
+              <a:t>FourSquare</a:t>
+            </a:r>
+            <a:r>
+              <a:rPr lang="en-US" sz="3200" spc="-1" dirty="0">
+                <a:latin typeface="Calibri"/>
+              </a:rPr>
+              <a:t> "Explore"</a:t>
+            </a:r>
+            <a:r>
+              <a:rPr lang="en-US" sz="3200" b="0" strike="noStrike" spc="-1" dirty="0">
+                <a:latin typeface="Calibri"/>
+              </a:rPr>
+              <a:t> </a:t>
+            </a:r>
+            <a:r>
+              <a:rPr lang="en-US" sz="3200" spc="-1" dirty="0">
+                <a:latin typeface="Calibri"/>
+              </a:rPr>
+              <a:t>API provided popular venues</a:t>
+            </a:r>
+            <a:r>
+              <a:rPr lang="en-US" sz="3200" b="0" strike="noStrike" spc="-1" dirty="0">
+                <a:latin typeface="Calibri"/>
+              </a:rPr>
+              <a:t> using coordinates</a:t>
+            </a:r>
+            <a:endParaRPr lang="en-US" sz="3200" b="0" strike="noStrike" spc="-1" dirty="0">
+              <a:latin typeface="Arial"/>
+              <a:cs typeface="Arial"/>
             </a:endParaRPr>
           </a:p>
         </p:txBody>
       </p:sp>
       <p:pic>
         <p:nvPicPr>
-          <p:cNvPr id="95" name="" descr=""/>
+          <p:cNvPr id="95" name="Picture 94"/>
           <p:cNvPicPr/>
           <p:nvPr/>
         </p:nvPicPr>
         <p:blipFill>
-          <a:blip r:embed="rId1"/>
+          <a:blip r:embed="rId2"/>
           <a:stretch/>
         </p:blipFill>
         <p:spPr>
           <a:xfrm>
-            <a:off x="4937760" y="2011680"/>
+            <a:off x="5041708" y="1388189"/>
             <a:ext cx="4667040" cy="2742840"/>
           </a:xfrm>
           <a:prstGeom prst="rect">
@@ -5217,12 +6824,23 @@
       </p:pic>
     </p:spTree>
   </p:cSld>
+  <p:clrMapOvr>
+    <a:masterClrMapping/>
+  </p:clrMapOvr>
 </p:sld>
 </file>
 
 <file path=ppt/slides/slide6.xml><?xml version="1.0" encoding="utf-8"?>
-<p:sld xmlns:a="http://schemas.openxmlformats.org/drawingml/2006/main" xmlns:p="http://schemas.openxmlformats.org/presentationml/2006/main" xmlns:r="http://schemas.openxmlformats.org/officeDocument/2006/relationships" xmlns:p14="http://schemas.microsoft.com/office/powerpoint/2010/main" xmlns:p15="http://schemas.microsoft.com/office/powerpoint/2012/main" xmlns:mc="http://schemas.openxmlformats.org/markup-compatibility/2006">
+<p:sld xmlns:a="http://schemas.openxmlformats.org/drawingml/2006/main" xmlns:r="http://schemas.openxmlformats.org/officeDocument/2006/relationships" xmlns:p="http://schemas.openxmlformats.org/presentationml/2006/main">
   <p:cSld>
+    <p:bg>
+      <p:bgPr>
+        <a:solidFill>
+          <a:schemeClr val="accent5"/>
+        </a:solidFill>
+        <a:effectLst/>
+      </p:bgPr>
+    </p:bg>
     <p:spTree>
       <p:nvGrpSpPr>
         <p:cNvPr id="1" name=""/>
@@ -5257,16 +6875,17 @@
           </a:ln>
         </p:spPr>
         <p:txBody>
-          <a:bodyPr lIns="0" rIns="0" tIns="0" bIns="0" anchor="ctr"/>
+          <a:bodyPr lIns="0" tIns="0" rIns="0" bIns="0" anchor="ctr"/>
+          <a:lstStyle/>
           <a:p>
             <a:pPr algn="ctr"/>
             <a:r>
-              <a:rPr b="0" lang="en-US" sz="4400" spc="-1" strike="noStrike">
+              <a:rPr lang="en-US" sz="4400" b="0" strike="noStrike" spc="-1">
                 <a:latin typeface="Calibri"/>
               </a:rPr>
               <a:t>Venue categories</a:t>
             </a:r>
-            <a:endParaRPr b="0" lang="en-US" sz="4400" spc="-1" strike="noStrike">
+            <a:endParaRPr lang="en-US" sz="4400" b="0" strike="noStrike" spc="-1">
               <a:latin typeface="Arial"/>
             </a:endParaRPr>
           </a:p>
@@ -5292,17 +6911,24 @@
           </a:ln>
         </p:spPr>
         <p:txBody>
-          <a:bodyPr lIns="0" rIns="0" tIns="0" bIns="0">
+          <a:bodyPr lIns="0" tIns="0" rIns="0" bIns="0" anchor="t">
             <a:normAutofit/>
           </a:bodyPr>
-          <a:p>
-            <a:r>
-              <a:rPr b="0" lang="en-US" sz="3200" spc="-1" strike="noStrike">
+          <a:lstStyle/>
+          <a:p>
+            <a:r>
+              <a:rPr lang="en-US" sz="3200" spc="-1" dirty="0">
                 <a:latin typeface="Calibri"/>
               </a:rPr>
-              <a:t>Common venue categories in cities</a:t>
-            </a:r>
-            <a:endParaRPr b="0" lang="en-US" sz="3200" spc="-1" strike="noStrike">
+              <a:t>The top 15 popular venue</a:t>
+            </a:r>
+            <a:r>
+              <a:rPr lang="en-US" sz="3200" b="0" strike="noStrike" spc="-1" dirty="0">
+                <a:latin typeface="Calibri"/>
+              </a:rPr>
+              <a:t> categories in cities</a:t>
+            </a:r>
+            <a:endParaRPr lang="en-US" sz="3200" b="0" strike="noStrike" spc="-1" dirty="0">
               <a:latin typeface="Arial"/>
             </a:endParaRPr>
           </a:p>
@@ -5310,12 +6936,12 @@
       </p:sp>
       <p:pic>
         <p:nvPicPr>
-          <p:cNvPr id="98" name="" descr=""/>
+          <p:cNvPr id="98" name="Picture 97"/>
           <p:cNvPicPr/>
           <p:nvPr/>
         </p:nvPicPr>
         <p:blipFill>
-          <a:blip r:embed="rId1"/>
+          <a:blip r:embed="rId2"/>
           <a:stretch/>
         </p:blipFill>
         <p:spPr>
@@ -5333,12 +6959,23 @@
       </p:pic>
     </p:spTree>
   </p:cSld>
+  <p:clrMapOvr>
+    <a:masterClrMapping/>
+  </p:clrMapOvr>
 </p:sld>
 </file>
 
 <file path=ppt/slides/slide7.xml><?xml version="1.0" encoding="utf-8"?>
-<p:sld xmlns:a="http://schemas.openxmlformats.org/drawingml/2006/main" xmlns:p="http://schemas.openxmlformats.org/presentationml/2006/main" xmlns:r="http://schemas.openxmlformats.org/officeDocument/2006/relationships" xmlns:p14="http://schemas.microsoft.com/office/powerpoint/2010/main" xmlns:p15="http://schemas.microsoft.com/office/powerpoint/2012/main" xmlns:mc="http://schemas.openxmlformats.org/markup-compatibility/2006">
+<p:sld xmlns:a="http://schemas.openxmlformats.org/drawingml/2006/main" xmlns:r="http://schemas.openxmlformats.org/officeDocument/2006/relationships" xmlns:p="http://schemas.openxmlformats.org/presentationml/2006/main">
   <p:cSld>
+    <p:bg>
+      <p:bgPr>
+        <a:solidFill>
+          <a:schemeClr val="accent5"/>
+        </a:solidFill>
+        <a:effectLst/>
+      </p:bgPr>
+    </p:bg>
     <p:spTree>
       <p:nvGrpSpPr>
         <p:cNvPr id="1" name=""/>
@@ -5373,16 +7010,17 @@
           </a:ln>
         </p:spPr>
         <p:txBody>
-          <a:bodyPr lIns="0" rIns="0" tIns="0" bIns="0" anchor="ctr"/>
+          <a:bodyPr lIns="0" tIns="0" rIns="0" bIns="0" anchor="ctr"/>
+          <a:lstStyle/>
           <a:p>
             <a:pPr algn="ctr"/>
             <a:r>
-              <a:rPr b="0" lang="en-US" sz="4400" spc="-1" strike="noStrike">
+              <a:rPr lang="en-US" sz="4400" b="0" strike="noStrike" spc="-1">
                 <a:latin typeface="Calibri"/>
               </a:rPr>
               <a:t>KMeans clustering</a:t>
             </a:r>
-            <a:endParaRPr b="0" lang="en-US" sz="4400" spc="-1" strike="noStrike">
+            <a:endParaRPr lang="en-US" sz="4400" b="0" strike="noStrike" spc="-1">
               <a:latin typeface="Arial"/>
             </a:endParaRPr>
           </a:p>
@@ -5396,8 +7034,8 @@
         </p:nvSpPr>
         <p:spPr>
           <a:xfrm>
-            <a:off x="504000" y="1326600"/>
-            <a:ext cx="5256720" cy="3288240"/>
+            <a:off x="504000" y="1006861"/>
+            <a:ext cx="4456671" cy="3288240"/>
           </a:xfrm>
           <a:prstGeom prst="rect">
             <a:avLst/>
@@ -5408,30 +7046,46 @@
           </a:ln>
         </p:spPr>
         <p:txBody>
-          <a:bodyPr lIns="0" rIns="0" tIns="0" bIns="0">
+          <a:bodyPr lIns="0" tIns="0" rIns="0" bIns="0" anchor="t">
             <a:normAutofit/>
           </a:bodyPr>
-          <a:p>
-            <a:r>
-              <a:rPr b="0" lang="en-US" sz="3200" spc="-1" strike="noStrike">
+          <a:lstStyle/>
+          <a:p>
+            <a:r>
+              <a:rPr lang="en-US" sz="3200" b="0" strike="noStrike" spc="-1" dirty="0" err="1">
                 <a:latin typeface="Arial"/>
               </a:rPr>
-              <a:t>KMeans clustering of cities by its mean venus categories</a:t>
-            </a:r>
-            <a:endParaRPr b="0" lang="en-US" sz="3200" spc="-1" strike="noStrike">
-              <a:latin typeface="Arial"/>
-            </a:endParaRPr>
+              <a:t>KMeans</a:t>
+            </a:r>
+            <a:r>
+              <a:rPr lang="en-US" sz="3200" b="0" strike="noStrike" spc="-1" dirty="0">
+                <a:latin typeface="Arial"/>
+              </a:rPr>
+              <a:t> clustering of cities by </a:t>
+            </a:r>
+            <a:r>
+              <a:rPr lang="en-US" sz="3200" spc="-1" dirty="0">
+                <a:latin typeface="Arial"/>
+              </a:rPr>
+              <a:t>their mean of venue</a:t>
+            </a:r>
+            <a:r>
+              <a:rPr lang="en-US" sz="3200" b="0" strike="noStrike" spc="-1" dirty="0">
+                <a:latin typeface="Arial"/>
+              </a:rPr>
+              <a:t> categories</a:t>
+            </a:r>
           </a:p>
         </p:txBody>
       </p:sp>
       <p:pic>
         <p:nvPicPr>
-          <p:cNvPr id="101" name="" descr=""/>
+          <p:cNvPr id="101" name="Picture 100"/>
           <p:cNvPicPr/>
           <p:nvPr/>
         </p:nvPicPr>
         <p:blipFill>
-          <a:blip r:embed="rId1"/>
+          <a:blip r:embed="rId2"/>
           <a:stretch/>
         </p:blipFill>
         <p:spPr>
@@ -5449,12 +7103,23 @@
       </p:pic>
     </p:spTree>
   </p:cSld>
+  <p:clrMapOvr>
+    <a:masterClrMapping/>
+  </p:clrMapOvr>
 </p:sld>
 </file>
 
 <file path=ppt/slides/slide8.xml><?xml version="1.0" encoding="utf-8"?>
-<p:sld xmlns:a="http://schemas.openxmlformats.org/drawingml/2006/main" xmlns:p="http://schemas.openxmlformats.org/presentationml/2006/main" xmlns:r="http://schemas.openxmlformats.org/officeDocument/2006/relationships" xmlns:p14="http://schemas.microsoft.com/office/powerpoint/2010/main" xmlns:p15="http://schemas.microsoft.com/office/powerpoint/2012/main" xmlns:mc="http://schemas.openxmlformats.org/markup-compatibility/2006">
+<p:sld xmlns:a="http://schemas.openxmlformats.org/drawingml/2006/main" xmlns:r="http://schemas.openxmlformats.org/officeDocument/2006/relationships" xmlns:p="http://schemas.openxmlformats.org/presentationml/2006/main">
   <p:cSld>
+    <p:bg>
+      <p:bgPr>
+        <a:solidFill>
+          <a:schemeClr val="accent5"/>
+        </a:solidFill>
+        <a:effectLst/>
+      </p:bgPr>
+    </p:bg>
     <p:spTree>
       <p:nvGrpSpPr>
         <p:cNvPr id="1" name=""/>
@@ -5489,16 +7154,23 @@
           </a:ln>
         </p:spPr>
         <p:txBody>
-          <a:bodyPr lIns="0" rIns="0" tIns="0" bIns="0" anchor="ctr"/>
+          <a:bodyPr lIns="0" tIns="0" rIns="0" bIns="0" anchor="ctr"/>
+          <a:lstStyle/>
           <a:p>
             <a:pPr algn="ctr"/>
             <a:r>
-              <a:rPr b="0" lang="en-US" sz="4400" spc="-1" strike="noStrike">
+              <a:rPr lang="en-US" sz="4400" b="0" strike="noStrike" spc="-1" dirty="0">
                 <a:latin typeface="Calibri"/>
               </a:rPr>
-              <a:t>How the clusters compare</a:t>
-            </a:r>
-            <a:endParaRPr b="0" lang="en-US" sz="4400" spc="-1" strike="noStrike">
+              <a:t>How the clusters </a:t>
+            </a:r>
+            <a:r>
+              <a:rPr lang="en-US" sz="4400" spc="-1" dirty="0">
+                <a:latin typeface="Calibri"/>
+              </a:rPr>
+              <a:t>compared</a:t>
+            </a:r>
+            <a:endParaRPr lang="en-US" sz="4400" b="0" strike="noStrike" spc="-1" dirty="0">
               <a:latin typeface="Arial"/>
             </a:endParaRPr>
           </a:p>
@@ -5524,11 +7196,12 @@
           </a:ln>
         </p:spPr>
         <p:txBody>
-          <a:bodyPr lIns="0" rIns="0" tIns="0" bIns="0">
+          <a:bodyPr lIns="0" tIns="0" rIns="0" bIns="0">
             <a:normAutofit/>
           </a:bodyPr>
-          <a:p>
-            <a:endParaRPr b="0" lang="en-US" sz="3200" spc="-1" strike="noStrike">
+          <a:lstStyle/>
+          <a:p>
+            <a:endParaRPr lang="en-US" sz="3200" b="0" strike="noStrike" spc="-1">
               <a:latin typeface="Arial"/>
             </a:endParaRPr>
           </a:p>
@@ -5536,12 +7209,12 @@
       </p:sp>
       <p:pic>
         <p:nvPicPr>
-          <p:cNvPr id="104" name="" descr=""/>
+          <p:cNvPr id="104" name="Picture 103"/>
           <p:cNvPicPr/>
           <p:nvPr/>
         </p:nvPicPr>
         <p:blipFill>
-          <a:blip r:embed="rId1"/>
+          <a:blip r:embed="rId2"/>
           <a:stretch/>
         </p:blipFill>
         <p:spPr>
@@ -5559,12 +7232,23 @@
       </p:pic>
     </p:spTree>
   </p:cSld>
+  <p:clrMapOvr>
+    <a:masterClrMapping/>
+  </p:clrMapOvr>
 </p:sld>
 </file>
 
 <file path=ppt/slides/slide9.xml><?xml version="1.0" encoding="utf-8"?>
-<p:sld xmlns:a="http://schemas.openxmlformats.org/drawingml/2006/main" xmlns:p="http://schemas.openxmlformats.org/presentationml/2006/main" xmlns:r="http://schemas.openxmlformats.org/officeDocument/2006/relationships" xmlns:p14="http://schemas.microsoft.com/office/powerpoint/2010/main" xmlns:p15="http://schemas.microsoft.com/office/powerpoint/2012/main" xmlns:mc="http://schemas.openxmlformats.org/markup-compatibility/2006">
+<p:sld xmlns:a="http://schemas.openxmlformats.org/drawingml/2006/main" xmlns:r="http://schemas.openxmlformats.org/officeDocument/2006/relationships" xmlns:p="http://schemas.openxmlformats.org/presentationml/2006/main">
   <p:cSld>
+    <p:bg>
+      <p:bgPr>
+        <a:solidFill>
+          <a:schemeClr val="accent5"/>
+        </a:solidFill>
+        <a:effectLst/>
+      </p:bgPr>
+    </p:bg>
     <p:spTree>
       <p:nvGrpSpPr>
         <p:cNvPr id="1" name=""/>
@@ -5599,16 +7283,17 @@
           </a:ln>
         </p:spPr>
         <p:txBody>
-          <a:bodyPr lIns="0" rIns="0" tIns="0" bIns="0" anchor="ctr"/>
+          <a:bodyPr lIns="0" tIns="0" rIns="0" bIns="0" anchor="ctr"/>
+          <a:lstStyle/>
           <a:p>
             <a:pPr algn="ctr"/>
             <a:r>
-              <a:rPr b="0" lang="en-US" sz="4400" spc="-1" strike="noStrike">
+              <a:rPr lang="en-US" sz="4400" b="0" strike="noStrike" spc="-1">
                 <a:latin typeface="Calibri"/>
               </a:rPr>
               <a:t>Final host city list</a:t>
             </a:r>
-            <a:endParaRPr b="0" lang="en-US" sz="4400" spc="-1" strike="noStrike">
+            <a:endParaRPr lang="en-US" sz="4400" b="0" strike="noStrike" spc="-1">
               <a:latin typeface="Arial"/>
             </a:endParaRPr>
           </a:p>
@@ -5634,17 +7319,42 @@
           </a:ln>
         </p:spPr>
         <p:txBody>
-          <a:bodyPr lIns="0" rIns="0" tIns="0" bIns="0">
+          <a:bodyPr lIns="0" tIns="0" rIns="0" bIns="0" anchor="t">
             <a:normAutofit/>
           </a:bodyPr>
-          <a:p>
-            <a:r>
-              <a:rPr b="0" lang="en-US" sz="3200" spc="-1" strike="noStrike">
+          <a:lstStyle/>
+          <a:p>
+            <a:r>
+              <a:rPr lang="en-US" sz="3200" b="0" strike="noStrike" spc="-1" dirty="0">
                 <a:latin typeface="Calibri"/>
               </a:rPr>
-              <a:t>To reduce data noise, we would focus on host cities in Cluster 1:  Rome, Mexico City, Moscow, Seoul, Barcelona, Atlanta, London, Rio de Janeiro, Tokyo, Paris, Los Angeles</a:t>
-            </a:r>
-            <a:endParaRPr b="0" lang="en-US" sz="3200" spc="-1" strike="noStrike">
+              <a:t>To reduce data noise, we </a:t>
+            </a:r>
+            <a:r>
+              <a:rPr lang="en-US" sz="3200" spc="-1" dirty="0">
+                <a:latin typeface="Calibri"/>
+              </a:rPr>
+              <a:t>focused</a:t>
+            </a:r>
+            <a:r>
+              <a:rPr lang="en-US" sz="3200" b="0" strike="noStrike" spc="-1" dirty="0">
+                <a:latin typeface="Calibri"/>
+              </a:rPr>
+              <a:t> on host cities in Cluster 1:</a:t>
+            </a:r>
+            <a:r>
+              <a:rPr lang="en-US" sz="3200" spc="-1" dirty="0">
+                <a:latin typeface="Calibri"/>
+              </a:rPr>
+              <a:t> </a:t>
+            </a:r>
+            <a:r>
+              <a:rPr lang="en-US" sz="3200" b="0" strike="noStrike" spc="-1" dirty="0">
+                <a:latin typeface="Calibri"/>
+              </a:rPr>
+              <a:t> Rome, Mexico City, Moscow, Seoul, Barcelona, Atlanta, London, Rio de Janeiro, Tokyo, Paris, Los Angeles</a:t>
+            </a:r>
+            <a:endParaRPr lang="en-US" sz="3200" b="0" strike="noStrike" spc="-1" dirty="0">
               <a:latin typeface="Arial"/>
             </a:endParaRPr>
           </a:p>
@@ -5652,6 +7362,9 @@
       </p:sp>
     </p:spTree>
   </p:cSld>
+  <p:clrMapOvr>
+    <a:masterClrMapping/>
+  </p:clrMapOvr>
 </p:sld>
 </file>
 
@@ -5666,31 +7379,31 @@
         <a:sysClr val="window" lastClr="FFFFFF"/>
       </a:lt1>
       <a:dk2>
-        <a:srgbClr val="1f497d"/>
+        <a:srgbClr val="1F497D"/>
       </a:dk2>
       <a:lt2>
-        <a:srgbClr val="eeece1"/>
+        <a:srgbClr val="EEECE1"/>
       </a:lt2>
       <a:accent1>
-        <a:srgbClr val="4f81bd"/>
+        <a:srgbClr val="4F81BD"/>
       </a:accent1>
       <a:accent2>
-        <a:srgbClr val="c0504d"/>
+        <a:srgbClr val="C0504D"/>
       </a:accent2>
       <a:accent3>
-        <a:srgbClr val="9bbb59"/>
+        <a:srgbClr val="9BBB59"/>
       </a:accent3>
       <a:accent4>
-        <a:srgbClr val="8064a2"/>
+        <a:srgbClr val="8064A2"/>
       </a:accent4>
       <a:accent5>
-        <a:srgbClr val="4bacc6"/>
+        <a:srgbClr val="4BACC6"/>
       </a:accent5>
       <a:accent6>
-        <a:srgbClr val="f79646"/>
+        <a:srgbClr val="F79646"/>
       </a:accent6>
       <a:hlink>
-        <a:srgbClr val="0000ff"/>
+        <a:srgbClr val="0000FF"/>
       </a:hlink>
       <a:folHlink>
         <a:srgbClr val="800080"/>
@@ -5875,6 +7588,8 @@
       </a:bgFillStyleLst>
     </a:fmtScheme>
   </a:themeElements>
+  <a:objectDefaults/>
+  <a:extraClrSchemeLst/>
 </a:theme>
 </file>
 
@@ -5889,31 +7604,31 @@
         <a:sysClr val="window" lastClr="FFFFFF"/>
       </a:lt1>
       <a:dk2>
-        <a:srgbClr val="1f497d"/>
+        <a:srgbClr val="1F497D"/>
       </a:dk2>
       <a:lt2>
-        <a:srgbClr val="eeece1"/>
+        <a:srgbClr val="EEECE1"/>
       </a:lt2>
       <a:accent1>
-        <a:srgbClr val="4f81bd"/>
+        <a:srgbClr val="4F81BD"/>
       </a:accent1>
       <a:accent2>
-        <a:srgbClr val="c0504d"/>
+        <a:srgbClr val="C0504D"/>
       </a:accent2>
       <a:accent3>
-        <a:srgbClr val="9bbb59"/>
+        <a:srgbClr val="9BBB59"/>
       </a:accent3>
       <a:accent4>
-        <a:srgbClr val="8064a2"/>
+        <a:srgbClr val="8064A2"/>
       </a:accent4>
       <a:accent5>
-        <a:srgbClr val="4bacc6"/>
+        <a:srgbClr val="4BACC6"/>
       </a:accent5>
       <a:accent6>
-        <a:srgbClr val="f79646"/>
+        <a:srgbClr val="F79646"/>
       </a:accent6>
       <a:hlink>
-        <a:srgbClr val="0000ff"/>
+        <a:srgbClr val="0000FF"/>
       </a:hlink>
       <a:folHlink>
         <a:srgbClr val="800080"/>
@@ -6098,5 +7813,7 @@
       </a:bgFillStyleLst>
     </a:fmtScheme>
   </a:themeElements>
+  <a:objectDefaults/>
+  <a:extraClrSchemeLst/>
 </a:theme>
 </file>